--- a/가이드문서.pptx
+++ b/가이드문서.pptx
@@ -5,8 +5,14 @@
     <p:sldMasterId id="2147483648" r:id="rId1"/>
   </p:sldMasterIdLst>
   <p:sldIdLst>
-    <p:sldId id="256" r:id="rId2"/>
-    <p:sldId id="257" r:id="rId3"/>
+    <p:sldId id="260" r:id="rId2"/>
+    <p:sldId id="261" r:id="rId3"/>
+    <p:sldId id="265" r:id="rId4"/>
+    <p:sldId id="266" r:id="rId5"/>
+    <p:sldId id="267" r:id="rId6"/>
+    <p:sldId id="257" r:id="rId7"/>
+    <p:sldId id="262" r:id="rId8"/>
+    <p:sldId id="258" r:id="rId9"/>
   </p:sldIdLst>
   <p:sldSz cx="12192000" cy="6858000"/>
   <p:notesSz cx="6858000" cy="9144000"/>
@@ -105,6 +111,11 @@
       </a:defRPr>
     </a:lvl9pPr>
   </p:defaultTextStyle>
+  <p:extLst>
+    <p:ext uri="{EFAFB233-063F-42B5-8137-9DF3F51BA10A}">
+      <p15:sldGuideLst xmlns:p15="http://schemas.microsoft.com/office/powerpoint/2012/main"/>
+    </p:ext>
+  </p:extLst>
 </p:presentation>
 </file>
 
@@ -255,7 +266,7 @@
           <a:p>
             <a:fld id="{D63160E0-445E-4FF9-9543-D36B1F2A51AA}" type="datetimeFigureOut">
               <a:rPr lang="ko-KR" altLang="en-US" smtClean="0"/>
-              <a:t>2023-09-21</a:t>
+              <a:t>2023-09-22</a:t>
             </a:fld>
             <a:endParaRPr lang="ko-KR" altLang="en-US"/>
           </a:p>
@@ -453,7 +464,7 @@
           <a:p>
             <a:fld id="{D63160E0-445E-4FF9-9543-D36B1F2A51AA}" type="datetimeFigureOut">
               <a:rPr lang="ko-KR" altLang="en-US" smtClean="0"/>
-              <a:t>2023-09-21</a:t>
+              <a:t>2023-09-22</a:t>
             </a:fld>
             <a:endParaRPr lang="ko-KR" altLang="en-US"/>
           </a:p>
@@ -661,7 +672,7 @@
           <a:p>
             <a:fld id="{D63160E0-445E-4FF9-9543-D36B1F2A51AA}" type="datetimeFigureOut">
               <a:rPr lang="ko-KR" altLang="en-US" smtClean="0"/>
-              <a:t>2023-09-21</a:t>
+              <a:t>2023-09-22</a:t>
             </a:fld>
             <a:endParaRPr lang="ko-KR" altLang="en-US"/>
           </a:p>
@@ -859,7 +870,7 @@
           <a:p>
             <a:fld id="{D63160E0-445E-4FF9-9543-D36B1F2A51AA}" type="datetimeFigureOut">
               <a:rPr lang="ko-KR" altLang="en-US" smtClean="0"/>
-              <a:t>2023-09-21</a:t>
+              <a:t>2023-09-22</a:t>
             </a:fld>
             <a:endParaRPr lang="ko-KR" altLang="en-US"/>
           </a:p>
@@ -1134,7 +1145,7 @@
           <a:p>
             <a:fld id="{D63160E0-445E-4FF9-9543-D36B1F2A51AA}" type="datetimeFigureOut">
               <a:rPr lang="ko-KR" altLang="en-US" smtClean="0"/>
-              <a:t>2023-09-21</a:t>
+              <a:t>2023-09-22</a:t>
             </a:fld>
             <a:endParaRPr lang="ko-KR" altLang="en-US"/>
           </a:p>
@@ -1399,7 +1410,7 @@
           <a:p>
             <a:fld id="{D63160E0-445E-4FF9-9543-D36B1F2A51AA}" type="datetimeFigureOut">
               <a:rPr lang="ko-KR" altLang="en-US" smtClean="0"/>
-              <a:t>2023-09-21</a:t>
+              <a:t>2023-09-22</a:t>
             </a:fld>
             <a:endParaRPr lang="ko-KR" altLang="en-US"/>
           </a:p>
@@ -1811,7 +1822,7 @@
           <a:p>
             <a:fld id="{D63160E0-445E-4FF9-9543-D36B1F2A51AA}" type="datetimeFigureOut">
               <a:rPr lang="ko-KR" altLang="en-US" smtClean="0"/>
-              <a:t>2023-09-21</a:t>
+              <a:t>2023-09-22</a:t>
             </a:fld>
             <a:endParaRPr lang="ko-KR" altLang="en-US"/>
           </a:p>
@@ -1952,7 +1963,7 @@
           <a:p>
             <a:fld id="{D63160E0-445E-4FF9-9543-D36B1F2A51AA}" type="datetimeFigureOut">
               <a:rPr lang="ko-KR" altLang="en-US" smtClean="0"/>
-              <a:t>2023-09-21</a:t>
+              <a:t>2023-09-22</a:t>
             </a:fld>
             <a:endParaRPr lang="ko-KR" altLang="en-US"/>
           </a:p>
@@ -2065,7 +2076,7 @@
           <a:p>
             <a:fld id="{D63160E0-445E-4FF9-9543-D36B1F2A51AA}" type="datetimeFigureOut">
               <a:rPr lang="ko-KR" altLang="en-US" smtClean="0"/>
-              <a:t>2023-09-21</a:t>
+              <a:t>2023-09-22</a:t>
             </a:fld>
             <a:endParaRPr lang="ko-KR" altLang="en-US"/>
           </a:p>
@@ -2376,7 +2387,7 @@
           <a:p>
             <a:fld id="{D63160E0-445E-4FF9-9543-D36B1F2A51AA}" type="datetimeFigureOut">
               <a:rPr lang="ko-KR" altLang="en-US" smtClean="0"/>
-              <a:t>2023-09-21</a:t>
+              <a:t>2023-09-22</a:t>
             </a:fld>
             <a:endParaRPr lang="ko-KR" altLang="en-US"/>
           </a:p>
@@ -2664,7 +2675,7 @@
           <a:p>
             <a:fld id="{D63160E0-445E-4FF9-9543-D36B1F2A51AA}" type="datetimeFigureOut">
               <a:rPr lang="ko-KR" altLang="en-US" smtClean="0"/>
-              <a:t>2023-09-21</a:t>
+              <a:t>2023-09-22</a:t>
             </a:fld>
             <a:endParaRPr lang="ko-KR" altLang="en-US"/>
           </a:p>
@@ -2905,7 +2916,7 @@
           <a:p>
             <a:fld id="{D63160E0-445E-4FF9-9543-D36B1F2A51AA}" type="datetimeFigureOut">
               <a:rPr lang="ko-KR" altLang="en-US" smtClean="0"/>
-              <a:t>2023-09-21</a:t>
+              <a:t>2023-09-22</a:t>
             </a:fld>
             <a:endParaRPr lang="ko-KR" altLang="en-US"/>
           </a:p>
@@ -3324,190 +3335,56 @@
       </p:grpSpPr>
       <p:sp>
         <p:nvSpPr>
-          <p:cNvPr id="2" name="제목 1">
-            <a:extLst>
-              <a:ext uri="{FF2B5EF4-FFF2-40B4-BE49-F238E27FC236}">
-                <a16:creationId xmlns:a16="http://schemas.microsoft.com/office/drawing/2014/main" id="{C0DC9397-C73D-4820-A749-89F09AA74FEA}"/>
-              </a:ext>
-            </a:extLst>
-          </p:cNvPr>
-          <p:cNvSpPr>
-            <a:spLocks noGrp="1"/>
-          </p:cNvSpPr>
-          <p:nvPr>
-            <p:ph type="ctrTitle"/>
-          </p:nvPr>
+          <p:cNvPr id="34" name="직사각형 33">
+            <a:extLst>
+              <a:ext uri="{FF2B5EF4-FFF2-40B4-BE49-F238E27FC236}">
+                <a16:creationId xmlns:a16="http://schemas.microsoft.com/office/drawing/2014/main" id="{47325ED5-6A0B-4074-AC9C-462E42384913}"/>
+              </a:ext>
+            </a:extLst>
+          </p:cNvPr>
+          <p:cNvSpPr/>
+          <p:nvPr/>
         </p:nvSpPr>
         <p:spPr>
           <a:xfrm>
-            <a:off x="577442" y="634371"/>
-            <a:ext cx="10873530" cy="830508"/>
+            <a:off x="0" y="-1"/>
+            <a:ext cx="12192000" cy="6858001"/>
           </a:xfrm>
+          <a:prstGeom prst="rect">
+            <a:avLst/>
+          </a:prstGeom>
         </p:spPr>
+        <p:style>
+          <a:lnRef idx="2">
+            <a:schemeClr val="dk1">
+              <a:shade val="50000"/>
+            </a:schemeClr>
+          </a:lnRef>
+          <a:fillRef idx="1">
+            <a:schemeClr val="dk1"/>
+          </a:fillRef>
+          <a:effectRef idx="0">
+            <a:schemeClr val="dk1"/>
+          </a:effectRef>
+          <a:fontRef idx="minor">
+            <a:schemeClr val="lt1"/>
+          </a:fontRef>
+        </p:style>
         <p:txBody>
-          <a:bodyPr tIns="18000" bIns="18000" anchor="t">
-            <a:noAutofit/>
-          </a:bodyPr>
+          <a:bodyPr rtlCol="0" anchor="ctr"/>
           <a:lstStyle/>
           <a:p>
-            <a:pPr algn="l">
-              <a:lnSpc>
-                <a:spcPct val="150000"/>
-              </a:lnSpc>
-            </a:pPr>
-            <a:r>
-              <a:rPr lang="ko-KR" altLang="en-US" sz="3200" b="1" dirty="0" err="1">
-                <a:latin typeface="Pretendard" panose="02000503000000020004" pitchFamily="50" charset="-127"/>
-                <a:ea typeface="Pretendard" panose="02000503000000020004" pitchFamily="50" charset="-127"/>
-                <a:cs typeface="Pretendard" panose="02000503000000020004" pitchFamily="50" charset="-127"/>
-              </a:rPr>
-              <a:t>프론트엔드</a:t>
-            </a:r>
-            <a:r>
-              <a:rPr lang="en-US" altLang="ko-KR" sz="3200" b="1" dirty="0">
-                <a:latin typeface="Pretendard" panose="02000503000000020004" pitchFamily="50" charset="-127"/>
-                <a:ea typeface="Pretendard" panose="02000503000000020004" pitchFamily="50" charset="-127"/>
-                <a:cs typeface="Pretendard" panose="02000503000000020004" pitchFamily="50" charset="-127"/>
-              </a:rPr>
-              <a:t>(React, PHP), </a:t>
-            </a:r>
-            <a:r>
-              <a:rPr lang="ko-KR" altLang="en-US" sz="3200" b="1" dirty="0" err="1">
-                <a:latin typeface="Pretendard" panose="02000503000000020004" pitchFamily="50" charset="-127"/>
-                <a:ea typeface="Pretendard" panose="02000503000000020004" pitchFamily="50" charset="-127"/>
-                <a:cs typeface="Pretendard" panose="02000503000000020004" pitchFamily="50" charset="-127"/>
-              </a:rPr>
-              <a:t>플러터</a:t>
-            </a:r>
-            <a:r>
-              <a:rPr lang="en-US" altLang="ko-KR" sz="3200" b="1" dirty="0">
-                <a:latin typeface="Pretendard" panose="02000503000000020004" pitchFamily="50" charset="-127"/>
-                <a:ea typeface="Pretendard" panose="02000503000000020004" pitchFamily="50" charset="-127"/>
-                <a:cs typeface="Pretendard" panose="02000503000000020004" pitchFamily="50" charset="-127"/>
-              </a:rPr>
-              <a:t>(Flutter)</a:t>
-            </a:r>
-            <a:r>
-              <a:rPr lang="ko-KR" altLang="en-US" sz="3200" b="1" dirty="0">
-                <a:latin typeface="Pretendard" panose="02000503000000020004" pitchFamily="50" charset="-127"/>
-                <a:ea typeface="Pretendard" panose="02000503000000020004" pitchFamily="50" charset="-127"/>
-                <a:cs typeface="Pretendard" panose="02000503000000020004" pitchFamily="50" charset="-127"/>
-              </a:rPr>
-              <a:t>활용</a:t>
-            </a:r>
-            <a:br>
-              <a:rPr lang="en-US" altLang="ko-KR" sz="3200" b="1" dirty="0">
-                <a:latin typeface="Pretendard" panose="02000503000000020004" pitchFamily="50" charset="-127"/>
-                <a:ea typeface="Pretendard" panose="02000503000000020004" pitchFamily="50" charset="-127"/>
-                <a:cs typeface="Pretendard" panose="02000503000000020004" pitchFamily="50" charset="-127"/>
-              </a:rPr>
-            </a:br>
-            <a:r>
-              <a:rPr lang="ko-KR" altLang="en-US" sz="3200" b="1" dirty="0">
-                <a:latin typeface="Pretendard" panose="02000503000000020004" pitchFamily="50" charset="-127"/>
-                <a:ea typeface="Pretendard" panose="02000503000000020004" pitchFamily="50" charset="-127"/>
-                <a:cs typeface="Pretendard" panose="02000503000000020004" pitchFamily="50" charset="-127"/>
-              </a:rPr>
-              <a:t>웹 </a:t>
-            </a:r>
-            <a:r>
-              <a:rPr lang="en-US" altLang="ko-KR" sz="3200" b="1" dirty="0">
-                <a:latin typeface="Pretendard" panose="02000503000000020004" pitchFamily="50" charset="-127"/>
-                <a:ea typeface="Pretendard" panose="02000503000000020004" pitchFamily="50" charset="-127"/>
-                <a:cs typeface="Pretendard" panose="02000503000000020004" pitchFamily="50" charset="-127"/>
-              </a:rPr>
-              <a:t>&amp; </a:t>
-            </a:r>
-            <a:r>
-              <a:rPr lang="ko-KR" altLang="en-US" sz="3200" b="1" dirty="0" err="1">
-                <a:latin typeface="Pretendard" panose="02000503000000020004" pitchFamily="50" charset="-127"/>
-                <a:ea typeface="Pretendard" panose="02000503000000020004" pitchFamily="50" charset="-127"/>
-                <a:cs typeface="Pretendard" panose="02000503000000020004" pitchFamily="50" charset="-127"/>
-              </a:rPr>
-              <a:t>앱개발</a:t>
-            </a:r>
-            <a:r>
-              <a:rPr lang="ko-KR" altLang="en-US" sz="3200" b="1" dirty="0">
-                <a:latin typeface="Pretendard" panose="02000503000000020004" pitchFamily="50" charset="-127"/>
-                <a:ea typeface="Pretendard" panose="02000503000000020004" pitchFamily="50" charset="-127"/>
-                <a:cs typeface="Pretendard" panose="02000503000000020004" pitchFamily="50" charset="-127"/>
-              </a:rPr>
-              <a:t> 양성과정</a:t>
-            </a:r>
-            <a:br>
-              <a:rPr lang="en-US" altLang="ko-KR" sz="3200" dirty="0">
-                <a:latin typeface="Pretendard" panose="02000503000000020004" pitchFamily="50" charset="-127"/>
-                <a:ea typeface="Pretendard" panose="02000503000000020004" pitchFamily="50" charset="-127"/>
-                <a:cs typeface="Pretendard" panose="02000503000000020004" pitchFamily="50" charset="-127"/>
-              </a:rPr>
-            </a:br>
-            <a:br>
-              <a:rPr lang="en-US" altLang="ko-KR" sz="3200" dirty="0">
-                <a:latin typeface="Pretendard" panose="02000503000000020004" pitchFamily="50" charset="-127"/>
-                <a:ea typeface="Pretendard" panose="02000503000000020004" pitchFamily="50" charset="-127"/>
-                <a:cs typeface="Pretendard" panose="02000503000000020004" pitchFamily="50" charset="-127"/>
-              </a:rPr>
-            </a:br>
-            <a:br>
-              <a:rPr lang="en-US" altLang="ko-KR" sz="3200" dirty="0">
-                <a:latin typeface="Pretendard" panose="02000503000000020004" pitchFamily="50" charset="-127"/>
-                <a:ea typeface="Pretendard" panose="02000503000000020004" pitchFamily="50" charset="-127"/>
-                <a:cs typeface="Pretendard" panose="02000503000000020004" pitchFamily="50" charset="-127"/>
-              </a:rPr>
-            </a:br>
-            <a:br>
-              <a:rPr lang="en-US" altLang="ko-KR" sz="3200" dirty="0">
-                <a:latin typeface="Pretendard" panose="02000503000000020004" pitchFamily="50" charset="-127"/>
-                <a:ea typeface="Pretendard" panose="02000503000000020004" pitchFamily="50" charset="-127"/>
-                <a:cs typeface="Pretendard" panose="02000503000000020004" pitchFamily="50" charset="-127"/>
-              </a:rPr>
-            </a:br>
-            <a:r>
-              <a:rPr lang="en-US" altLang="ko-KR" sz="3200" dirty="0">
-                <a:latin typeface="Pretendard" panose="02000503000000020004" pitchFamily="50" charset="-127"/>
-                <a:ea typeface="Pretendard" panose="02000503000000020004" pitchFamily="50" charset="-127"/>
-                <a:cs typeface="Pretendard" panose="02000503000000020004" pitchFamily="50" charset="-127"/>
-              </a:rPr>
-              <a:t>1</a:t>
-            </a:r>
-            <a:r>
-              <a:rPr lang="ko-KR" altLang="en-US" sz="3200" dirty="0">
-                <a:latin typeface="Pretendard" panose="02000503000000020004" pitchFamily="50" charset="-127"/>
-                <a:ea typeface="Pretendard" panose="02000503000000020004" pitchFamily="50" charset="-127"/>
-                <a:cs typeface="Pretendard" panose="02000503000000020004" pitchFamily="50" charset="-127"/>
-              </a:rPr>
-              <a:t>차 프로젝트</a:t>
-            </a:r>
-            <a:r>
-              <a:rPr lang="en-US" altLang="ko-KR" sz="3200" dirty="0">
-                <a:latin typeface="Pretendard" panose="02000503000000020004" pitchFamily="50" charset="-127"/>
-                <a:ea typeface="Pretendard" panose="02000503000000020004" pitchFamily="50" charset="-127"/>
-                <a:cs typeface="Pretendard" panose="02000503000000020004" pitchFamily="50" charset="-127"/>
-              </a:rPr>
-              <a:t> </a:t>
-            </a:r>
-            <a:r>
-              <a:rPr lang="en-US" altLang="ko-KR" sz="1800" dirty="0">
-                <a:latin typeface="Pretendard" panose="02000503000000020004" pitchFamily="50" charset="-127"/>
-                <a:ea typeface="Pretendard" panose="02000503000000020004" pitchFamily="50" charset="-127"/>
-                <a:cs typeface="Pretendard" panose="02000503000000020004" pitchFamily="50" charset="-127"/>
-              </a:rPr>
-              <a:t>(2023.09.22)</a:t>
-            </a:r>
-            <a:endParaRPr lang="ko-KR" altLang="en-US" sz="1800" dirty="0">
-              <a:latin typeface="Pretendard" panose="02000503000000020004" pitchFamily="50" charset="-127"/>
-              <a:ea typeface="Pretendard" panose="02000503000000020004" pitchFamily="50" charset="-127"/>
-              <a:cs typeface="Pretendard" panose="02000503000000020004" pitchFamily="50" charset="-127"/>
-            </a:endParaRPr>
+            <a:pPr algn="ctr"/>
+            <a:endParaRPr lang="ko-KR" altLang="en-US"/>
           </a:p>
         </p:txBody>
       </p:sp>
       <p:sp>
         <p:nvSpPr>
-          <p:cNvPr id="5" name="제목 1">
-            <a:extLst>
-              <a:ext uri="{FF2B5EF4-FFF2-40B4-BE49-F238E27FC236}">
-                <a16:creationId xmlns:a16="http://schemas.microsoft.com/office/drawing/2014/main" id="{6B294F01-6F58-4515-B8DD-46A8EB3916A0}"/>
+          <p:cNvPr id="13" name="제목 1">
+            <a:extLst>
+              <a:ext uri="{FF2B5EF4-FFF2-40B4-BE49-F238E27FC236}">
+                <a16:creationId xmlns:a16="http://schemas.microsoft.com/office/drawing/2014/main" id="{84D4D94E-CC19-40E1-B5EB-0EF0D45A0386}"/>
               </a:ext>
             </a:extLst>
           </p:cNvPr>
@@ -3518,15 +3395,15 @@
         </p:nvSpPr>
         <p:spPr>
           <a:xfrm>
-            <a:off x="577442" y="5084071"/>
-            <a:ext cx="1006964" cy="444617"/>
+            <a:off x="266700" y="2087534"/>
+            <a:ext cx="6191658" cy="478070"/>
           </a:xfrm>
           <a:prstGeom prst="rect">
             <a:avLst/>
           </a:prstGeom>
         </p:spPr>
         <p:txBody>
-          <a:bodyPr vert="horz" lIns="91440" tIns="45720" rIns="91440" bIns="45720" rtlCol="0" anchor="t">
+          <a:bodyPr vert="horz" lIns="91440" tIns="18000" rIns="91440" bIns="18000" rtlCol="0" anchor="t">
             <a:noAutofit/>
           </a:bodyPr>
           <a:lstStyle>
@@ -3555,7 +3432,87 @@
               </a:lnSpc>
             </a:pPr>
             <a:r>
-              <a:rPr lang="ko-KR" altLang="en-US" sz="2400" dirty="0">
+              <a:rPr lang="ko-KR" altLang="en-US" sz="5400" b="1" dirty="0">
+                <a:solidFill>
+                  <a:schemeClr val="bg1"/>
+                </a:solidFill>
+                <a:latin typeface="Pretendard" panose="02000503000000020004" pitchFamily="50" charset="-127"/>
+                <a:ea typeface="Pretendard" panose="02000503000000020004" pitchFamily="50" charset="-127"/>
+                <a:cs typeface="Pretendard" panose="02000503000000020004" pitchFamily="50" charset="-127"/>
+              </a:rPr>
+              <a:t>메가박스 영화관 </a:t>
+            </a:r>
+            <a:r>
+              <a:rPr lang="ko-KR" altLang="en-US" sz="2000" dirty="0">
+                <a:solidFill>
+                  <a:schemeClr val="bg1"/>
+                </a:solidFill>
+                <a:latin typeface="Pretendard" panose="02000503000000020004" pitchFamily="50" charset="-127"/>
+                <a:ea typeface="Pretendard" panose="02000503000000020004" pitchFamily="50" charset="-127"/>
+                <a:cs typeface="Pretendard" panose="02000503000000020004" pitchFamily="50" charset="-127"/>
+              </a:rPr>
+              <a:t>가이드문서</a:t>
+            </a:r>
+          </a:p>
+        </p:txBody>
+      </p:sp>
+      <p:sp>
+        <p:nvSpPr>
+          <p:cNvPr id="20" name="제목 1">
+            <a:extLst>
+              <a:ext uri="{FF2B5EF4-FFF2-40B4-BE49-F238E27FC236}">
+                <a16:creationId xmlns:a16="http://schemas.microsoft.com/office/drawing/2014/main" id="{BCB012FA-7810-45D6-9E0E-8CEBB53F5CC7}"/>
+              </a:ext>
+            </a:extLst>
+          </p:cNvPr>
+          <p:cNvSpPr txBox="1">
+            <a:spLocks/>
+          </p:cNvSpPr>
+          <p:nvPr/>
+        </p:nvSpPr>
+        <p:spPr>
+          <a:xfrm>
+            <a:off x="266700" y="5592995"/>
+            <a:ext cx="1268780" cy="830508"/>
+          </a:xfrm>
+          <a:prstGeom prst="rect">
+            <a:avLst/>
+          </a:prstGeom>
+        </p:spPr>
+        <p:txBody>
+          <a:bodyPr vert="horz" lIns="91440" tIns="18000" rIns="91440" bIns="18000" rtlCol="0" anchor="t">
+            <a:noAutofit/>
+          </a:bodyPr>
+          <a:lstStyle>
+            <a:lvl1pPr algn="ctr" defTabSz="914400" rtl="0" eaLnBrk="1" latinLnBrk="1" hangingPunct="1">
+              <a:lnSpc>
+                <a:spcPct val="90000"/>
+              </a:lnSpc>
+              <a:spcBef>
+                <a:spcPct val="0"/>
+              </a:spcBef>
+              <a:buNone/>
+              <a:defRPr sz="6000" kern="1200">
+                <a:solidFill>
+                  <a:schemeClr val="tx1"/>
+                </a:solidFill>
+                <a:latin typeface="+mj-lt"/>
+                <a:ea typeface="+mj-ea"/>
+                <a:cs typeface="+mj-cs"/>
+              </a:defRPr>
+            </a:lvl1pPr>
+          </a:lstStyle>
+          <a:p>
+            <a:pPr algn="l">
+              <a:lnSpc>
+                <a:spcPct val="150000"/>
+              </a:lnSpc>
+            </a:pPr>
+            <a:r>
+              <a:rPr lang="ko-KR" altLang="en-US" sz="2800" dirty="0">
+                <a:solidFill>
+                  <a:schemeClr val="bg1"/>
+                </a:solidFill>
                 <a:latin typeface="Pretendard" panose="02000503000000020004" pitchFamily="50" charset="-127"/>
                 <a:ea typeface="Pretendard" panose="02000503000000020004" pitchFamily="50" charset="-127"/>
                 <a:cs typeface="Pretendard" panose="02000503000000020004" pitchFamily="50" charset="-127"/>
@@ -3565,48 +3522,382 @@
           </a:p>
         </p:txBody>
       </p:sp>
-      <p:cxnSp>
-        <p:nvCxnSpPr>
-          <p:cNvPr id="7" name="직선 연결선 6">
-            <a:extLst>
-              <a:ext uri="{FF2B5EF4-FFF2-40B4-BE49-F238E27FC236}">
-                <a16:creationId xmlns:a16="http://schemas.microsoft.com/office/drawing/2014/main" id="{F66C07EC-5059-489E-8226-4C5E9844351F}"/>
-              </a:ext>
-            </a:extLst>
-          </p:cNvPr>
-          <p:cNvCxnSpPr>
-            <a:cxnSpLocks/>
-          </p:cNvCxnSpPr>
+      <p:sp>
+        <p:nvSpPr>
+          <p:cNvPr id="28" name="TextBox 27">
+            <a:extLst>
+              <a:ext uri="{FF2B5EF4-FFF2-40B4-BE49-F238E27FC236}">
+                <a16:creationId xmlns:a16="http://schemas.microsoft.com/office/drawing/2014/main" id="{AA04B6F1-AAA8-4508-A44E-5A3F91C9E3F7}"/>
+              </a:ext>
+            </a:extLst>
+          </p:cNvPr>
+          <p:cNvSpPr txBox="1"/>
           <p:nvPr/>
-        </p:nvCxnSpPr>
+        </p:nvSpPr>
         <p:spPr>
           <a:xfrm>
-            <a:off x="293615" y="5084071"/>
-            <a:ext cx="11898385" cy="0"/>
+            <a:off x="266700" y="316734"/>
+            <a:ext cx="8216900" cy="369332"/>
           </a:xfrm>
-          <a:prstGeom prst="line">
+          <a:prstGeom prst="rect">
+            <a:avLst/>
+          </a:prstGeom>
+          <a:noFill/>
+        </p:spPr>
+        <p:txBody>
+          <a:bodyPr wrap="square">
+            <a:spAutoFit/>
+          </a:bodyPr>
+          <a:lstStyle/>
+          <a:p>
+            <a:r>
+              <a:rPr lang="ko-KR" altLang="en-US" dirty="0" err="1">
+                <a:solidFill>
+                  <a:schemeClr val="bg1">
+                    <a:lumMod val="85000"/>
+                  </a:schemeClr>
+                </a:solidFill>
+                <a:latin typeface="Pretendard" panose="02000503000000020004" pitchFamily="50" charset="-127"/>
+                <a:ea typeface="Pretendard" panose="02000503000000020004" pitchFamily="50" charset="-127"/>
+                <a:cs typeface="Pretendard" panose="02000503000000020004" pitchFamily="50" charset="-127"/>
+              </a:rPr>
+              <a:t>프론트엔드</a:t>
+            </a:r>
+            <a:r>
+              <a:rPr lang="en-US" altLang="ko-KR" dirty="0">
+                <a:solidFill>
+                  <a:schemeClr val="bg1">
+                    <a:lumMod val="85000"/>
+                  </a:schemeClr>
+                </a:solidFill>
+                <a:latin typeface="Pretendard" panose="02000503000000020004" pitchFamily="50" charset="-127"/>
+                <a:ea typeface="Pretendard" panose="02000503000000020004" pitchFamily="50" charset="-127"/>
+                <a:cs typeface="Pretendard" panose="02000503000000020004" pitchFamily="50" charset="-127"/>
+              </a:rPr>
+              <a:t>(React, PHP), </a:t>
+            </a:r>
+            <a:r>
+              <a:rPr lang="ko-KR" altLang="en-US" dirty="0" err="1">
+                <a:solidFill>
+                  <a:schemeClr val="bg1">
+                    <a:lumMod val="85000"/>
+                  </a:schemeClr>
+                </a:solidFill>
+                <a:latin typeface="Pretendard" panose="02000503000000020004" pitchFamily="50" charset="-127"/>
+                <a:ea typeface="Pretendard" panose="02000503000000020004" pitchFamily="50" charset="-127"/>
+                <a:cs typeface="Pretendard" panose="02000503000000020004" pitchFamily="50" charset="-127"/>
+              </a:rPr>
+              <a:t>플러터</a:t>
+            </a:r>
+            <a:r>
+              <a:rPr lang="en-US" altLang="ko-KR" dirty="0">
+                <a:solidFill>
+                  <a:schemeClr val="bg1">
+                    <a:lumMod val="85000"/>
+                  </a:schemeClr>
+                </a:solidFill>
+                <a:latin typeface="Pretendard" panose="02000503000000020004" pitchFamily="50" charset="-127"/>
+                <a:ea typeface="Pretendard" panose="02000503000000020004" pitchFamily="50" charset="-127"/>
+                <a:cs typeface="Pretendard" panose="02000503000000020004" pitchFamily="50" charset="-127"/>
+              </a:rPr>
+              <a:t>(Flutter)</a:t>
+            </a:r>
+            <a:r>
+              <a:rPr lang="ko-KR" altLang="en-US" dirty="0">
+                <a:solidFill>
+                  <a:schemeClr val="bg1">
+                    <a:lumMod val="85000"/>
+                  </a:schemeClr>
+                </a:solidFill>
+                <a:latin typeface="Pretendard" panose="02000503000000020004" pitchFamily="50" charset="-127"/>
+                <a:ea typeface="Pretendard" panose="02000503000000020004" pitchFamily="50" charset="-127"/>
+                <a:cs typeface="Pretendard" panose="02000503000000020004" pitchFamily="50" charset="-127"/>
+              </a:rPr>
+              <a:t>활용 웹</a:t>
+            </a:r>
+            <a:r>
+              <a:rPr lang="en-US" altLang="ko-KR" dirty="0">
+                <a:solidFill>
+                  <a:schemeClr val="bg1">
+                    <a:lumMod val="85000"/>
+                  </a:schemeClr>
+                </a:solidFill>
+                <a:latin typeface="Pretendard" panose="02000503000000020004" pitchFamily="50" charset="-127"/>
+                <a:ea typeface="Pretendard" panose="02000503000000020004" pitchFamily="50" charset="-127"/>
+                <a:cs typeface="Pretendard" panose="02000503000000020004" pitchFamily="50" charset="-127"/>
+              </a:rPr>
+              <a:t>&amp;</a:t>
+            </a:r>
+            <a:r>
+              <a:rPr lang="ko-KR" altLang="en-US" dirty="0" err="1">
+                <a:solidFill>
+                  <a:schemeClr val="bg1">
+                    <a:lumMod val="85000"/>
+                  </a:schemeClr>
+                </a:solidFill>
+                <a:latin typeface="Pretendard" panose="02000503000000020004" pitchFamily="50" charset="-127"/>
+                <a:ea typeface="Pretendard" panose="02000503000000020004" pitchFamily="50" charset="-127"/>
+                <a:cs typeface="Pretendard" panose="02000503000000020004" pitchFamily="50" charset="-127"/>
+              </a:rPr>
+              <a:t>앱개발</a:t>
+            </a:r>
+            <a:r>
+              <a:rPr lang="ko-KR" altLang="en-US" dirty="0">
+                <a:solidFill>
+                  <a:schemeClr val="bg1">
+                    <a:lumMod val="85000"/>
+                  </a:schemeClr>
+                </a:solidFill>
+                <a:latin typeface="Pretendard" panose="02000503000000020004" pitchFamily="50" charset="-127"/>
+                <a:ea typeface="Pretendard" panose="02000503000000020004" pitchFamily="50" charset="-127"/>
+                <a:cs typeface="Pretendard" panose="02000503000000020004" pitchFamily="50" charset="-127"/>
+              </a:rPr>
+              <a:t>  </a:t>
+            </a:r>
+            <a:r>
+              <a:rPr lang="en-US" altLang="ko-KR" dirty="0">
+                <a:solidFill>
+                  <a:schemeClr val="bg1">
+                    <a:lumMod val="85000"/>
+                  </a:schemeClr>
+                </a:solidFill>
+                <a:latin typeface="Pretendard" panose="02000503000000020004" pitchFamily="50" charset="-127"/>
+                <a:ea typeface="Pretendard" panose="02000503000000020004" pitchFamily="50" charset="-127"/>
+                <a:cs typeface="Pretendard" panose="02000503000000020004" pitchFamily="50" charset="-127"/>
+              </a:rPr>
+              <a:t>| </a:t>
+            </a:r>
+            <a:r>
+              <a:rPr lang="ko-KR" altLang="en-US" dirty="0">
+                <a:solidFill>
+                  <a:schemeClr val="bg1">
+                    <a:lumMod val="85000"/>
+                  </a:schemeClr>
+                </a:solidFill>
+                <a:latin typeface="Pretendard" panose="02000503000000020004" pitchFamily="50" charset="-127"/>
+                <a:ea typeface="Pretendard" panose="02000503000000020004" pitchFamily="50" charset="-127"/>
+                <a:cs typeface="Pretendard" panose="02000503000000020004" pitchFamily="50" charset="-127"/>
+              </a:rPr>
+              <a:t> </a:t>
+            </a:r>
+            <a:r>
+              <a:rPr lang="en-US" altLang="ko-KR" b="1" dirty="0">
+                <a:solidFill>
+                  <a:schemeClr val="bg1">
+                    <a:lumMod val="85000"/>
+                  </a:schemeClr>
+                </a:solidFill>
+                <a:latin typeface="Pretendard" panose="02000503000000020004" pitchFamily="50" charset="-127"/>
+                <a:ea typeface="Pretendard" panose="02000503000000020004" pitchFamily="50" charset="-127"/>
+                <a:cs typeface="Pretendard" panose="02000503000000020004" pitchFamily="50" charset="-127"/>
+              </a:rPr>
+              <a:t>1</a:t>
+            </a:r>
+            <a:r>
+              <a:rPr lang="ko-KR" altLang="en-US" b="1" dirty="0">
+                <a:solidFill>
+                  <a:schemeClr val="bg1">
+                    <a:lumMod val="85000"/>
+                  </a:schemeClr>
+                </a:solidFill>
+                <a:latin typeface="Pretendard" panose="02000503000000020004" pitchFamily="50" charset="-127"/>
+                <a:ea typeface="Pretendard" panose="02000503000000020004" pitchFamily="50" charset="-127"/>
+                <a:cs typeface="Pretendard" panose="02000503000000020004" pitchFamily="50" charset="-127"/>
+              </a:rPr>
+              <a:t>차 프로젝트</a:t>
+            </a:r>
+          </a:p>
+        </p:txBody>
+      </p:sp>
+      <p:sp>
+        <p:nvSpPr>
+          <p:cNvPr id="37" name="제목 1">
+            <a:extLst>
+              <a:ext uri="{FF2B5EF4-FFF2-40B4-BE49-F238E27FC236}">
+                <a16:creationId xmlns:a16="http://schemas.microsoft.com/office/drawing/2014/main" id="{A0324A65-3278-4CF6-B051-3F8A606E6198}"/>
+              </a:ext>
+            </a:extLst>
+          </p:cNvPr>
+          <p:cNvSpPr txBox="1">
+            <a:spLocks/>
+          </p:cNvSpPr>
+          <p:nvPr/>
+        </p:nvSpPr>
+        <p:spPr>
+          <a:xfrm>
+            <a:off x="266699" y="5131207"/>
+            <a:ext cx="3352801" cy="830508"/>
+          </a:xfrm>
+          <a:prstGeom prst="rect">
             <a:avLst/>
           </a:prstGeom>
         </p:spPr>
-        <p:style>
-          <a:lnRef idx="1">
-            <a:schemeClr val="accent2"/>
-          </a:lnRef>
-          <a:fillRef idx="0">
-            <a:schemeClr val="accent2"/>
-          </a:fillRef>
-          <a:effectRef idx="0">
-            <a:schemeClr val="accent2"/>
-          </a:effectRef>
-          <a:fontRef idx="minor">
-            <a:schemeClr val="tx1"/>
-          </a:fontRef>
-        </p:style>
-      </p:cxnSp>
+        <p:txBody>
+          <a:bodyPr vert="horz" lIns="91440" tIns="18000" rIns="91440" bIns="18000" rtlCol="0" anchor="t">
+            <a:noAutofit/>
+          </a:bodyPr>
+          <a:lstStyle>
+            <a:lvl1pPr algn="ctr" defTabSz="914400" rtl="0" eaLnBrk="1" latinLnBrk="1" hangingPunct="1">
+              <a:lnSpc>
+                <a:spcPct val="90000"/>
+              </a:lnSpc>
+              <a:spcBef>
+                <a:spcPct val="0"/>
+              </a:spcBef>
+              <a:buNone/>
+              <a:defRPr sz="6000" kern="1200">
+                <a:solidFill>
+                  <a:schemeClr val="tx1"/>
+                </a:solidFill>
+                <a:latin typeface="+mj-lt"/>
+                <a:ea typeface="+mj-ea"/>
+                <a:cs typeface="+mj-cs"/>
+              </a:defRPr>
+            </a:lvl1pPr>
+          </a:lstStyle>
+          <a:p>
+            <a:pPr algn="l">
+              <a:lnSpc>
+                <a:spcPct val="150000"/>
+              </a:lnSpc>
+            </a:pPr>
+            <a:r>
+              <a:rPr lang="en-US" altLang="ko-KR" sz="2400" b="1" dirty="0">
+                <a:solidFill>
+                  <a:schemeClr val="bg1"/>
+                </a:solidFill>
+                <a:latin typeface="Pretendard" panose="02000503000000020004" pitchFamily="50" charset="-127"/>
+                <a:ea typeface="Pretendard" panose="02000503000000020004" pitchFamily="50" charset="-127"/>
+                <a:cs typeface="Pretendard" panose="02000503000000020004" pitchFamily="50" charset="-127"/>
+              </a:rPr>
+              <a:t>1</a:t>
+            </a:r>
+            <a:r>
+              <a:rPr lang="ko-KR" altLang="en-US" sz="2400" b="1" dirty="0">
+                <a:solidFill>
+                  <a:schemeClr val="bg1"/>
+                </a:solidFill>
+                <a:latin typeface="Pretendard" panose="02000503000000020004" pitchFamily="50" charset="-127"/>
+                <a:ea typeface="Pretendard" panose="02000503000000020004" pitchFamily="50" charset="-127"/>
+                <a:cs typeface="Pretendard" panose="02000503000000020004" pitchFamily="50" charset="-127"/>
+              </a:rPr>
+              <a:t>차 포트폴리오</a:t>
+            </a:r>
+          </a:p>
+        </p:txBody>
+      </p:sp>
+      <p:pic>
+        <p:nvPicPr>
+          <p:cNvPr id="40" name="그림 39">
+            <a:extLst>
+              <a:ext uri="{FF2B5EF4-FFF2-40B4-BE49-F238E27FC236}">
+                <a16:creationId xmlns:a16="http://schemas.microsoft.com/office/drawing/2014/main" id="{6001A3A9-C580-4243-8F5B-DACA5C2F3FC1}"/>
+              </a:ext>
+            </a:extLst>
+          </p:cNvPr>
+          <p:cNvPicPr>
+            <a:picLocks noChangeAspect="1"/>
+          </p:cNvPicPr>
+          <p:nvPr/>
+        </p:nvPicPr>
+        <p:blipFill>
+          <a:blip r:embed="rId2">
+            <a:extLst>
+              <a:ext uri="{28A0092B-C50C-407E-A947-70E740481C1C}">
+                <a14:useLocalDpi xmlns:a14="http://schemas.microsoft.com/office/drawing/2010/main" val="0"/>
+              </a:ext>
+            </a:extLst>
+          </a:blip>
+          <a:stretch>
+            <a:fillRect/>
+          </a:stretch>
+        </p:blipFill>
+        <p:spPr>
+          <a:xfrm>
+            <a:off x="7590970" y="1756600"/>
+            <a:ext cx="4601027" cy="3410894"/>
+          </a:xfrm>
+          <a:prstGeom prst="rect">
+            <a:avLst/>
+          </a:prstGeom>
+        </p:spPr>
+      </p:pic>
+      <p:pic>
+        <p:nvPicPr>
+          <p:cNvPr id="9" name="그림 8">
+            <a:extLst>
+              <a:ext uri="{FF2B5EF4-FFF2-40B4-BE49-F238E27FC236}">
+                <a16:creationId xmlns:a16="http://schemas.microsoft.com/office/drawing/2014/main" id="{B155F19D-349F-441E-B345-396DD0ABFB12}"/>
+              </a:ext>
+            </a:extLst>
+          </p:cNvPr>
+          <p:cNvPicPr>
+            <a:picLocks noChangeAspect="1"/>
+          </p:cNvPicPr>
+          <p:nvPr/>
+        </p:nvPicPr>
+        <p:blipFill>
+          <a:blip r:embed="rId2">
+            <a:extLst>
+              <a:ext uri="{28A0092B-C50C-407E-A947-70E740481C1C}">
+                <a14:useLocalDpi xmlns:a14="http://schemas.microsoft.com/office/drawing/2010/main" val="0"/>
+              </a:ext>
+            </a:extLst>
+          </a:blip>
+          <a:stretch>
+            <a:fillRect/>
+          </a:stretch>
+        </p:blipFill>
+        <p:spPr>
+          <a:xfrm>
+            <a:off x="7590969" y="-2423515"/>
+            <a:ext cx="4601027" cy="3410894"/>
+          </a:xfrm>
+          <a:prstGeom prst="rect">
+            <a:avLst/>
+          </a:prstGeom>
+        </p:spPr>
+      </p:pic>
+      <p:pic>
+        <p:nvPicPr>
+          <p:cNvPr id="10" name="그림 9">
+            <a:extLst>
+              <a:ext uri="{FF2B5EF4-FFF2-40B4-BE49-F238E27FC236}">
+                <a16:creationId xmlns:a16="http://schemas.microsoft.com/office/drawing/2014/main" id="{010A856E-F153-47F1-AB6F-00E374150665}"/>
+              </a:ext>
+            </a:extLst>
+          </p:cNvPr>
+          <p:cNvPicPr>
+            <a:picLocks noChangeAspect="1"/>
+          </p:cNvPicPr>
+          <p:nvPr/>
+        </p:nvPicPr>
+        <p:blipFill>
+          <a:blip r:embed="rId2">
+            <a:extLst>
+              <a:ext uri="{28A0092B-C50C-407E-A947-70E740481C1C}">
+                <a14:useLocalDpi xmlns:a14="http://schemas.microsoft.com/office/drawing/2010/main" val="0"/>
+              </a:ext>
+            </a:extLst>
+          </a:blip>
+          <a:stretch>
+            <a:fillRect/>
+          </a:stretch>
+        </p:blipFill>
+        <p:spPr>
+          <a:xfrm>
+            <a:off x="7590969" y="5936714"/>
+            <a:ext cx="4601027" cy="3410894"/>
+          </a:xfrm>
+          <a:prstGeom prst="rect">
+            <a:avLst/>
+          </a:prstGeom>
+        </p:spPr>
+      </p:pic>
     </p:spTree>
     <p:extLst>
       <p:ext uri="{BB962C8B-B14F-4D97-AF65-F5344CB8AC3E}">
-        <p14:creationId xmlns:p14="http://schemas.microsoft.com/office/powerpoint/2010/main" val="3836175518"/>
+        <p14:creationId xmlns:p14="http://schemas.microsoft.com/office/powerpoint/2010/main" val="3150760983"/>
       </p:ext>
     </p:extLst>
   </p:cSld>
@@ -3635,10 +3926,56 @@
       </p:grpSpPr>
       <p:sp>
         <p:nvSpPr>
-          <p:cNvPr id="2" name="제목 1">
-            <a:extLst>
-              <a:ext uri="{FF2B5EF4-FFF2-40B4-BE49-F238E27FC236}">
-                <a16:creationId xmlns:a16="http://schemas.microsoft.com/office/drawing/2014/main" id="{C0DC9397-C73D-4820-A749-89F09AA74FEA}"/>
+          <p:cNvPr id="34" name="직사각형 33">
+            <a:extLst>
+              <a:ext uri="{FF2B5EF4-FFF2-40B4-BE49-F238E27FC236}">
+                <a16:creationId xmlns:a16="http://schemas.microsoft.com/office/drawing/2014/main" id="{47325ED5-6A0B-4074-AC9C-462E42384913}"/>
+              </a:ext>
+            </a:extLst>
+          </p:cNvPr>
+          <p:cNvSpPr/>
+          <p:nvPr/>
+        </p:nvSpPr>
+        <p:spPr>
+          <a:xfrm>
+            <a:off x="0" y="-1"/>
+            <a:ext cx="12192000" cy="6858001"/>
+          </a:xfrm>
+          <a:prstGeom prst="rect">
+            <a:avLst/>
+          </a:prstGeom>
+        </p:spPr>
+        <p:style>
+          <a:lnRef idx="2">
+            <a:schemeClr val="dk1">
+              <a:shade val="50000"/>
+            </a:schemeClr>
+          </a:lnRef>
+          <a:fillRef idx="1">
+            <a:schemeClr val="dk1"/>
+          </a:fillRef>
+          <a:effectRef idx="0">
+            <a:schemeClr val="dk1"/>
+          </a:effectRef>
+          <a:fontRef idx="minor">
+            <a:schemeClr val="lt1"/>
+          </a:fontRef>
+        </p:style>
+        <p:txBody>
+          <a:bodyPr rtlCol="0" anchor="ctr"/>
+          <a:lstStyle/>
+          <a:p>
+            <a:pPr algn="ctr"/>
+            <a:endParaRPr lang="ko-KR" altLang="en-US"/>
+          </a:p>
+        </p:txBody>
+      </p:sp>
+      <p:sp>
+        <p:nvSpPr>
+          <p:cNvPr id="12" name="제목 1">
+            <a:extLst>
+              <a:ext uri="{FF2B5EF4-FFF2-40B4-BE49-F238E27FC236}">
+                <a16:creationId xmlns:a16="http://schemas.microsoft.com/office/drawing/2014/main" id="{29F295CC-9F7A-4B60-94A9-95576A850C0C}"/>
               </a:ext>
             </a:extLst>
           </p:cNvPr>
@@ -3651,7 +3988,1763 @@
         </p:nvSpPr>
         <p:spPr>
           <a:xfrm>
-            <a:off x="659235" y="393252"/>
+            <a:off x="579649" y="686066"/>
+            <a:ext cx="6380844" cy="830508"/>
+          </a:xfrm>
+        </p:spPr>
+        <p:txBody>
+          <a:bodyPr tIns="18000" bIns="18000" anchor="t">
+            <a:noAutofit/>
+          </a:bodyPr>
+          <a:lstStyle/>
+          <a:p>
+            <a:pPr algn="l">
+              <a:lnSpc>
+                <a:spcPct val="150000"/>
+              </a:lnSpc>
+            </a:pPr>
+            <a:r>
+              <a:rPr lang="en-US" altLang="ko-KR" sz="4800" b="1" dirty="0">
+                <a:solidFill>
+                  <a:schemeClr val="bg1"/>
+                </a:solidFill>
+                <a:latin typeface="Pretendard" panose="02000503000000020004" pitchFamily="50" charset="-127"/>
+                <a:ea typeface="Pretendard" panose="02000503000000020004" pitchFamily="50" charset="-127"/>
+                <a:cs typeface="Pretendard" panose="02000503000000020004" pitchFamily="50" charset="-127"/>
+              </a:rPr>
+              <a:t>C</a:t>
+            </a:r>
+            <a:r>
+              <a:rPr lang="en-US" altLang="ko-KR" sz="4000" dirty="0">
+                <a:solidFill>
+                  <a:schemeClr val="bg1"/>
+                </a:solidFill>
+                <a:latin typeface="Pretendard" panose="02000503000000020004" pitchFamily="50" charset="-127"/>
+                <a:ea typeface="Pretendard" panose="02000503000000020004" pitchFamily="50" charset="-127"/>
+                <a:cs typeface="Pretendard" panose="02000503000000020004" pitchFamily="50" charset="-127"/>
+              </a:rPr>
+              <a:t>ontents</a:t>
+            </a:r>
+            <a:endParaRPr lang="ko-KR" altLang="en-US" sz="4800" dirty="0">
+              <a:solidFill>
+                <a:schemeClr val="bg1"/>
+              </a:solidFill>
+              <a:latin typeface="Pretendard" panose="02000503000000020004" pitchFamily="50" charset="-127"/>
+              <a:ea typeface="Pretendard" panose="02000503000000020004" pitchFamily="50" charset="-127"/>
+              <a:cs typeface="Pretendard" panose="02000503000000020004" pitchFamily="50" charset="-127"/>
+            </a:endParaRPr>
+          </a:p>
+        </p:txBody>
+      </p:sp>
+      <p:grpSp>
+        <p:nvGrpSpPr>
+          <p:cNvPr id="3" name="그룹 2">
+            <a:extLst>
+              <a:ext uri="{FF2B5EF4-FFF2-40B4-BE49-F238E27FC236}">
+                <a16:creationId xmlns:a16="http://schemas.microsoft.com/office/drawing/2014/main" id="{D62B4AF7-87B3-468D-AA6A-4DFDBE6CDC1C}"/>
+              </a:ext>
+            </a:extLst>
+          </p:cNvPr>
+          <p:cNvGrpSpPr/>
+          <p:nvPr/>
+        </p:nvGrpSpPr>
+        <p:grpSpPr>
+          <a:xfrm>
+            <a:off x="659235" y="2961314"/>
+            <a:ext cx="9638893" cy="2730128"/>
+            <a:chOff x="659235" y="2791723"/>
+            <a:chExt cx="9638893" cy="2730128"/>
+          </a:xfrm>
+        </p:grpSpPr>
+        <p:grpSp>
+          <p:nvGrpSpPr>
+            <p:cNvPr id="14" name="그룹 13">
+              <a:extLst>
+                <a:ext uri="{FF2B5EF4-FFF2-40B4-BE49-F238E27FC236}">
+                  <a16:creationId xmlns:a16="http://schemas.microsoft.com/office/drawing/2014/main" id="{F7E643C4-59D2-4963-BE31-A10DC02D6173}"/>
+                </a:ext>
+              </a:extLst>
+            </p:cNvPr>
+            <p:cNvGrpSpPr/>
+            <p:nvPr/>
+          </p:nvGrpSpPr>
+          <p:grpSpPr>
+            <a:xfrm>
+              <a:off x="659235" y="2791723"/>
+              <a:ext cx="9638893" cy="1274553"/>
+              <a:chOff x="707700" y="2226900"/>
+              <a:chExt cx="9638893" cy="1274553"/>
+            </a:xfrm>
+          </p:grpSpPr>
+          <p:sp>
+            <p:nvSpPr>
+              <p:cNvPr id="15" name="제목 1">
+                <a:extLst>
+                  <a:ext uri="{FF2B5EF4-FFF2-40B4-BE49-F238E27FC236}">
+                    <a16:creationId xmlns:a16="http://schemas.microsoft.com/office/drawing/2014/main" id="{11A0306D-B361-4B5B-844F-EF8C876ACEBE}"/>
+                  </a:ext>
+                </a:extLst>
+              </p:cNvPr>
+              <p:cNvSpPr txBox="1">
+                <a:spLocks/>
+              </p:cNvSpPr>
+              <p:nvPr/>
+            </p:nvSpPr>
+            <p:spPr>
+              <a:xfrm>
+                <a:off x="1202593" y="2226900"/>
+                <a:ext cx="9144000" cy="565427"/>
+              </a:xfrm>
+              <a:prstGeom prst="rect">
+                <a:avLst/>
+              </a:prstGeom>
+            </p:spPr>
+            <p:txBody>
+              <a:bodyPr vert="horz" lIns="91440" tIns="45720" rIns="91440" bIns="45720" rtlCol="0" anchor="t">
+                <a:normAutofit/>
+              </a:bodyPr>
+              <a:lstStyle>
+                <a:lvl1pPr algn="ctr" defTabSz="914400" rtl="0" eaLnBrk="1" latinLnBrk="1" hangingPunct="1">
+                  <a:lnSpc>
+                    <a:spcPct val="90000"/>
+                  </a:lnSpc>
+                  <a:spcBef>
+                    <a:spcPct val="0"/>
+                  </a:spcBef>
+                  <a:buNone/>
+                  <a:defRPr sz="6000" kern="1200">
+                    <a:solidFill>
+                      <a:schemeClr val="tx1"/>
+                    </a:solidFill>
+                    <a:latin typeface="+mj-lt"/>
+                    <a:ea typeface="+mj-ea"/>
+                    <a:cs typeface="+mj-cs"/>
+                  </a:defRPr>
+                </a:lvl1pPr>
+              </a:lstStyle>
+              <a:p>
+                <a:pPr algn="l"/>
+                <a:r>
+                  <a:rPr lang="ko-KR" altLang="en-US" sz="2400" dirty="0">
+                    <a:solidFill>
+                      <a:schemeClr val="bg1"/>
+                    </a:solidFill>
+                    <a:latin typeface="Pretendard" panose="02000503000000020004" pitchFamily="50" charset="-127"/>
+                    <a:ea typeface="Pretendard" panose="02000503000000020004" pitchFamily="50" charset="-127"/>
+                    <a:cs typeface="Pretendard" panose="02000503000000020004" pitchFamily="50" charset="-127"/>
+                  </a:rPr>
+                  <a:t>기획의도 </a:t>
+                </a:r>
+              </a:p>
+            </p:txBody>
+          </p:sp>
+          <p:sp>
+            <p:nvSpPr>
+              <p:cNvPr id="16" name="직사각형 15">
+                <a:extLst>
+                  <a:ext uri="{FF2B5EF4-FFF2-40B4-BE49-F238E27FC236}">
+                    <a16:creationId xmlns:a16="http://schemas.microsoft.com/office/drawing/2014/main" id="{02E5CAF3-127D-428C-AF5A-9C04AB3F3E03}"/>
+                  </a:ext>
+                </a:extLst>
+              </p:cNvPr>
+              <p:cNvSpPr/>
+              <p:nvPr/>
+            </p:nvSpPr>
+            <p:spPr>
+              <a:xfrm>
+                <a:off x="707700" y="2226900"/>
+                <a:ext cx="373224" cy="373224"/>
+              </a:xfrm>
+              <a:prstGeom prst="rect">
+                <a:avLst/>
+              </a:prstGeom>
+              <a:solidFill>
+                <a:srgbClr val="513397"/>
+              </a:solidFill>
+              <a:ln>
+                <a:noFill/>
+              </a:ln>
+              <a:effectLst/>
+            </p:spPr>
+            <p:style>
+              <a:lnRef idx="2">
+                <a:schemeClr val="accent2">
+                  <a:shade val="50000"/>
+                </a:schemeClr>
+              </a:lnRef>
+              <a:fillRef idx="1">
+                <a:schemeClr val="accent2"/>
+              </a:fillRef>
+              <a:effectRef idx="0">
+                <a:schemeClr val="accent2"/>
+              </a:effectRef>
+              <a:fontRef idx="minor">
+                <a:schemeClr val="lt1"/>
+              </a:fontRef>
+            </p:style>
+            <p:txBody>
+              <a:bodyPr rtlCol="0" anchor="ctr"/>
+              <a:lstStyle/>
+              <a:p>
+                <a:pPr algn="ctr"/>
+                <a:r>
+                  <a:rPr lang="en-US" altLang="ko-KR" dirty="0">
+                    <a:ln w="0"/>
+                    <a:solidFill>
+                      <a:schemeClr val="bg1"/>
+                    </a:solidFill>
+                  </a:rPr>
+                  <a:t>1</a:t>
+                </a:r>
+                <a:endParaRPr lang="ko-KR" altLang="en-US" dirty="0">
+                  <a:solidFill>
+                    <a:schemeClr val="bg1"/>
+                  </a:solidFill>
+                </a:endParaRPr>
+              </a:p>
+            </p:txBody>
+          </p:sp>
+          <p:grpSp>
+            <p:nvGrpSpPr>
+              <p:cNvPr id="17" name="그룹 16">
+                <a:extLst>
+                  <a:ext uri="{FF2B5EF4-FFF2-40B4-BE49-F238E27FC236}">
+                    <a16:creationId xmlns:a16="http://schemas.microsoft.com/office/drawing/2014/main" id="{7C8BA9BD-EF46-47B0-A1C7-F8BA941D6084}"/>
+                  </a:ext>
+                </a:extLst>
+              </p:cNvPr>
+              <p:cNvGrpSpPr/>
+              <p:nvPr/>
+            </p:nvGrpSpPr>
+            <p:grpSpPr>
+              <a:xfrm>
+                <a:off x="707700" y="2936026"/>
+                <a:ext cx="9638893" cy="565427"/>
+                <a:chOff x="707700" y="2936026"/>
+                <a:chExt cx="9638893" cy="565427"/>
+              </a:xfrm>
+            </p:grpSpPr>
+            <p:sp>
+              <p:nvSpPr>
+                <p:cNvPr id="18" name="제목 1">
+                  <a:extLst>
+                    <a:ext uri="{FF2B5EF4-FFF2-40B4-BE49-F238E27FC236}">
+                      <a16:creationId xmlns:a16="http://schemas.microsoft.com/office/drawing/2014/main" id="{1A13A89C-6870-4B03-9B96-F4F9775A0A09}"/>
+                    </a:ext>
+                  </a:extLst>
+                </p:cNvPr>
+                <p:cNvSpPr txBox="1">
+                  <a:spLocks/>
+                </p:cNvSpPr>
+                <p:nvPr/>
+              </p:nvSpPr>
+              <p:spPr>
+                <a:xfrm>
+                  <a:off x="1202593" y="2936026"/>
+                  <a:ext cx="9144000" cy="565427"/>
+                </a:xfrm>
+                <a:prstGeom prst="rect">
+                  <a:avLst/>
+                </a:prstGeom>
+              </p:spPr>
+              <p:txBody>
+                <a:bodyPr vert="horz" lIns="91440" tIns="45720" rIns="91440" bIns="45720" rtlCol="0" anchor="t">
+                  <a:normAutofit/>
+                </a:bodyPr>
+                <a:lstStyle>
+                  <a:lvl1pPr algn="ctr" defTabSz="914400" rtl="0" eaLnBrk="1" latinLnBrk="1" hangingPunct="1">
+                    <a:lnSpc>
+                      <a:spcPct val="90000"/>
+                    </a:lnSpc>
+                    <a:spcBef>
+                      <a:spcPct val="0"/>
+                    </a:spcBef>
+                    <a:buNone/>
+                    <a:defRPr sz="6000" kern="1200">
+                      <a:solidFill>
+                        <a:schemeClr val="tx1"/>
+                      </a:solidFill>
+                      <a:latin typeface="+mj-lt"/>
+                      <a:ea typeface="+mj-ea"/>
+                      <a:cs typeface="+mj-cs"/>
+                    </a:defRPr>
+                  </a:lvl1pPr>
+                </a:lstStyle>
+                <a:p>
+                  <a:pPr algn="l"/>
+                  <a:r>
+                    <a:rPr lang="ko-KR" altLang="en-US" sz="2400" dirty="0">
+                      <a:solidFill>
+                        <a:schemeClr val="bg1"/>
+                      </a:solidFill>
+                      <a:latin typeface="Pretendard" panose="02000503000000020004" pitchFamily="50" charset="-127"/>
+                      <a:ea typeface="Pretendard" panose="02000503000000020004" pitchFamily="50" charset="-127"/>
+                      <a:cs typeface="Pretendard" panose="02000503000000020004" pitchFamily="50" charset="-127"/>
+                    </a:rPr>
+                    <a:t>사이트 설계 </a:t>
+                  </a:r>
+                  <a:r>
+                    <a:rPr lang="en-US" altLang="ko-KR" sz="2400" dirty="0">
+                      <a:solidFill>
+                        <a:schemeClr val="bg1"/>
+                      </a:solidFill>
+                      <a:latin typeface="Pretendard" panose="02000503000000020004" pitchFamily="50" charset="-127"/>
+                      <a:ea typeface="Pretendard" panose="02000503000000020004" pitchFamily="50" charset="-127"/>
+                      <a:cs typeface="Pretendard" panose="02000503000000020004" pitchFamily="50" charset="-127"/>
+                    </a:rPr>
+                    <a:t>- </a:t>
+                  </a:r>
+                  <a:r>
+                    <a:rPr lang="ko-KR" altLang="en-US" sz="2400" dirty="0">
+                      <a:solidFill>
+                        <a:schemeClr val="bg1"/>
+                      </a:solidFill>
+                      <a:latin typeface="Pretendard" panose="02000503000000020004" pitchFamily="50" charset="-127"/>
+                      <a:ea typeface="Pretendard" panose="02000503000000020004" pitchFamily="50" charset="-127"/>
+                      <a:cs typeface="Pretendard" panose="02000503000000020004" pitchFamily="50" charset="-127"/>
+                    </a:rPr>
+                    <a:t>와이어 프레임</a:t>
+                  </a:r>
+                  <a:r>
+                    <a:rPr lang="en-US" altLang="ko-KR" sz="2400" dirty="0">
+                      <a:solidFill>
+                        <a:schemeClr val="bg1"/>
+                      </a:solidFill>
+                      <a:latin typeface="Pretendard" panose="02000503000000020004" pitchFamily="50" charset="-127"/>
+                      <a:ea typeface="Pretendard" panose="02000503000000020004" pitchFamily="50" charset="-127"/>
+                      <a:cs typeface="Pretendard" panose="02000503000000020004" pitchFamily="50" charset="-127"/>
+                    </a:rPr>
+                    <a:t>(Balsamiq Tool)</a:t>
+                  </a:r>
+                  <a:endParaRPr lang="ko-KR" altLang="en-US" sz="2400" dirty="0">
+                    <a:solidFill>
+                      <a:schemeClr val="bg1"/>
+                    </a:solidFill>
+                    <a:latin typeface="Pretendard" panose="02000503000000020004" pitchFamily="50" charset="-127"/>
+                    <a:ea typeface="Pretendard" panose="02000503000000020004" pitchFamily="50" charset="-127"/>
+                    <a:cs typeface="Pretendard" panose="02000503000000020004" pitchFamily="50" charset="-127"/>
+                  </a:endParaRPr>
+                </a:p>
+              </p:txBody>
+            </p:sp>
+            <p:sp>
+              <p:nvSpPr>
+                <p:cNvPr id="19" name="직사각형 18">
+                  <a:extLst>
+                    <a:ext uri="{FF2B5EF4-FFF2-40B4-BE49-F238E27FC236}">
+                      <a16:creationId xmlns:a16="http://schemas.microsoft.com/office/drawing/2014/main" id="{B1684977-7623-4526-8678-9917D4DEBD9B}"/>
+                    </a:ext>
+                  </a:extLst>
+                </p:cNvPr>
+                <p:cNvSpPr/>
+                <p:nvPr/>
+              </p:nvSpPr>
+              <p:spPr>
+                <a:xfrm>
+                  <a:off x="707700" y="2936026"/>
+                  <a:ext cx="373224" cy="373224"/>
+                </a:xfrm>
+                <a:prstGeom prst="rect">
+                  <a:avLst/>
+                </a:prstGeom>
+                <a:solidFill>
+                  <a:srgbClr val="513397"/>
+                </a:solidFill>
+                <a:ln>
+                  <a:noFill/>
+                </a:ln>
+              </p:spPr>
+              <p:style>
+                <a:lnRef idx="2">
+                  <a:schemeClr val="accent2">
+                    <a:shade val="50000"/>
+                  </a:schemeClr>
+                </a:lnRef>
+                <a:fillRef idx="1">
+                  <a:schemeClr val="accent2"/>
+                </a:fillRef>
+                <a:effectRef idx="0">
+                  <a:schemeClr val="accent2"/>
+                </a:effectRef>
+                <a:fontRef idx="minor">
+                  <a:schemeClr val="lt1"/>
+                </a:fontRef>
+              </p:style>
+              <p:txBody>
+                <a:bodyPr rtlCol="0" anchor="ctr"/>
+                <a:lstStyle/>
+                <a:p>
+                  <a:pPr algn="ctr"/>
+                  <a:r>
+                    <a:rPr lang="en-US" altLang="ko-KR" dirty="0">
+                      <a:ln w="0"/>
+                      <a:solidFill>
+                        <a:schemeClr val="bg1"/>
+                      </a:solidFill>
+                    </a:rPr>
+                    <a:t>2</a:t>
+                  </a:r>
+                  <a:endParaRPr lang="ko-KR" altLang="en-US" dirty="0">
+                    <a:solidFill>
+                      <a:schemeClr val="bg1"/>
+                    </a:solidFill>
+                  </a:endParaRPr>
+                </a:p>
+              </p:txBody>
+            </p:sp>
+          </p:grpSp>
+        </p:grpSp>
+        <p:grpSp>
+          <p:nvGrpSpPr>
+            <p:cNvPr id="21" name="그룹 20">
+              <a:extLst>
+                <a:ext uri="{FF2B5EF4-FFF2-40B4-BE49-F238E27FC236}">
+                  <a16:creationId xmlns:a16="http://schemas.microsoft.com/office/drawing/2014/main" id="{7127D9C6-9D52-414C-A586-33740D33CE1B}"/>
+                </a:ext>
+              </a:extLst>
+            </p:cNvPr>
+            <p:cNvGrpSpPr/>
+            <p:nvPr/>
+          </p:nvGrpSpPr>
+          <p:grpSpPr>
+            <a:xfrm>
+              <a:off x="659235" y="4209975"/>
+              <a:ext cx="9638893" cy="565427"/>
+              <a:chOff x="707700" y="3645152"/>
+              <a:chExt cx="9638893" cy="565427"/>
+            </a:xfrm>
+          </p:grpSpPr>
+          <p:sp>
+            <p:nvSpPr>
+              <p:cNvPr id="22" name="제목 1">
+                <a:extLst>
+                  <a:ext uri="{FF2B5EF4-FFF2-40B4-BE49-F238E27FC236}">
+                    <a16:creationId xmlns:a16="http://schemas.microsoft.com/office/drawing/2014/main" id="{284BDFC2-B2B7-4FBF-835F-CA046D2DE292}"/>
+                  </a:ext>
+                </a:extLst>
+              </p:cNvPr>
+              <p:cNvSpPr txBox="1">
+                <a:spLocks/>
+              </p:cNvSpPr>
+              <p:nvPr/>
+            </p:nvSpPr>
+            <p:spPr>
+              <a:xfrm>
+                <a:off x="1202593" y="3645152"/>
+                <a:ext cx="9144000" cy="565427"/>
+              </a:xfrm>
+              <a:prstGeom prst="rect">
+                <a:avLst/>
+              </a:prstGeom>
+            </p:spPr>
+            <p:txBody>
+              <a:bodyPr vert="horz" lIns="91440" tIns="45720" rIns="91440" bIns="45720" rtlCol="0" anchor="t">
+                <a:normAutofit/>
+              </a:bodyPr>
+              <a:lstStyle>
+                <a:lvl1pPr algn="ctr" defTabSz="914400" rtl="0" eaLnBrk="1" latinLnBrk="1" hangingPunct="1">
+                  <a:lnSpc>
+                    <a:spcPct val="90000"/>
+                  </a:lnSpc>
+                  <a:spcBef>
+                    <a:spcPct val="0"/>
+                  </a:spcBef>
+                  <a:buNone/>
+                  <a:defRPr sz="6000" kern="1200">
+                    <a:solidFill>
+                      <a:schemeClr val="tx1"/>
+                    </a:solidFill>
+                    <a:latin typeface="+mj-lt"/>
+                    <a:ea typeface="+mj-ea"/>
+                    <a:cs typeface="+mj-cs"/>
+                  </a:defRPr>
+                </a:lvl1pPr>
+              </a:lstStyle>
+              <a:p>
+                <a:pPr algn="l"/>
+                <a:r>
+                  <a:rPr lang="ko-KR" altLang="en-US" sz="2400" dirty="0">
+                    <a:solidFill>
+                      <a:schemeClr val="bg1"/>
+                    </a:solidFill>
+                    <a:latin typeface="Pretendard" panose="02000503000000020004" pitchFamily="50" charset="-127"/>
+                    <a:ea typeface="Pretendard" panose="02000503000000020004" pitchFamily="50" charset="-127"/>
+                    <a:cs typeface="Pretendard" panose="02000503000000020004" pitchFamily="50" charset="-127"/>
+                  </a:rPr>
+                  <a:t>사이트 구현</a:t>
+                </a:r>
+              </a:p>
+            </p:txBody>
+          </p:sp>
+          <p:sp>
+            <p:nvSpPr>
+              <p:cNvPr id="23" name="직사각형 22">
+                <a:extLst>
+                  <a:ext uri="{FF2B5EF4-FFF2-40B4-BE49-F238E27FC236}">
+                    <a16:creationId xmlns:a16="http://schemas.microsoft.com/office/drawing/2014/main" id="{EB0B69EC-0E11-4FC1-96E0-A9E51E504AC7}"/>
+                  </a:ext>
+                </a:extLst>
+              </p:cNvPr>
+              <p:cNvSpPr/>
+              <p:nvPr/>
+            </p:nvSpPr>
+            <p:spPr>
+              <a:xfrm>
+                <a:off x="707700" y="3645152"/>
+                <a:ext cx="373224" cy="373224"/>
+              </a:xfrm>
+              <a:prstGeom prst="rect">
+                <a:avLst/>
+              </a:prstGeom>
+              <a:solidFill>
+                <a:srgbClr val="513397"/>
+              </a:solidFill>
+              <a:ln>
+                <a:noFill/>
+              </a:ln>
+            </p:spPr>
+            <p:style>
+              <a:lnRef idx="2">
+                <a:schemeClr val="accent2">
+                  <a:shade val="50000"/>
+                </a:schemeClr>
+              </a:lnRef>
+              <a:fillRef idx="1">
+                <a:schemeClr val="accent2"/>
+              </a:fillRef>
+              <a:effectRef idx="0">
+                <a:schemeClr val="accent2"/>
+              </a:effectRef>
+              <a:fontRef idx="minor">
+                <a:schemeClr val="lt1"/>
+              </a:fontRef>
+            </p:style>
+            <p:txBody>
+              <a:bodyPr rtlCol="0" anchor="ctr"/>
+              <a:lstStyle/>
+              <a:p>
+                <a:pPr algn="ctr"/>
+                <a:r>
+                  <a:rPr lang="en-US" altLang="ko-KR" dirty="0">
+                    <a:ln w="0"/>
+                    <a:solidFill>
+                      <a:schemeClr val="bg1"/>
+                    </a:solidFill>
+                  </a:rPr>
+                  <a:t>3</a:t>
+                </a:r>
+                <a:endParaRPr lang="ko-KR" altLang="en-US" dirty="0">
+                  <a:solidFill>
+                    <a:schemeClr val="bg1"/>
+                  </a:solidFill>
+                </a:endParaRPr>
+              </a:p>
+            </p:txBody>
+          </p:sp>
+        </p:grpSp>
+        <p:grpSp>
+          <p:nvGrpSpPr>
+            <p:cNvPr id="24" name="그룹 23">
+              <a:extLst>
+                <a:ext uri="{FF2B5EF4-FFF2-40B4-BE49-F238E27FC236}">
+                  <a16:creationId xmlns:a16="http://schemas.microsoft.com/office/drawing/2014/main" id="{95EEBA63-F4CD-4326-82EC-6991C25DF950}"/>
+                </a:ext>
+              </a:extLst>
+            </p:cNvPr>
+            <p:cNvGrpSpPr/>
+            <p:nvPr/>
+          </p:nvGrpSpPr>
+          <p:grpSpPr>
+            <a:xfrm>
+              <a:off x="659235" y="4956424"/>
+              <a:ext cx="9638893" cy="565427"/>
+              <a:chOff x="707700" y="4391601"/>
+              <a:chExt cx="9638893" cy="565427"/>
+            </a:xfrm>
+          </p:grpSpPr>
+          <p:sp>
+            <p:nvSpPr>
+              <p:cNvPr id="25" name="제목 1">
+                <a:extLst>
+                  <a:ext uri="{FF2B5EF4-FFF2-40B4-BE49-F238E27FC236}">
+                    <a16:creationId xmlns:a16="http://schemas.microsoft.com/office/drawing/2014/main" id="{82CA2D87-BFC3-4D7D-98C1-0B6D37B9C6AC}"/>
+                  </a:ext>
+                </a:extLst>
+              </p:cNvPr>
+              <p:cNvSpPr txBox="1">
+                <a:spLocks/>
+              </p:cNvSpPr>
+              <p:nvPr/>
+            </p:nvSpPr>
+            <p:spPr>
+              <a:xfrm>
+                <a:off x="1202593" y="4391601"/>
+                <a:ext cx="9144000" cy="565427"/>
+              </a:xfrm>
+              <a:prstGeom prst="rect">
+                <a:avLst/>
+              </a:prstGeom>
+            </p:spPr>
+            <p:txBody>
+              <a:bodyPr vert="horz" lIns="91440" tIns="45720" rIns="91440" bIns="45720" rtlCol="0" anchor="t">
+                <a:normAutofit/>
+              </a:bodyPr>
+              <a:lstStyle>
+                <a:lvl1pPr algn="ctr" defTabSz="914400" rtl="0" eaLnBrk="1" latinLnBrk="1" hangingPunct="1">
+                  <a:lnSpc>
+                    <a:spcPct val="90000"/>
+                  </a:lnSpc>
+                  <a:spcBef>
+                    <a:spcPct val="0"/>
+                  </a:spcBef>
+                  <a:buNone/>
+                  <a:defRPr sz="6000" kern="1200">
+                    <a:solidFill>
+                      <a:schemeClr val="tx1"/>
+                    </a:solidFill>
+                    <a:latin typeface="+mj-lt"/>
+                    <a:ea typeface="+mj-ea"/>
+                    <a:cs typeface="+mj-cs"/>
+                  </a:defRPr>
+                </a:lvl1pPr>
+              </a:lstStyle>
+              <a:p>
+                <a:pPr algn="l"/>
+                <a:r>
+                  <a:rPr lang="ko-KR" altLang="en-US" sz="2400" dirty="0">
+                    <a:solidFill>
+                      <a:schemeClr val="bg1"/>
+                    </a:solidFill>
+                    <a:latin typeface="Pretendard" panose="02000503000000020004" pitchFamily="50" charset="-127"/>
+                    <a:ea typeface="Pretendard" panose="02000503000000020004" pitchFamily="50" charset="-127"/>
+                    <a:cs typeface="Pretendard" panose="02000503000000020004" pitchFamily="50" charset="-127"/>
+                  </a:rPr>
+                  <a:t>향후 계획</a:t>
+                </a:r>
+              </a:p>
+            </p:txBody>
+          </p:sp>
+          <p:sp>
+            <p:nvSpPr>
+              <p:cNvPr id="26" name="직사각형 25">
+                <a:extLst>
+                  <a:ext uri="{FF2B5EF4-FFF2-40B4-BE49-F238E27FC236}">
+                    <a16:creationId xmlns:a16="http://schemas.microsoft.com/office/drawing/2014/main" id="{BE502CCA-2D7A-41DC-A974-79CEE1DFAF77}"/>
+                  </a:ext>
+                </a:extLst>
+              </p:cNvPr>
+              <p:cNvSpPr/>
+              <p:nvPr/>
+            </p:nvSpPr>
+            <p:spPr>
+              <a:xfrm>
+                <a:off x="707700" y="4391601"/>
+                <a:ext cx="373224" cy="373224"/>
+              </a:xfrm>
+              <a:prstGeom prst="rect">
+                <a:avLst/>
+              </a:prstGeom>
+              <a:solidFill>
+                <a:srgbClr val="513397"/>
+              </a:solidFill>
+              <a:ln>
+                <a:noFill/>
+              </a:ln>
+            </p:spPr>
+            <p:style>
+              <a:lnRef idx="2">
+                <a:schemeClr val="accent2">
+                  <a:shade val="50000"/>
+                </a:schemeClr>
+              </a:lnRef>
+              <a:fillRef idx="1">
+                <a:schemeClr val="accent2"/>
+              </a:fillRef>
+              <a:effectRef idx="0">
+                <a:schemeClr val="accent2"/>
+              </a:effectRef>
+              <a:fontRef idx="minor">
+                <a:schemeClr val="lt1"/>
+              </a:fontRef>
+            </p:style>
+            <p:txBody>
+              <a:bodyPr rtlCol="0" anchor="ctr"/>
+              <a:lstStyle/>
+              <a:p>
+                <a:pPr algn="ctr"/>
+                <a:r>
+                  <a:rPr lang="en-US" altLang="ko-KR" dirty="0">
+                    <a:ln w="0"/>
+                    <a:solidFill>
+                      <a:schemeClr val="bg1"/>
+                    </a:solidFill>
+                  </a:rPr>
+                  <a:t>4</a:t>
+                </a:r>
+                <a:endParaRPr lang="ko-KR" altLang="en-US" dirty="0">
+                  <a:solidFill>
+                    <a:schemeClr val="bg1"/>
+                  </a:solidFill>
+                </a:endParaRPr>
+              </a:p>
+            </p:txBody>
+          </p:sp>
+        </p:grpSp>
+      </p:grpSp>
+      <p:cxnSp>
+        <p:nvCxnSpPr>
+          <p:cNvPr id="27" name="직선 연결선 26">
+            <a:extLst>
+              <a:ext uri="{FF2B5EF4-FFF2-40B4-BE49-F238E27FC236}">
+                <a16:creationId xmlns:a16="http://schemas.microsoft.com/office/drawing/2014/main" id="{3E5C4E17-C4BB-4B6E-8FE8-897E1FD57E64}"/>
+              </a:ext>
+            </a:extLst>
+          </p:cNvPr>
+          <p:cNvCxnSpPr>
+            <a:cxnSpLocks/>
+          </p:cNvCxnSpPr>
+          <p:nvPr/>
+        </p:nvCxnSpPr>
+        <p:spPr>
+          <a:xfrm>
+            <a:off x="293615" y="2163188"/>
+            <a:ext cx="11898385" cy="0"/>
+          </a:xfrm>
+          <a:prstGeom prst="line">
+            <a:avLst/>
+          </a:prstGeom>
+          <a:ln w="28575">
+            <a:solidFill>
+              <a:srgbClr val="513397"/>
+            </a:solidFill>
+          </a:ln>
+        </p:spPr>
+        <p:style>
+          <a:lnRef idx="1">
+            <a:schemeClr val="accent2"/>
+          </a:lnRef>
+          <a:fillRef idx="0">
+            <a:schemeClr val="accent2"/>
+          </a:fillRef>
+          <a:effectRef idx="0">
+            <a:schemeClr val="accent2"/>
+          </a:effectRef>
+          <a:fontRef idx="minor">
+            <a:schemeClr val="tx1"/>
+          </a:fontRef>
+        </p:style>
+      </p:cxnSp>
+    </p:spTree>
+    <p:extLst>
+      <p:ext uri="{BB962C8B-B14F-4D97-AF65-F5344CB8AC3E}">
+        <p14:creationId xmlns:p14="http://schemas.microsoft.com/office/powerpoint/2010/main" val="3635144891"/>
+      </p:ext>
+    </p:extLst>
+  </p:cSld>
+  <p:clrMapOvr>
+    <a:masterClrMapping/>
+  </p:clrMapOvr>
+</p:sld>
+</file>
+
+<file path=ppt/slides/slide3.xml><?xml version="1.0" encoding="utf-8"?>
+<p:sld xmlns:a="http://schemas.openxmlformats.org/drawingml/2006/main" xmlns:r="http://schemas.openxmlformats.org/officeDocument/2006/relationships" xmlns:p="http://schemas.openxmlformats.org/presentationml/2006/main">
+  <p:cSld>
+    <p:spTree>
+      <p:nvGrpSpPr>
+        <p:cNvPr id="1" name=""/>
+        <p:cNvGrpSpPr/>
+        <p:nvPr/>
+      </p:nvGrpSpPr>
+      <p:grpSpPr>
+        <a:xfrm>
+          <a:off x="0" y="0"/>
+          <a:ext cx="0" cy="0"/>
+          <a:chOff x="0" y="0"/>
+          <a:chExt cx="0" cy="0"/>
+        </a:xfrm>
+      </p:grpSpPr>
+      <p:sp>
+        <p:nvSpPr>
+          <p:cNvPr id="34" name="직사각형 33">
+            <a:extLst>
+              <a:ext uri="{FF2B5EF4-FFF2-40B4-BE49-F238E27FC236}">
+                <a16:creationId xmlns:a16="http://schemas.microsoft.com/office/drawing/2014/main" id="{47325ED5-6A0B-4074-AC9C-462E42384913}"/>
+              </a:ext>
+            </a:extLst>
+          </p:cNvPr>
+          <p:cNvSpPr/>
+          <p:nvPr/>
+        </p:nvSpPr>
+        <p:spPr>
+          <a:xfrm>
+            <a:off x="0" y="-1"/>
+            <a:ext cx="12192000" cy="6858001"/>
+          </a:xfrm>
+          <a:prstGeom prst="rect">
+            <a:avLst/>
+          </a:prstGeom>
+        </p:spPr>
+        <p:style>
+          <a:lnRef idx="2">
+            <a:schemeClr val="dk1">
+              <a:shade val="50000"/>
+            </a:schemeClr>
+          </a:lnRef>
+          <a:fillRef idx="1">
+            <a:schemeClr val="dk1"/>
+          </a:fillRef>
+          <a:effectRef idx="0">
+            <a:schemeClr val="dk1"/>
+          </a:effectRef>
+          <a:fontRef idx="minor">
+            <a:schemeClr val="lt1"/>
+          </a:fontRef>
+        </p:style>
+        <p:txBody>
+          <a:bodyPr rtlCol="0" anchor="ctr"/>
+          <a:lstStyle/>
+          <a:p>
+            <a:pPr>
+              <a:lnSpc>
+                <a:spcPct val="150000"/>
+              </a:lnSpc>
+            </a:pPr>
+            <a:endParaRPr lang="ko-KR" altLang="en-US" sz="2400" dirty="0">
+              <a:latin typeface="Pretendard" panose="02000503000000020004" pitchFamily="50" charset="-127"/>
+              <a:ea typeface="Pretendard" panose="02000503000000020004" pitchFamily="50" charset="-127"/>
+              <a:cs typeface="Pretendard" panose="02000503000000020004" pitchFamily="50" charset="-127"/>
+            </a:endParaRPr>
+          </a:p>
+        </p:txBody>
+      </p:sp>
+      <p:sp>
+        <p:nvSpPr>
+          <p:cNvPr id="12" name="제목 1">
+            <a:extLst>
+              <a:ext uri="{FF2B5EF4-FFF2-40B4-BE49-F238E27FC236}">
+                <a16:creationId xmlns:a16="http://schemas.microsoft.com/office/drawing/2014/main" id="{29F295CC-9F7A-4B60-94A9-95576A850C0C}"/>
+              </a:ext>
+            </a:extLst>
+          </p:cNvPr>
+          <p:cNvSpPr>
+            <a:spLocks noGrp="1"/>
+          </p:cNvSpPr>
+          <p:nvPr>
+            <p:ph type="ctrTitle"/>
+          </p:nvPr>
+        </p:nvSpPr>
+        <p:spPr>
+          <a:xfrm>
+            <a:off x="579649" y="686066"/>
+            <a:ext cx="6380844" cy="830508"/>
+          </a:xfrm>
+        </p:spPr>
+        <p:txBody>
+          <a:bodyPr tIns="18000" bIns="18000" anchor="t">
+            <a:noAutofit/>
+          </a:bodyPr>
+          <a:lstStyle/>
+          <a:p>
+            <a:pPr algn="l">
+              <a:lnSpc>
+                <a:spcPct val="150000"/>
+              </a:lnSpc>
+            </a:pPr>
+            <a:r>
+              <a:rPr lang="ko-KR" altLang="en-US" sz="4800" b="1" dirty="0">
+                <a:solidFill>
+                  <a:schemeClr val="bg1"/>
+                </a:solidFill>
+                <a:latin typeface="Pretendard" panose="02000503000000020004" pitchFamily="50" charset="-127"/>
+                <a:ea typeface="Pretendard" panose="02000503000000020004" pitchFamily="50" charset="-127"/>
+                <a:cs typeface="Pretendard" panose="02000503000000020004" pitchFamily="50" charset="-127"/>
+              </a:rPr>
+              <a:t>기</a:t>
+            </a:r>
+            <a:r>
+              <a:rPr lang="ko-KR" altLang="en-US" sz="4000" dirty="0">
+                <a:solidFill>
+                  <a:schemeClr val="bg1"/>
+                </a:solidFill>
+                <a:latin typeface="Pretendard" panose="02000503000000020004" pitchFamily="50" charset="-127"/>
+                <a:ea typeface="Pretendard" panose="02000503000000020004" pitchFamily="50" charset="-127"/>
+                <a:cs typeface="Pretendard" panose="02000503000000020004" pitchFamily="50" charset="-127"/>
+              </a:rPr>
+              <a:t>획의도 </a:t>
+            </a:r>
+            <a:r>
+              <a:rPr lang="en-US" altLang="ko-KR" sz="4000" dirty="0">
+                <a:solidFill>
+                  <a:schemeClr val="bg1"/>
+                </a:solidFill>
+                <a:latin typeface="Pretendard" panose="02000503000000020004" pitchFamily="50" charset="-127"/>
+                <a:ea typeface="Pretendard" panose="02000503000000020004" pitchFamily="50" charset="-127"/>
+                <a:cs typeface="Pretendard" panose="02000503000000020004" pitchFamily="50" charset="-127"/>
+              </a:rPr>
+              <a:t>| </a:t>
+            </a:r>
+            <a:r>
+              <a:rPr lang="ko-KR" altLang="en-US" sz="2800" dirty="0">
+                <a:solidFill>
+                  <a:schemeClr val="bg1"/>
+                </a:solidFill>
+                <a:latin typeface="Pretendard" panose="02000503000000020004" pitchFamily="50" charset="-127"/>
+                <a:ea typeface="Pretendard" panose="02000503000000020004" pitchFamily="50" charset="-127"/>
+                <a:cs typeface="Pretendard" panose="02000503000000020004" pitchFamily="50" charset="-127"/>
+              </a:rPr>
+              <a:t>사이트 분석</a:t>
+            </a:r>
+          </a:p>
+        </p:txBody>
+      </p:sp>
+      <p:cxnSp>
+        <p:nvCxnSpPr>
+          <p:cNvPr id="27" name="직선 연결선 26">
+            <a:extLst>
+              <a:ext uri="{FF2B5EF4-FFF2-40B4-BE49-F238E27FC236}">
+                <a16:creationId xmlns:a16="http://schemas.microsoft.com/office/drawing/2014/main" id="{3E5C4E17-C4BB-4B6E-8FE8-897E1FD57E64}"/>
+              </a:ext>
+            </a:extLst>
+          </p:cNvPr>
+          <p:cNvCxnSpPr>
+            <a:cxnSpLocks/>
+          </p:cNvCxnSpPr>
+          <p:nvPr/>
+        </p:nvCxnSpPr>
+        <p:spPr>
+          <a:xfrm>
+            <a:off x="293615" y="2163188"/>
+            <a:ext cx="11898385" cy="0"/>
+          </a:xfrm>
+          <a:prstGeom prst="line">
+            <a:avLst/>
+          </a:prstGeom>
+          <a:ln w="28575">
+            <a:solidFill>
+              <a:srgbClr val="513397"/>
+            </a:solidFill>
+          </a:ln>
+        </p:spPr>
+        <p:style>
+          <a:lnRef idx="1">
+            <a:schemeClr val="accent2"/>
+          </a:lnRef>
+          <a:fillRef idx="0">
+            <a:schemeClr val="accent2"/>
+          </a:fillRef>
+          <a:effectRef idx="0">
+            <a:schemeClr val="accent2"/>
+          </a:effectRef>
+          <a:fontRef idx="minor">
+            <a:schemeClr val="tx1"/>
+          </a:fontRef>
+        </p:style>
+      </p:cxnSp>
+      <p:sp>
+        <p:nvSpPr>
+          <p:cNvPr id="2" name="TextBox 1">
+            <a:extLst>
+              <a:ext uri="{FF2B5EF4-FFF2-40B4-BE49-F238E27FC236}">
+                <a16:creationId xmlns:a16="http://schemas.microsoft.com/office/drawing/2014/main" id="{B86BC364-D9B2-4B1D-ACF9-DBEAF979C63D}"/>
+              </a:ext>
+            </a:extLst>
+          </p:cNvPr>
+          <p:cNvSpPr txBox="1"/>
+          <p:nvPr/>
+        </p:nvSpPr>
+        <p:spPr>
+          <a:xfrm>
+            <a:off x="579649" y="2536447"/>
+            <a:ext cx="4190400" cy="1136465"/>
+          </a:xfrm>
+          <a:prstGeom prst="rect">
+            <a:avLst/>
+          </a:prstGeom>
+          <a:noFill/>
+        </p:spPr>
+        <p:txBody>
+          <a:bodyPr wrap="square" rtlCol="0">
+            <a:spAutoFit/>
+          </a:bodyPr>
+          <a:lstStyle/>
+          <a:p>
+            <a:pPr marL="457200" indent="-457200">
+              <a:lnSpc>
+                <a:spcPct val="150000"/>
+              </a:lnSpc>
+              <a:buAutoNum type="arabicPeriod"/>
+            </a:pPr>
+            <a:r>
+              <a:rPr lang="ko-KR" altLang="en-US" sz="2400" b="1" dirty="0">
+                <a:solidFill>
+                  <a:schemeClr val="bg1"/>
+                </a:solidFill>
+                <a:latin typeface="Pretendard" panose="02000503000000020004" pitchFamily="50" charset="-127"/>
+                <a:ea typeface="Pretendard" panose="02000503000000020004" pitchFamily="50" charset="-127"/>
+                <a:cs typeface="Pretendard" panose="02000503000000020004" pitchFamily="50" charset="-127"/>
+              </a:rPr>
+              <a:t>메인 </a:t>
+            </a:r>
+            <a:r>
+              <a:rPr lang="ko-KR" altLang="en-US" sz="2400" b="1">
+                <a:solidFill>
+                  <a:schemeClr val="bg1"/>
+                </a:solidFill>
+                <a:latin typeface="Pretendard" panose="02000503000000020004" pitchFamily="50" charset="-127"/>
+                <a:ea typeface="Pretendard" panose="02000503000000020004" pitchFamily="50" charset="-127"/>
+                <a:cs typeface="Pretendard" panose="02000503000000020004" pitchFamily="50" charset="-127"/>
+              </a:rPr>
+              <a:t>영화소개 몰입도 부족</a:t>
+            </a:r>
+            <a:endParaRPr lang="en-US" altLang="ko-KR" sz="2400" b="1" dirty="0">
+              <a:solidFill>
+                <a:schemeClr val="bg1"/>
+              </a:solidFill>
+              <a:latin typeface="Pretendard" panose="02000503000000020004" pitchFamily="50" charset="-127"/>
+              <a:ea typeface="Pretendard" panose="02000503000000020004" pitchFamily="50" charset="-127"/>
+              <a:cs typeface="Pretendard" panose="02000503000000020004" pitchFamily="50" charset="-127"/>
+            </a:endParaRPr>
+          </a:p>
+          <a:p>
+            <a:pPr marL="457200" indent="-457200">
+              <a:lnSpc>
+                <a:spcPct val="150000"/>
+              </a:lnSpc>
+              <a:buAutoNum type="arabicPeriod"/>
+            </a:pPr>
+            <a:r>
+              <a:rPr lang="ko-KR" altLang="en-US" sz="2400" dirty="0">
+                <a:solidFill>
+                  <a:schemeClr val="bg2">
+                    <a:lumMod val="75000"/>
+                  </a:schemeClr>
+                </a:solidFill>
+                <a:latin typeface="Pretendard" panose="02000503000000020004" pitchFamily="50" charset="-127"/>
+                <a:ea typeface="Pretendard" panose="02000503000000020004" pitchFamily="50" charset="-127"/>
+                <a:cs typeface="Pretendard" panose="02000503000000020004" pitchFamily="50" charset="-127"/>
+              </a:rPr>
+              <a:t>복잡한 </a:t>
+            </a:r>
+            <a:r>
+              <a:rPr lang="ko-KR" altLang="en-US" sz="2400" dirty="0" err="1">
+                <a:solidFill>
+                  <a:schemeClr val="bg2">
+                    <a:lumMod val="75000"/>
+                  </a:schemeClr>
+                </a:solidFill>
+                <a:latin typeface="Pretendard" panose="02000503000000020004" pitchFamily="50" charset="-127"/>
+                <a:ea typeface="Pretendard" panose="02000503000000020004" pitchFamily="50" charset="-127"/>
+                <a:cs typeface="Pretendard" panose="02000503000000020004" pitchFamily="50" charset="-127"/>
+              </a:rPr>
+              <a:t>사이트맵</a:t>
+            </a:r>
+            <a:endParaRPr lang="en-US" altLang="ko-KR" sz="2400" dirty="0">
+              <a:solidFill>
+                <a:schemeClr val="bg2">
+                  <a:lumMod val="75000"/>
+                </a:schemeClr>
+              </a:solidFill>
+              <a:latin typeface="Pretendard" panose="02000503000000020004" pitchFamily="50" charset="-127"/>
+              <a:ea typeface="Pretendard" panose="02000503000000020004" pitchFamily="50" charset="-127"/>
+              <a:cs typeface="Pretendard" panose="02000503000000020004" pitchFamily="50" charset="-127"/>
+            </a:endParaRPr>
+          </a:p>
+        </p:txBody>
+      </p:sp>
+      <p:pic>
+        <p:nvPicPr>
+          <p:cNvPr id="4" name="그림 3">
+            <a:extLst>
+              <a:ext uri="{FF2B5EF4-FFF2-40B4-BE49-F238E27FC236}">
+                <a16:creationId xmlns:a16="http://schemas.microsoft.com/office/drawing/2014/main" id="{C058C4B1-F4A6-4002-80DD-ECF9EEB98F20}"/>
+              </a:ext>
+            </a:extLst>
+          </p:cNvPr>
+          <p:cNvPicPr>
+            <a:picLocks noChangeAspect="1"/>
+          </p:cNvPicPr>
+          <p:nvPr/>
+        </p:nvPicPr>
+        <p:blipFill>
+          <a:blip r:embed="rId2"/>
+          <a:stretch>
+            <a:fillRect/>
+          </a:stretch>
+        </p:blipFill>
+        <p:spPr>
+          <a:xfrm>
+            <a:off x="4732108" y="1781862"/>
+            <a:ext cx="7081766" cy="4865730"/>
+          </a:xfrm>
+          <a:prstGeom prst="rect">
+            <a:avLst/>
+          </a:prstGeom>
+          <a:ln w="38100" cap="sq">
+            <a:solidFill>
+              <a:schemeClr val="bg1">
+                <a:lumMod val="75000"/>
+              </a:schemeClr>
+            </a:solidFill>
+            <a:prstDash val="solid"/>
+            <a:miter lim="800000"/>
+          </a:ln>
+          <a:effectLst>
+            <a:outerShdw blurRad="50800" dist="38100" dir="2700000" algn="tl" rotWithShape="0">
+              <a:srgbClr val="000000">
+                <a:alpha val="43000"/>
+              </a:srgbClr>
+            </a:outerShdw>
+          </a:effectLst>
+        </p:spPr>
+      </p:pic>
+    </p:spTree>
+    <p:extLst>
+      <p:ext uri="{BB962C8B-B14F-4D97-AF65-F5344CB8AC3E}">
+        <p14:creationId xmlns:p14="http://schemas.microsoft.com/office/powerpoint/2010/main" val="618531987"/>
+      </p:ext>
+    </p:extLst>
+  </p:cSld>
+  <p:clrMapOvr>
+    <a:masterClrMapping/>
+  </p:clrMapOvr>
+</p:sld>
+</file>
+
+<file path=ppt/slides/slide4.xml><?xml version="1.0" encoding="utf-8"?>
+<p:sld xmlns:a="http://schemas.openxmlformats.org/drawingml/2006/main" xmlns:r="http://schemas.openxmlformats.org/officeDocument/2006/relationships" xmlns:p="http://schemas.openxmlformats.org/presentationml/2006/main">
+  <p:cSld>
+    <p:spTree>
+      <p:nvGrpSpPr>
+        <p:cNvPr id="1" name=""/>
+        <p:cNvGrpSpPr/>
+        <p:nvPr/>
+      </p:nvGrpSpPr>
+      <p:grpSpPr>
+        <a:xfrm>
+          <a:off x="0" y="0"/>
+          <a:ext cx="0" cy="0"/>
+          <a:chOff x="0" y="0"/>
+          <a:chExt cx="0" cy="0"/>
+        </a:xfrm>
+      </p:grpSpPr>
+      <p:sp>
+        <p:nvSpPr>
+          <p:cNvPr id="34" name="직사각형 33">
+            <a:extLst>
+              <a:ext uri="{FF2B5EF4-FFF2-40B4-BE49-F238E27FC236}">
+                <a16:creationId xmlns:a16="http://schemas.microsoft.com/office/drawing/2014/main" id="{47325ED5-6A0B-4074-AC9C-462E42384913}"/>
+              </a:ext>
+            </a:extLst>
+          </p:cNvPr>
+          <p:cNvSpPr/>
+          <p:nvPr/>
+        </p:nvSpPr>
+        <p:spPr>
+          <a:xfrm>
+            <a:off x="0" y="-1"/>
+            <a:ext cx="12192000" cy="6858001"/>
+          </a:xfrm>
+          <a:prstGeom prst="rect">
+            <a:avLst/>
+          </a:prstGeom>
+        </p:spPr>
+        <p:style>
+          <a:lnRef idx="2">
+            <a:schemeClr val="dk1">
+              <a:shade val="50000"/>
+            </a:schemeClr>
+          </a:lnRef>
+          <a:fillRef idx="1">
+            <a:schemeClr val="dk1"/>
+          </a:fillRef>
+          <a:effectRef idx="0">
+            <a:schemeClr val="dk1"/>
+          </a:effectRef>
+          <a:fontRef idx="minor">
+            <a:schemeClr val="lt1"/>
+          </a:fontRef>
+        </p:style>
+        <p:txBody>
+          <a:bodyPr rtlCol="0" anchor="ctr"/>
+          <a:lstStyle/>
+          <a:p>
+            <a:pPr>
+              <a:lnSpc>
+                <a:spcPct val="150000"/>
+              </a:lnSpc>
+            </a:pPr>
+            <a:endParaRPr lang="ko-KR" altLang="en-US" sz="2400" dirty="0">
+              <a:latin typeface="Pretendard" panose="02000503000000020004" pitchFamily="50" charset="-127"/>
+              <a:ea typeface="Pretendard" panose="02000503000000020004" pitchFamily="50" charset="-127"/>
+              <a:cs typeface="Pretendard" panose="02000503000000020004" pitchFamily="50" charset="-127"/>
+            </a:endParaRPr>
+          </a:p>
+        </p:txBody>
+      </p:sp>
+      <p:sp>
+        <p:nvSpPr>
+          <p:cNvPr id="12" name="제목 1">
+            <a:extLst>
+              <a:ext uri="{FF2B5EF4-FFF2-40B4-BE49-F238E27FC236}">
+                <a16:creationId xmlns:a16="http://schemas.microsoft.com/office/drawing/2014/main" id="{29F295CC-9F7A-4B60-94A9-95576A850C0C}"/>
+              </a:ext>
+            </a:extLst>
+          </p:cNvPr>
+          <p:cNvSpPr>
+            <a:spLocks noGrp="1"/>
+          </p:cNvSpPr>
+          <p:nvPr>
+            <p:ph type="ctrTitle"/>
+          </p:nvPr>
+        </p:nvSpPr>
+        <p:spPr>
+          <a:xfrm>
+            <a:off x="579649" y="686066"/>
+            <a:ext cx="6380844" cy="830508"/>
+          </a:xfrm>
+        </p:spPr>
+        <p:txBody>
+          <a:bodyPr tIns="18000" bIns="18000" anchor="t">
+            <a:noAutofit/>
+          </a:bodyPr>
+          <a:lstStyle/>
+          <a:p>
+            <a:pPr algn="l">
+              <a:lnSpc>
+                <a:spcPct val="150000"/>
+              </a:lnSpc>
+            </a:pPr>
+            <a:r>
+              <a:rPr lang="ko-KR" altLang="en-US" sz="4800" b="1" dirty="0">
+                <a:solidFill>
+                  <a:schemeClr val="bg1"/>
+                </a:solidFill>
+                <a:latin typeface="Pretendard" panose="02000503000000020004" pitchFamily="50" charset="-127"/>
+                <a:ea typeface="Pretendard" panose="02000503000000020004" pitchFamily="50" charset="-127"/>
+                <a:cs typeface="Pretendard" panose="02000503000000020004" pitchFamily="50" charset="-127"/>
+              </a:rPr>
+              <a:t>기</a:t>
+            </a:r>
+            <a:r>
+              <a:rPr lang="ko-KR" altLang="en-US" sz="4000" dirty="0">
+                <a:solidFill>
+                  <a:schemeClr val="bg1"/>
+                </a:solidFill>
+                <a:latin typeface="Pretendard" panose="02000503000000020004" pitchFamily="50" charset="-127"/>
+                <a:ea typeface="Pretendard" panose="02000503000000020004" pitchFamily="50" charset="-127"/>
+                <a:cs typeface="Pretendard" panose="02000503000000020004" pitchFamily="50" charset="-127"/>
+              </a:rPr>
+              <a:t>획의도 </a:t>
+            </a:r>
+            <a:r>
+              <a:rPr lang="en-US" altLang="ko-KR" sz="4000" dirty="0">
+                <a:solidFill>
+                  <a:schemeClr val="bg1"/>
+                </a:solidFill>
+                <a:latin typeface="Pretendard" panose="02000503000000020004" pitchFamily="50" charset="-127"/>
+                <a:ea typeface="Pretendard" panose="02000503000000020004" pitchFamily="50" charset="-127"/>
+                <a:cs typeface="Pretendard" panose="02000503000000020004" pitchFamily="50" charset="-127"/>
+              </a:rPr>
+              <a:t>| </a:t>
+            </a:r>
+            <a:r>
+              <a:rPr lang="ko-KR" altLang="en-US" sz="2800" dirty="0">
+                <a:solidFill>
+                  <a:schemeClr val="bg1"/>
+                </a:solidFill>
+                <a:latin typeface="Pretendard" panose="02000503000000020004" pitchFamily="50" charset="-127"/>
+                <a:ea typeface="Pretendard" panose="02000503000000020004" pitchFamily="50" charset="-127"/>
+                <a:cs typeface="Pretendard" panose="02000503000000020004" pitchFamily="50" charset="-127"/>
+              </a:rPr>
+              <a:t>사이트 분석</a:t>
+            </a:r>
+          </a:p>
+        </p:txBody>
+      </p:sp>
+      <p:cxnSp>
+        <p:nvCxnSpPr>
+          <p:cNvPr id="27" name="직선 연결선 26">
+            <a:extLst>
+              <a:ext uri="{FF2B5EF4-FFF2-40B4-BE49-F238E27FC236}">
+                <a16:creationId xmlns:a16="http://schemas.microsoft.com/office/drawing/2014/main" id="{3E5C4E17-C4BB-4B6E-8FE8-897E1FD57E64}"/>
+              </a:ext>
+            </a:extLst>
+          </p:cNvPr>
+          <p:cNvCxnSpPr>
+            <a:cxnSpLocks/>
+          </p:cNvCxnSpPr>
+          <p:nvPr/>
+        </p:nvCxnSpPr>
+        <p:spPr>
+          <a:xfrm>
+            <a:off x="293615" y="2163188"/>
+            <a:ext cx="11898385" cy="0"/>
+          </a:xfrm>
+          <a:prstGeom prst="line">
+            <a:avLst/>
+          </a:prstGeom>
+          <a:ln w="28575">
+            <a:solidFill>
+              <a:srgbClr val="513397"/>
+            </a:solidFill>
+          </a:ln>
+        </p:spPr>
+        <p:style>
+          <a:lnRef idx="1">
+            <a:schemeClr val="accent2"/>
+          </a:lnRef>
+          <a:fillRef idx="0">
+            <a:schemeClr val="accent2"/>
+          </a:fillRef>
+          <a:effectRef idx="0">
+            <a:schemeClr val="accent2"/>
+          </a:effectRef>
+          <a:fontRef idx="minor">
+            <a:schemeClr val="tx1"/>
+          </a:fontRef>
+        </p:style>
+      </p:cxnSp>
+      <p:sp>
+        <p:nvSpPr>
+          <p:cNvPr id="2" name="TextBox 1">
+            <a:extLst>
+              <a:ext uri="{FF2B5EF4-FFF2-40B4-BE49-F238E27FC236}">
+                <a16:creationId xmlns:a16="http://schemas.microsoft.com/office/drawing/2014/main" id="{B86BC364-D9B2-4B1D-ACF9-DBEAF979C63D}"/>
+              </a:ext>
+            </a:extLst>
+          </p:cNvPr>
+          <p:cNvSpPr txBox="1"/>
+          <p:nvPr/>
+        </p:nvSpPr>
+        <p:spPr>
+          <a:xfrm>
+            <a:off x="579649" y="2536447"/>
+            <a:ext cx="4190400" cy="1136465"/>
+          </a:xfrm>
+          <a:prstGeom prst="rect">
+            <a:avLst/>
+          </a:prstGeom>
+          <a:noFill/>
+        </p:spPr>
+        <p:txBody>
+          <a:bodyPr wrap="square" rtlCol="0">
+            <a:spAutoFit/>
+          </a:bodyPr>
+          <a:lstStyle/>
+          <a:p>
+            <a:pPr marL="457200" indent="-457200">
+              <a:lnSpc>
+                <a:spcPct val="150000"/>
+              </a:lnSpc>
+              <a:buAutoNum type="arabicPeriod"/>
+            </a:pPr>
+            <a:r>
+              <a:rPr lang="ko-KR" altLang="en-US" sz="2400" dirty="0">
+                <a:solidFill>
+                  <a:schemeClr val="bg2">
+                    <a:lumMod val="75000"/>
+                  </a:schemeClr>
+                </a:solidFill>
+                <a:latin typeface="Pretendard" panose="02000503000000020004" pitchFamily="50" charset="-127"/>
+                <a:ea typeface="Pretendard" panose="02000503000000020004" pitchFamily="50" charset="-127"/>
+                <a:cs typeface="Pretendard" panose="02000503000000020004" pitchFamily="50" charset="-127"/>
+              </a:rPr>
+              <a:t>메인 영화소개 몰입도 부족</a:t>
+            </a:r>
+            <a:endParaRPr lang="en-US" altLang="ko-KR" sz="2400" dirty="0">
+              <a:solidFill>
+                <a:schemeClr val="bg2">
+                  <a:lumMod val="75000"/>
+                </a:schemeClr>
+              </a:solidFill>
+              <a:latin typeface="Pretendard" panose="02000503000000020004" pitchFamily="50" charset="-127"/>
+              <a:ea typeface="Pretendard" panose="02000503000000020004" pitchFamily="50" charset="-127"/>
+              <a:cs typeface="Pretendard" panose="02000503000000020004" pitchFamily="50" charset="-127"/>
+            </a:endParaRPr>
+          </a:p>
+          <a:p>
+            <a:pPr marL="457200" indent="-457200">
+              <a:lnSpc>
+                <a:spcPct val="150000"/>
+              </a:lnSpc>
+              <a:buAutoNum type="arabicPeriod"/>
+            </a:pPr>
+            <a:r>
+              <a:rPr lang="ko-KR" altLang="en-US" sz="2400" b="1" dirty="0">
+                <a:solidFill>
+                  <a:schemeClr val="bg1"/>
+                </a:solidFill>
+                <a:latin typeface="Pretendard" panose="02000503000000020004" pitchFamily="50" charset="-127"/>
+                <a:ea typeface="Pretendard" panose="02000503000000020004" pitchFamily="50" charset="-127"/>
+                <a:cs typeface="Pretendard" panose="02000503000000020004" pitchFamily="50" charset="-127"/>
+              </a:rPr>
+              <a:t>복잡한 </a:t>
+            </a:r>
+            <a:r>
+              <a:rPr lang="ko-KR" altLang="en-US" sz="2400" b="1" dirty="0" err="1">
+                <a:solidFill>
+                  <a:schemeClr val="bg1"/>
+                </a:solidFill>
+                <a:latin typeface="Pretendard" panose="02000503000000020004" pitchFamily="50" charset="-127"/>
+                <a:ea typeface="Pretendard" panose="02000503000000020004" pitchFamily="50" charset="-127"/>
+                <a:cs typeface="Pretendard" panose="02000503000000020004" pitchFamily="50" charset="-127"/>
+              </a:rPr>
+              <a:t>사이트맵</a:t>
+            </a:r>
+            <a:endParaRPr lang="en-US" altLang="ko-KR" sz="2400" b="1" dirty="0">
+              <a:solidFill>
+                <a:schemeClr val="bg1"/>
+              </a:solidFill>
+              <a:latin typeface="Pretendard" panose="02000503000000020004" pitchFamily="50" charset="-127"/>
+              <a:ea typeface="Pretendard" panose="02000503000000020004" pitchFamily="50" charset="-127"/>
+              <a:cs typeface="Pretendard" panose="02000503000000020004" pitchFamily="50" charset="-127"/>
+            </a:endParaRPr>
+          </a:p>
+        </p:txBody>
+      </p:sp>
+      <p:pic>
+        <p:nvPicPr>
+          <p:cNvPr id="5" name="그림 4">
+            <a:extLst>
+              <a:ext uri="{FF2B5EF4-FFF2-40B4-BE49-F238E27FC236}">
+                <a16:creationId xmlns:a16="http://schemas.microsoft.com/office/drawing/2014/main" id="{673E374C-F79A-4B1F-87F4-2A8A4B7AE904}"/>
+              </a:ext>
+            </a:extLst>
+          </p:cNvPr>
+          <p:cNvPicPr>
+            <a:picLocks noChangeAspect="1"/>
+          </p:cNvPicPr>
+          <p:nvPr/>
+        </p:nvPicPr>
+        <p:blipFill>
+          <a:blip r:embed="rId2"/>
+          <a:stretch>
+            <a:fillRect/>
+          </a:stretch>
+        </p:blipFill>
+        <p:spPr>
+          <a:xfrm>
+            <a:off x="4706708" y="1753760"/>
+            <a:ext cx="7110561" cy="4875640"/>
+          </a:xfrm>
+          <a:prstGeom prst="rect">
+            <a:avLst/>
+          </a:prstGeom>
+          <a:ln w="38100">
+            <a:solidFill>
+              <a:schemeClr val="bg1">
+                <a:lumMod val="75000"/>
+              </a:schemeClr>
+            </a:solidFill>
+          </a:ln>
+        </p:spPr>
+      </p:pic>
+    </p:spTree>
+    <p:extLst>
+      <p:ext uri="{BB962C8B-B14F-4D97-AF65-F5344CB8AC3E}">
+        <p14:creationId xmlns:p14="http://schemas.microsoft.com/office/powerpoint/2010/main" val="1854338532"/>
+      </p:ext>
+    </p:extLst>
+  </p:cSld>
+  <p:clrMapOvr>
+    <a:masterClrMapping/>
+  </p:clrMapOvr>
+</p:sld>
+</file>
+
+<file path=ppt/slides/slide5.xml><?xml version="1.0" encoding="utf-8"?>
+<p:sld xmlns:a="http://schemas.openxmlformats.org/drawingml/2006/main" xmlns:r="http://schemas.openxmlformats.org/officeDocument/2006/relationships" xmlns:p="http://schemas.openxmlformats.org/presentationml/2006/main">
+  <p:cSld>
+    <p:spTree>
+      <p:nvGrpSpPr>
+        <p:cNvPr id="1" name=""/>
+        <p:cNvGrpSpPr/>
+        <p:nvPr/>
+      </p:nvGrpSpPr>
+      <p:grpSpPr>
+        <a:xfrm>
+          <a:off x="0" y="0"/>
+          <a:ext cx="0" cy="0"/>
+          <a:chOff x="0" y="0"/>
+          <a:chExt cx="0" cy="0"/>
+        </a:xfrm>
+      </p:grpSpPr>
+      <p:sp>
+        <p:nvSpPr>
+          <p:cNvPr id="34" name="직사각형 33">
+            <a:extLst>
+              <a:ext uri="{FF2B5EF4-FFF2-40B4-BE49-F238E27FC236}">
+                <a16:creationId xmlns:a16="http://schemas.microsoft.com/office/drawing/2014/main" id="{47325ED5-6A0B-4074-AC9C-462E42384913}"/>
+              </a:ext>
+            </a:extLst>
+          </p:cNvPr>
+          <p:cNvSpPr/>
+          <p:nvPr/>
+        </p:nvSpPr>
+        <p:spPr>
+          <a:xfrm>
+            <a:off x="0" y="-1"/>
+            <a:ext cx="12192000" cy="6858001"/>
+          </a:xfrm>
+          <a:prstGeom prst="rect">
+            <a:avLst/>
+          </a:prstGeom>
+        </p:spPr>
+        <p:style>
+          <a:lnRef idx="2">
+            <a:schemeClr val="dk1">
+              <a:shade val="50000"/>
+            </a:schemeClr>
+          </a:lnRef>
+          <a:fillRef idx="1">
+            <a:schemeClr val="dk1"/>
+          </a:fillRef>
+          <a:effectRef idx="0">
+            <a:schemeClr val="dk1"/>
+          </a:effectRef>
+          <a:fontRef idx="minor">
+            <a:schemeClr val="lt1"/>
+          </a:fontRef>
+        </p:style>
+        <p:txBody>
+          <a:bodyPr rtlCol="0" anchor="ctr"/>
+          <a:lstStyle/>
+          <a:p>
+            <a:pPr>
+              <a:lnSpc>
+                <a:spcPct val="150000"/>
+              </a:lnSpc>
+            </a:pPr>
+            <a:endParaRPr lang="ko-KR" altLang="en-US" sz="2400" dirty="0">
+              <a:latin typeface="Pretendard" panose="02000503000000020004" pitchFamily="50" charset="-127"/>
+              <a:ea typeface="Pretendard" panose="02000503000000020004" pitchFamily="50" charset="-127"/>
+              <a:cs typeface="Pretendard" panose="02000503000000020004" pitchFamily="50" charset="-127"/>
+            </a:endParaRPr>
+          </a:p>
+        </p:txBody>
+      </p:sp>
+      <p:sp>
+        <p:nvSpPr>
+          <p:cNvPr id="12" name="제목 1">
+            <a:extLst>
+              <a:ext uri="{FF2B5EF4-FFF2-40B4-BE49-F238E27FC236}">
+                <a16:creationId xmlns:a16="http://schemas.microsoft.com/office/drawing/2014/main" id="{29F295CC-9F7A-4B60-94A9-95576A850C0C}"/>
+              </a:ext>
+            </a:extLst>
+          </p:cNvPr>
+          <p:cNvSpPr>
+            <a:spLocks noGrp="1"/>
+          </p:cNvSpPr>
+          <p:nvPr>
+            <p:ph type="ctrTitle"/>
+          </p:nvPr>
+        </p:nvSpPr>
+        <p:spPr>
+          <a:xfrm>
+            <a:off x="579648" y="686066"/>
+            <a:ext cx="7751551" cy="830508"/>
+          </a:xfrm>
+        </p:spPr>
+        <p:txBody>
+          <a:bodyPr tIns="18000" bIns="18000" anchor="t">
+            <a:noAutofit/>
+          </a:bodyPr>
+          <a:lstStyle/>
+          <a:p>
+            <a:pPr algn="l">
+              <a:lnSpc>
+                <a:spcPct val="150000"/>
+              </a:lnSpc>
+            </a:pPr>
+            <a:r>
+              <a:rPr lang="ko-KR" altLang="en-US" sz="4800" b="1" dirty="0">
+                <a:solidFill>
+                  <a:schemeClr val="bg1"/>
+                </a:solidFill>
+                <a:latin typeface="Pretendard" panose="02000503000000020004" pitchFamily="50" charset="-127"/>
+                <a:ea typeface="Pretendard" panose="02000503000000020004" pitchFamily="50" charset="-127"/>
+                <a:cs typeface="Pretendard" panose="02000503000000020004" pitchFamily="50" charset="-127"/>
+              </a:rPr>
+              <a:t>사</a:t>
+            </a:r>
+            <a:r>
+              <a:rPr lang="ko-KR" altLang="en-US" sz="4000" dirty="0">
+                <a:solidFill>
+                  <a:schemeClr val="bg1"/>
+                </a:solidFill>
+                <a:latin typeface="Pretendard" panose="02000503000000020004" pitchFamily="50" charset="-127"/>
+                <a:ea typeface="Pretendard" panose="02000503000000020004" pitchFamily="50" charset="-127"/>
+                <a:cs typeface="Pretendard" panose="02000503000000020004" pitchFamily="50" charset="-127"/>
+              </a:rPr>
+              <a:t>이트 설계 </a:t>
+            </a:r>
+            <a:r>
+              <a:rPr lang="en-US" altLang="ko-KR" sz="4000" dirty="0">
+                <a:solidFill>
+                  <a:schemeClr val="bg1"/>
+                </a:solidFill>
+                <a:latin typeface="Pretendard" panose="02000503000000020004" pitchFamily="50" charset="-127"/>
+                <a:ea typeface="Pretendard" panose="02000503000000020004" pitchFamily="50" charset="-127"/>
+                <a:cs typeface="Pretendard" panose="02000503000000020004" pitchFamily="50" charset="-127"/>
+              </a:rPr>
+              <a:t>| </a:t>
+            </a:r>
+            <a:r>
+              <a:rPr lang="ko-KR" altLang="en-US" sz="2800" dirty="0">
+                <a:solidFill>
+                  <a:schemeClr val="bg1"/>
+                </a:solidFill>
+                <a:latin typeface="Pretendard" panose="02000503000000020004" pitchFamily="50" charset="-127"/>
+                <a:ea typeface="Pretendard" panose="02000503000000020004" pitchFamily="50" charset="-127"/>
+                <a:cs typeface="Pretendard" panose="02000503000000020004" pitchFamily="50" charset="-127"/>
+              </a:rPr>
+              <a:t>와이어 프레임</a:t>
+            </a:r>
+            <a:r>
+              <a:rPr lang="en-US" altLang="ko-KR" sz="2800" dirty="0">
+                <a:solidFill>
+                  <a:schemeClr val="bg1"/>
+                </a:solidFill>
+                <a:latin typeface="Pretendard" panose="02000503000000020004" pitchFamily="50" charset="-127"/>
+                <a:ea typeface="Pretendard" panose="02000503000000020004" pitchFamily="50" charset="-127"/>
+                <a:cs typeface="Pretendard" panose="02000503000000020004" pitchFamily="50" charset="-127"/>
+              </a:rPr>
+              <a:t>(Balsamiq Tool)</a:t>
+            </a:r>
+            <a:endParaRPr lang="ko-KR" altLang="en-US" sz="2800" dirty="0">
+              <a:solidFill>
+                <a:schemeClr val="bg1"/>
+              </a:solidFill>
+              <a:latin typeface="Pretendard" panose="02000503000000020004" pitchFamily="50" charset="-127"/>
+              <a:ea typeface="Pretendard" panose="02000503000000020004" pitchFamily="50" charset="-127"/>
+              <a:cs typeface="Pretendard" panose="02000503000000020004" pitchFamily="50" charset="-127"/>
+            </a:endParaRPr>
+          </a:p>
+        </p:txBody>
+      </p:sp>
+      <p:cxnSp>
+        <p:nvCxnSpPr>
+          <p:cNvPr id="27" name="직선 연결선 26">
+            <a:extLst>
+              <a:ext uri="{FF2B5EF4-FFF2-40B4-BE49-F238E27FC236}">
+                <a16:creationId xmlns:a16="http://schemas.microsoft.com/office/drawing/2014/main" id="{3E5C4E17-C4BB-4B6E-8FE8-897E1FD57E64}"/>
+              </a:ext>
+            </a:extLst>
+          </p:cNvPr>
+          <p:cNvCxnSpPr>
+            <a:cxnSpLocks/>
+          </p:cNvCxnSpPr>
+          <p:nvPr/>
+        </p:nvCxnSpPr>
+        <p:spPr>
+          <a:xfrm>
+            <a:off x="293615" y="2163188"/>
+            <a:ext cx="11898385" cy="0"/>
+          </a:xfrm>
+          <a:prstGeom prst="line">
+            <a:avLst/>
+          </a:prstGeom>
+          <a:ln w="28575">
+            <a:solidFill>
+              <a:srgbClr val="513397"/>
+            </a:solidFill>
+          </a:ln>
+        </p:spPr>
+        <p:style>
+          <a:lnRef idx="1">
+            <a:schemeClr val="accent2"/>
+          </a:lnRef>
+          <a:fillRef idx="0">
+            <a:schemeClr val="accent2"/>
+          </a:fillRef>
+          <a:effectRef idx="0">
+            <a:schemeClr val="accent2"/>
+          </a:effectRef>
+          <a:fontRef idx="minor">
+            <a:schemeClr val="tx1"/>
+          </a:fontRef>
+        </p:style>
+      </p:cxnSp>
+      <p:pic>
+        <p:nvPicPr>
+          <p:cNvPr id="4" name="그림 3">
+            <a:extLst>
+              <a:ext uri="{FF2B5EF4-FFF2-40B4-BE49-F238E27FC236}">
+                <a16:creationId xmlns:a16="http://schemas.microsoft.com/office/drawing/2014/main" id="{47DA21C3-C917-42E4-8805-31289A8383F5}"/>
+              </a:ext>
+            </a:extLst>
+          </p:cNvPr>
+          <p:cNvPicPr>
+            <a:picLocks noChangeAspect="1"/>
+          </p:cNvPicPr>
+          <p:nvPr/>
+        </p:nvPicPr>
+        <p:blipFill>
+          <a:blip r:embed="rId2"/>
+          <a:stretch>
+            <a:fillRect/>
+          </a:stretch>
+        </p:blipFill>
+        <p:spPr>
+          <a:xfrm>
+            <a:off x="579648" y="2347406"/>
+            <a:ext cx="5942111" cy="6858000"/>
+          </a:xfrm>
+          <a:prstGeom prst="rect">
+            <a:avLst/>
+          </a:prstGeom>
+        </p:spPr>
+      </p:pic>
+    </p:spTree>
+    <p:extLst>
+      <p:ext uri="{BB962C8B-B14F-4D97-AF65-F5344CB8AC3E}">
+        <p14:creationId xmlns:p14="http://schemas.microsoft.com/office/powerpoint/2010/main" val="937039244"/>
+      </p:ext>
+    </p:extLst>
+  </p:cSld>
+  <p:clrMapOvr>
+    <a:masterClrMapping/>
+  </p:clrMapOvr>
+</p:sld>
+</file>
+
+<file path=ppt/slides/slide6.xml><?xml version="1.0" encoding="utf-8"?>
+<p:sld xmlns:a="http://schemas.openxmlformats.org/drawingml/2006/main" xmlns:r="http://schemas.openxmlformats.org/officeDocument/2006/relationships" xmlns:p="http://schemas.openxmlformats.org/presentationml/2006/main">
+  <p:cSld>
+    <p:spTree>
+      <p:nvGrpSpPr>
+        <p:cNvPr id="1" name=""/>
+        <p:cNvGrpSpPr/>
+        <p:nvPr/>
+      </p:nvGrpSpPr>
+      <p:grpSpPr>
+        <a:xfrm>
+          <a:off x="0" y="0"/>
+          <a:ext cx="0" cy="0"/>
+          <a:chOff x="0" y="0"/>
+          <a:chExt cx="0" cy="0"/>
+        </a:xfrm>
+      </p:grpSpPr>
+      <p:sp>
+        <p:nvSpPr>
+          <p:cNvPr id="2" name="제목 1">
+            <a:extLst>
+              <a:ext uri="{FF2B5EF4-FFF2-40B4-BE49-F238E27FC236}">
+                <a16:creationId xmlns:a16="http://schemas.microsoft.com/office/drawing/2014/main" id="{C0DC9397-C73D-4820-A749-89F09AA74FEA}"/>
+              </a:ext>
+            </a:extLst>
+          </p:cNvPr>
+          <p:cNvSpPr>
+            <a:spLocks noGrp="1"/>
+          </p:cNvSpPr>
+          <p:nvPr>
+            <p:ph type="ctrTitle"/>
+          </p:nvPr>
+        </p:nvSpPr>
+        <p:spPr>
+          <a:xfrm>
+            <a:off x="575345" y="607380"/>
             <a:ext cx="10873530" cy="830508"/>
           </a:xfrm>
         </p:spPr>
@@ -3667,7 +5760,7 @@
               </a:lnSpc>
             </a:pPr>
             <a:r>
-              <a:rPr lang="en-US" altLang="ko-KR" sz="4000" b="1" dirty="0">
+              <a:rPr lang="en-US" altLang="ko-KR" sz="4800" b="1" dirty="0">
                 <a:latin typeface="Pretendard" panose="02000503000000020004" pitchFamily="50" charset="-127"/>
                 <a:ea typeface="Pretendard" panose="02000503000000020004" pitchFamily="50" charset="-127"/>
                 <a:cs typeface="Pretendard" panose="02000503000000020004" pitchFamily="50" charset="-127"/>
@@ -3704,7 +5797,7 @@
         </p:nvGrpSpPr>
         <p:grpSpPr>
           <a:xfrm>
-            <a:off x="707700" y="2791723"/>
+            <a:off x="659235" y="2791723"/>
             <a:ext cx="9638893" cy="1274553"/>
             <a:chOff x="707700" y="2226900"/>
             <a:chExt cx="9638893" cy="1274553"/>
@@ -3764,7 +5857,7 @@
                   <a:ea typeface="Pretendard" panose="02000503000000020004" pitchFamily="50" charset="-127"/>
                   <a:cs typeface="Pretendard" panose="02000503000000020004" pitchFamily="50" charset="-127"/>
                 </a:rPr>
-                <a:t>기존사이트 분석</a:t>
+                <a:t>기획의도 </a:t>
               </a:r>
             </a:p>
           </p:txBody>
@@ -3789,6 +5882,9 @@
             <a:prstGeom prst="rect">
               <a:avLst/>
             </a:prstGeom>
+            <a:solidFill>
+              <a:srgbClr val="59BEC8"/>
+            </a:solidFill>
             <a:ln>
               <a:noFill/>
             </a:ln>
@@ -3821,11 +5917,6 @@
                   <a:solidFill>
                     <a:schemeClr val="bg1"/>
                   </a:solidFill>
-                  <a:effectLst>
-                    <a:outerShdw blurRad="38100" dist="19050" dir="2700000" algn="tl" rotWithShape="0">
-                      <a:srgbClr val="ED7D31"/>
-                    </a:outerShdw>
-                  </a:effectLst>
                 </a:rPr>
                 <a:t>1</a:t>
               </a:r>
@@ -3833,11 +5924,6 @@
                 <a:solidFill>
                   <a:schemeClr val="bg1"/>
                 </a:solidFill>
-                <a:effectLst>
-                  <a:outerShdw blurRad="38100" dist="19050" dir="2700000" algn="tl" rotWithShape="0">
-                    <a:srgbClr val="ED7D31"/>
-                  </a:outerShdw>
-                </a:effectLst>
               </a:endParaRPr>
             </a:p>
           </p:txBody>
@@ -3916,8 +6002,37 @@
                     <a:ea typeface="Pretendard" panose="02000503000000020004" pitchFamily="50" charset="-127"/>
                     <a:cs typeface="Pretendard" panose="02000503000000020004" pitchFamily="50" charset="-127"/>
                   </a:rPr>
-                  <a:t>사이트 설계</a:t>
+                  <a:t>사이트 설계 </a:t>
                 </a:r>
+                <a:r>
+                  <a:rPr lang="en-US" altLang="ko-KR" sz="2400" dirty="0">
+                    <a:latin typeface="Pretendard" panose="02000503000000020004" pitchFamily="50" charset="-127"/>
+                    <a:ea typeface="Pretendard" panose="02000503000000020004" pitchFamily="50" charset="-127"/>
+                    <a:cs typeface="Pretendard" panose="02000503000000020004" pitchFamily="50" charset="-127"/>
+                  </a:rPr>
+                  <a:t>- </a:t>
+                </a:r>
+                <a:r>
+                  <a:rPr lang="ko-KR" altLang="en-US" sz="2400" dirty="0">
+                    <a:latin typeface="Pretendard" panose="02000503000000020004" pitchFamily="50" charset="-127"/>
+                    <a:ea typeface="Pretendard" panose="02000503000000020004" pitchFamily="50" charset="-127"/>
+                    <a:cs typeface="Pretendard" panose="02000503000000020004" pitchFamily="50" charset="-127"/>
+                  </a:rPr>
+                  <a:t>와이어 프레임</a:t>
+                </a:r>
+                <a:r>
+                  <a:rPr lang="en-US" altLang="ko-KR" sz="2400" dirty="0">
+                    <a:latin typeface="Pretendard" panose="02000503000000020004" pitchFamily="50" charset="-127"/>
+                    <a:ea typeface="Pretendard" panose="02000503000000020004" pitchFamily="50" charset="-127"/>
+                    <a:cs typeface="Pretendard" panose="02000503000000020004" pitchFamily="50" charset="-127"/>
+                  </a:rPr>
+                  <a:t>(Balsamiq Tool)</a:t>
+                </a:r>
+                <a:endParaRPr lang="ko-KR" altLang="en-US" sz="2400" dirty="0">
+                  <a:latin typeface="Pretendard" panose="02000503000000020004" pitchFamily="50" charset="-127"/>
+                  <a:ea typeface="Pretendard" panose="02000503000000020004" pitchFamily="50" charset="-127"/>
+                  <a:cs typeface="Pretendard" panose="02000503000000020004" pitchFamily="50" charset="-127"/>
+                </a:endParaRPr>
               </a:p>
             </p:txBody>
           </p:sp>
@@ -3941,6 +6056,9 @@
               <a:prstGeom prst="rect">
                 <a:avLst/>
               </a:prstGeom>
+              <a:solidFill>
+                <a:srgbClr val="59BEC8"/>
+              </a:solidFill>
               <a:ln>
                 <a:noFill/>
               </a:ln>
@@ -3972,13 +6090,6 @@
                     <a:solidFill>
                       <a:schemeClr val="bg1"/>
                     </a:solidFill>
-                    <a:effectLst>
-                      <a:outerShdw blurRad="38100" dist="19050" dir="2700000" algn="tl" rotWithShape="0">
-                        <a:srgbClr val="ED7D31">
-                          <a:alpha val="40000"/>
-                        </a:srgbClr>
-                      </a:outerShdw>
-                    </a:effectLst>
                   </a:rPr>
                   <a:t>2</a:t>
                 </a:r>
@@ -3986,13 +6097,6 @@
                   <a:solidFill>
                     <a:schemeClr val="bg1"/>
                   </a:solidFill>
-                  <a:effectLst>
-                    <a:outerShdw blurRad="38100" dist="19050" dir="2700000" algn="tl" rotWithShape="0">
-                      <a:srgbClr val="ED7D31">
-                        <a:alpha val="40000"/>
-                      </a:srgbClr>
-                    </a:outerShdw>
-                  </a:effectLst>
                 </a:endParaRPr>
               </a:p>
             </p:txBody>
@@ -4013,7 +6117,7 @@
         </p:nvGrpSpPr>
         <p:grpSpPr>
           <a:xfrm>
-            <a:off x="707700" y="4209975"/>
+            <a:off x="659235" y="4209975"/>
             <a:ext cx="9638893" cy="565427"/>
             <a:chOff x="707700" y="3645152"/>
             <a:chExt cx="9638893" cy="565427"/>
@@ -4098,6 +6202,9 @@
             <a:prstGeom prst="rect">
               <a:avLst/>
             </a:prstGeom>
+            <a:solidFill>
+              <a:srgbClr val="59BEC8"/>
+            </a:solidFill>
             <a:ln>
               <a:noFill/>
             </a:ln>
@@ -4129,13 +6236,6 @@
                   <a:solidFill>
                     <a:schemeClr val="bg1"/>
                   </a:solidFill>
-                  <a:effectLst>
-                    <a:outerShdw blurRad="38100" dist="19050" dir="2700000" algn="tl" rotWithShape="0">
-                      <a:srgbClr val="ED7D31">
-                        <a:alpha val="40000"/>
-                      </a:srgbClr>
-                    </a:outerShdw>
-                  </a:effectLst>
                 </a:rPr>
                 <a:t>3</a:t>
               </a:r>
@@ -4143,13 +6243,6 @@
                 <a:solidFill>
                   <a:schemeClr val="bg1"/>
                 </a:solidFill>
-                <a:effectLst>
-                  <a:outerShdw blurRad="38100" dist="19050" dir="2700000" algn="tl" rotWithShape="0">
-                    <a:srgbClr val="ED7D31">
-                      <a:alpha val="40000"/>
-                    </a:srgbClr>
-                  </a:outerShdw>
-                </a:effectLst>
               </a:endParaRPr>
             </a:p>
           </p:txBody>
@@ -4169,7 +6262,7 @@
         </p:nvGrpSpPr>
         <p:grpSpPr>
           <a:xfrm>
-            <a:off x="707700" y="4956424"/>
+            <a:off x="659235" y="4956424"/>
             <a:ext cx="9638893" cy="565427"/>
             <a:chOff x="707700" y="4391601"/>
             <a:chExt cx="9638893" cy="565427"/>
@@ -4229,7 +6322,7 @@
                   <a:ea typeface="Pretendard" panose="02000503000000020004" pitchFamily="50" charset="-127"/>
                   <a:cs typeface="Pretendard" panose="02000503000000020004" pitchFamily="50" charset="-127"/>
                 </a:rPr>
-                <a:t>추후계획</a:t>
+                <a:t>향후 계획</a:t>
               </a:r>
             </a:p>
           </p:txBody>
@@ -4254,6 +6347,9 @@
             <a:prstGeom prst="rect">
               <a:avLst/>
             </a:prstGeom>
+            <a:solidFill>
+              <a:srgbClr val="59BEC8"/>
+            </a:solidFill>
             <a:ln>
               <a:noFill/>
             </a:ln>
@@ -4285,13 +6381,6 @@
                   <a:solidFill>
                     <a:schemeClr val="bg1"/>
                   </a:solidFill>
-                  <a:effectLst>
-                    <a:outerShdw blurRad="38100" dist="19050" dir="2700000" algn="tl" rotWithShape="0">
-                      <a:srgbClr val="ED7D31">
-                        <a:alpha val="40000"/>
-                      </a:srgbClr>
-                    </a:outerShdw>
-                  </a:effectLst>
                 </a:rPr>
                 <a:t>4</a:t>
               </a:r>
@@ -4299,13 +6388,6 @@
                 <a:solidFill>
                   <a:schemeClr val="bg1"/>
                 </a:solidFill>
-                <a:effectLst>
-                  <a:outerShdw blurRad="38100" dist="19050" dir="2700000" algn="tl" rotWithShape="0">
-                    <a:srgbClr val="ED7D31">
-                      <a:alpha val="40000"/>
-                    </a:srgbClr>
-                  </a:outerShdw>
-                </a:effectLst>
               </a:endParaRPr>
             </a:p>
           </p:txBody>
@@ -4313,10 +6395,10 @@
       </p:grpSp>
       <p:cxnSp>
         <p:nvCxnSpPr>
-          <p:cNvPr id="18" name="직선 연결선 17">
-            <a:extLst>
-              <a:ext uri="{FF2B5EF4-FFF2-40B4-BE49-F238E27FC236}">
-                <a16:creationId xmlns:a16="http://schemas.microsoft.com/office/drawing/2014/main" id="{601940AD-5F44-4C94-9C97-DC8779AEF067}"/>
+          <p:cNvPr id="21" name="직선 연결선 20">
+            <a:extLst>
+              <a:ext uri="{FF2B5EF4-FFF2-40B4-BE49-F238E27FC236}">
+                <a16:creationId xmlns:a16="http://schemas.microsoft.com/office/drawing/2014/main" id="{57C8117D-BAD4-4B66-BBDF-F967966B22C4}"/>
               </a:ext>
             </a:extLst>
           </p:cNvPr>
@@ -4327,12 +6409,17 @@
         </p:nvCxnSpPr>
         <p:spPr>
           <a:xfrm>
-            <a:off x="293615" y="5783866"/>
+            <a:off x="293615" y="2163188"/>
             <a:ext cx="11898385" cy="0"/>
           </a:xfrm>
           <a:prstGeom prst="line">
             <a:avLst/>
           </a:prstGeom>
+          <a:ln w="28575">
+            <a:solidFill>
+              <a:srgbClr val="59BEC8"/>
+            </a:solidFill>
+          </a:ln>
         </p:spPr>
         <p:style>
           <a:lnRef idx="1">
@@ -4353,6 +6440,1486 @@
     <p:extLst>
       <p:ext uri="{BB962C8B-B14F-4D97-AF65-F5344CB8AC3E}">
         <p14:creationId xmlns:p14="http://schemas.microsoft.com/office/powerpoint/2010/main" val="1722877126"/>
+      </p:ext>
+    </p:extLst>
+  </p:cSld>
+  <p:clrMapOvr>
+    <a:masterClrMapping/>
+  </p:clrMapOvr>
+</p:sld>
+</file>
+
+<file path=ppt/slides/slide7.xml><?xml version="1.0" encoding="utf-8"?>
+<p:sld xmlns:a="http://schemas.openxmlformats.org/drawingml/2006/main" xmlns:r="http://schemas.openxmlformats.org/officeDocument/2006/relationships" xmlns:p="http://schemas.openxmlformats.org/presentationml/2006/main">
+  <p:cSld>
+    <p:spTree>
+      <p:nvGrpSpPr>
+        <p:cNvPr id="1" name=""/>
+        <p:cNvGrpSpPr/>
+        <p:nvPr/>
+      </p:nvGrpSpPr>
+      <p:grpSpPr>
+        <a:xfrm>
+          <a:off x="0" y="0"/>
+          <a:ext cx="0" cy="0"/>
+          <a:chOff x="0" y="0"/>
+          <a:chExt cx="0" cy="0"/>
+        </a:xfrm>
+      </p:grpSpPr>
+      <p:sp>
+        <p:nvSpPr>
+          <p:cNvPr id="2" name="제목 1">
+            <a:extLst>
+              <a:ext uri="{FF2B5EF4-FFF2-40B4-BE49-F238E27FC236}">
+                <a16:creationId xmlns:a16="http://schemas.microsoft.com/office/drawing/2014/main" id="{C0DC9397-C73D-4820-A749-89F09AA74FEA}"/>
+              </a:ext>
+            </a:extLst>
+          </p:cNvPr>
+          <p:cNvSpPr>
+            <a:spLocks noGrp="1"/>
+          </p:cNvSpPr>
+          <p:nvPr>
+            <p:ph type="ctrTitle"/>
+          </p:nvPr>
+        </p:nvSpPr>
+        <p:spPr>
+          <a:xfrm>
+            <a:off x="575345" y="607380"/>
+            <a:ext cx="10873530" cy="830508"/>
+          </a:xfrm>
+        </p:spPr>
+        <p:txBody>
+          <a:bodyPr tIns="18000" bIns="18000" anchor="t">
+            <a:noAutofit/>
+          </a:bodyPr>
+          <a:lstStyle/>
+          <a:p>
+            <a:pPr algn="l">
+              <a:lnSpc>
+                <a:spcPct val="150000"/>
+              </a:lnSpc>
+            </a:pPr>
+            <a:r>
+              <a:rPr lang="en-US" altLang="ko-KR" sz="4800" b="1" dirty="0">
+                <a:latin typeface="Pretendard" panose="02000503000000020004" pitchFamily="50" charset="-127"/>
+                <a:ea typeface="Pretendard" panose="02000503000000020004" pitchFamily="50" charset="-127"/>
+                <a:cs typeface="Pretendard" panose="02000503000000020004" pitchFamily="50" charset="-127"/>
+              </a:rPr>
+              <a:t>C</a:t>
+            </a:r>
+            <a:r>
+              <a:rPr lang="en-US" altLang="ko-KR" sz="4000" dirty="0">
+                <a:latin typeface="Pretendard" panose="02000503000000020004" pitchFamily="50" charset="-127"/>
+                <a:ea typeface="Pretendard" panose="02000503000000020004" pitchFamily="50" charset="-127"/>
+                <a:cs typeface="Pretendard" panose="02000503000000020004" pitchFamily="50" charset="-127"/>
+              </a:rPr>
+              <a:t>ontents</a:t>
+            </a:r>
+            <a:endParaRPr lang="ko-KR" altLang="en-US" sz="4800" dirty="0">
+              <a:latin typeface="Pretendard" panose="02000503000000020004" pitchFamily="50" charset="-127"/>
+              <a:ea typeface="Pretendard" panose="02000503000000020004" pitchFamily="50" charset="-127"/>
+              <a:cs typeface="Pretendard" panose="02000503000000020004" pitchFamily="50" charset="-127"/>
+            </a:endParaRPr>
+          </a:p>
+        </p:txBody>
+      </p:sp>
+      <p:grpSp>
+        <p:nvGrpSpPr>
+          <p:cNvPr id="16" name="그룹 15">
+            <a:extLst>
+              <a:ext uri="{FF2B5EF4-FFF2-40B4-BE49-F238E27FC236}">
+                <a16:creationId xmlns:a16="http://schemas.microsoft.com/office/drawing/2014/main" id="{17A53596-20F2-49C6-B19D-18A6A08BA267}"/>
+              </a:ext>
+            </a:extLst>
+          </p:cNvPr>
+          <p:cNvGrpSpPr/>
+          <p:nvPr/>
+        </p:nvGrpSpPr>
+        <p:grpSpPr>
+          <a:xfrm>
+            <a:off x="659235" y="2791723"/>
+            <a:ext cx="9638893" cy="1274553"/>
+            <a:chOff x="707700" y="2226900"/>
+            <a:chExt cx="9638893" cy="1274553"/>
+          </a:xfrm>
+        </p:grpSpPr>
+        <p:sp>
+          <p:nvSpPr>
+            <p:cNvPr id="4" name="제목 1">
+              <a:extLst>
+                <a:ext uri="{FF2B5EF4-FFF2-40B4-BE49-F238E27FC236}">
+                  <a16:creationId xmlns:a16="http://schemas.microsoft.com/office/drawing/2014/main" id="{984645BD-42E0-4119-82A1-2A73D3533CA3}"/>
+                </a:ext>
+              </a:extLst>
+            </p:cNvPr>
+            <p:cNvSpPr txBox="1">
+              <a:spLocks/>
+            </p:cNvSpPr>
+            <p:nvPr/>
+          </p:nvSpPr>
+          <p:spPr>
+            <a:xfrm>
+              <a:off x="1202593" y="2226900"/>
+              <a:ext cx="9144000" cy="565427"/>
+            </a:xfrm>
+            <a:prstGeom prst="rect">
+              <a:avLst/>
+            </a:prstGeom>
+          </p:spPr>
+          <p:txBody>
+            <a:bodyPr vert="horz" lIns="91440" tIns="45720" rIns="91440" bIns="45720" rtlCol="0" anchor="t">
+              <a:normAutofit/>
+            </a:bodyPr>
+            <a:lstStyle>
+              <a:lvl1pPr algn="ctr" defTabSz="914400" rtl="0" eaLnBrk="1" latinLnBrk="1" hangingPunct="1">
+                <a:lnSpc>
+                  <a:spcPct val="90000"/>
+                </a:lnSpc>
+                <a:spcBef>
+                  <a:spcPct val="0"/>
+                </a:spcBef>
+                <a:buNone/>
+                <a:defRPr sz="6000" kern="1200">
+                  <a:solidFill>
+                    <a:schemeClr val="tx1"/>
+                  </a:solidFill>
+                  <a:latin typeface="+mj-lt"/>
+                  <a:ea typeface="+mj-ea"/>
+                  <a:cs typeface="+mj-cs"/>
+                </a:defRPr>
+              </a:lvl1pPr>
+            </a:lstStyle>
+            <a:p>
+              <a:pPr algn="l"/>
+              <a:r>
+                <a:rPr lang="ko-KR" altLang="en-US" sz="2400" dirty="0">
+                  <a:latin typeface="Pretendard" panose="02000503000000020004" pitchFamily="50" charset="-127"/>
+                  <a:ea typeface="Pretendard" panose="02000503000000020004" pitchFamily="50" charset="-127"/>
+                  <a:cs typeface="Pretendard" panose="02000503000000020004" pitchFamily="50" charset="-127"/>
+                </a:rPr>
+                <a:t>기획의도 </a:t>
+              </a:r>
+            </a:p>
+          </p:txBody>
+        </p:sp>
+        <p:sp>
+          <p:nvSpPr>
+            <p:cNvPr id="3" name="직사각형 2">
+              <a:extLst>
+                <a:ext uri="{FF2B5EF4-FFF2-40B4-BE49-F238E27FC236}">
+                  <a16:creationId xmlns:a16="http://schemas.microsoft.com/office/drawing/2014/main" id="{600D1739-FBE7-4E75-9BC4-9E82CE94086E}"/>
+                </a:ext>
+              </a:extLst>
+            </p:cNvPr>
+            <p:cNvSpPr/>
+            <p:nvPr/>
+          </p:nvSpPr>
+          <p:spPr>
+            <a:xfrm>
+              <a:off x="707700" y="2226900"/>
+              <a:ext cx="373224" cy="373224"/>
+            </a:xfrm>
+            <a:prstGeom prst="rect">
+              <a:avLst/>
+            </a:prstGeom>
+            <a:solidFill>
+              <a:srgbClr val="59BEC8"/>
+            </a:solidFill>
+            <a:ln>
+              <a:noFill/>
+            </a:ln>
+            <a:effectLst/>
+          </p:spPr>
+          <p:style>
+            <a:lnRef idx="2">
+              <a:schemeClr val="accent2">
+                <a:shade val="50000"/>
+              </a:schemeClr>
+            </a:lnRef>
+            <a:fillRef idx="1">
+              <a:schemeClr val="accent2"/>
+            </a:fillRef>
+            <a:effectRef idx="0">
+              <a:schemeClr val="accent2"/>
+            </a:effectRef>
+            <a:fontRef idx="minor">
+              <a:schemeClr val="lt1"/>
+            </a:fontRef>
+          </p:style>
+          <p:txBody>
+            <a:bodyPr rtlCol="0" anchor="ctr"/>
+            <a:lstStyle/>
+            <a:p>
+              <a:pPr algn="ctr"/>
+              <a:r>
+                <a:rPr lang="en-US" altLang="ko-KR" dirty="0">
+                  <a:ln w="0"/>
+                  <a:solidFill>
+                    <a:schemeClr val="bg1"/>
+                  </a:solidFill>
+                </a:rPr>
+                <a:t>1</a:t>
+              </a:r>
+              <a:endParaRPr lang="ko-KR" altLang="en-US" dirty="0">
+                <a:solidFill>
+                  <a:schemeClr val="bg1"/>
+                </a:solidFill>
+              </a:endParaRPr>
+            </a:p>
+          </p:txBody>
+        </p:sp>
+        <p:grpSp>
+          <p:nvGrpSpPr>
+            <p:cNvPr id="15" name="그룹 14">
+              <a:extLst>
+                <a:ext uri="{FF2B5EF4-FFF2-40B4-BE49-F238E27FC236}">
+                  <a16:creationId xmlns:a16="http://schemas.microsoft.com/office/drawing/2014/main" id="{9A3D5BA7-9B53-4BD9-BA23-E91224EC2ED7}"/>
+                </a:ext>
+              </a:extLst>
+            </p:cNvPr>
+            <p:cNvGrpSpPr/>
+            <p:nvPr/>
+          </p:nvGrpSpPr>
+          <p:grpSpPr>
+            <a:xfrm>
+              <a:off x="707700" y="2936026"/>
+              <a:ext cx="9638893" cy="565427"/>
+              <a:chOff x="707700" y="2936026"/>
+              <a:chExt cx="9638893" cy="565427"/>
+            </a:xfrm>
+          </p:grpSpPr>
+          <p:sp>
+            <p:nvSpPr>
+              <p:cNvPr id="8" name="제목 1">
+                <a:extLst>
+                  <a:ext uri="{FF2B5EF4-FFF2-40B4-BE49-F238E27FC236}">
+                    <a16:creationId xmlns:a16="http://schemas.microsoft.com/office/drawing/2014/main" id="{4930F2DB-0B7D-424D-BA00-DA0D72F8D65F}"/>
+                  </a:ext>
+                </a:extLst>
+              </p:cNvPr>
+              <p:cNvSpPr txBox="1">
+                <a:spLocks/>
+              </p:cNvSpPr>
+              <p:nvPr/>
+            </p:nvSpPr>
+            <p:spPr>
+              <a:xfrm>
+                <a:off x="1202593" y="2936026"/>
+                <a:ext cx="9144000" cy="565427"/>
+              </a:xfrm>
+              <a:prstGeom prst="rect">
+                <a:avLst/>
+              </a:prstGeom>
+            </p:spPr>
+            <p:txBody>
+              <a:bodyPr vert="horz" lIns="91440" tIns="45720" rIns="91440" bIns="45720" rtlCol="0" anchor="t">
+                <a:normAutofit/>
+              </a:bodyPr>
+              <a:lstStyle>
+                <a:lvl1pPr algn="ctr" defTabSz="914400" rtl="0" eaLnBrk="1" latinLnBrk="1" hangingPunct="1">
+                  <a:lnSpc>
+                    <a:spcPct val="90000"/>
+                  </a:lnSpc>
+                  <a:spcBef>
+                    <a:spcPct val="0"/>
+                  </a:spcBef>
+                  <a:buNone/>
+                  <a:defRPr sz="6000" kern="1200">
+                    <a:solidFill>
+                      <a:schemeClr val="tx1"/>
+                    </a:solidFill>
+                    <a:latin typeface="+mj-lt"/>
+                    <a:ea typeface="+mj-ea"/>
+                    <a:cs typeface="+mj-cs"/>
+                  </a:defRPr>
+                </a:lvl1pPr>
+              </a:lstStyle>
+              <a:p>
+                <a:pPr algn="l"/>
+                <a:r>
+                  <a:rPr lang="ko-KR" altLang="en-US" sz="2400" dirty="0">
+                    <a:latin typeface="Pretendard" panose="02000503000000020004" pitchFamily="50" charset="-127"/>
+                    <a:ea typeface="Pretendard" panose="02000503000000020004" pitchFamily="50" charset="-127"/>
+                    <a:cs typeface="Pretendard" panose="02000503000000020004" pitchFamily="50" charset="-127"/>
+                  </a:rPr>
+                  <a:t>사이트 설계 </a:t>
+                </a:r>
+                <a:r>
+                  <a:rPr lang="en-US" altLang="ko-KR" sz="2400" dirty="0">
+                    <a:latin typeface="Pretendard" panose="02000503000000020004" pitchFamily="50" charset="-127"/>
+                    <a:ea typeface="Pretendard" panose="02000503000000020004" pitchFamily="50" charset="-127"/>
+                    <a:cs typeface="Pretendard" panose="02000503000000020004" pitchFamily="50" charset="-127"/>
+                  </a:rPr>
+                  <a:t>- </a:t>
+                </a:r>
+                <a:r>
+                  <a:rPr lang="ko-KR" altLang="en-US" sz="2400" dirty="0">
+                    <a:latin typeface="Pretendard" panose="02000503000000020004" pitchFamily="50" charset="-127"/>
+                    <a:ea typeface="Pretendard" panose="02000503000000020004" pitchFamily="50" charset="-127"/>
+                    <a:cs typeface="Pretendard" panose="02000503000000020004" pitchFamily="50" charset="-127"/>
+                  </a:rPr>
+                  <a:t>와이어 프레임</a:t>
+                </a:r>
+                <a:r>
+                  <a:rPr lang="en-US" altLang="ko-KR" sz="2400" dirty="0">
+                    <a:latin typeface="Pretendard" panose="02000503000000020004" pitchFamily="50" charset="-127"/>
+                    <a:ea typeface="Pretendard" panose="02000503000000020004" pitchFamily="50" charset="-127"/>
+                    <a:cs typeface="Pretendard" panose="02000503000000020004" pitchFamily="50" charset="-127"/>
+                  </a:rPr>
+                  <a:t>(Balsamiq Tool)</a:t>
+                </a:r>
+                <a:endParaRPr lang="ko-KR" altLang="en-US" sz="2400" dirty="0">
+                  <a:latin typeface="Pretendard" panose="02000503000000020004" pitchFamily="50" charset="-127"/>
+                  <a:ea typeface="Pretendard" panose="02000503000000020004" pitchFamily="50" charset="-127"/>
+                  <a:cs typeface="Pretendard" panose="02000503000000020004" pitchFamily="50" charset="-127"/>
+                </a:endParaRPr>
+              </a:p>
+            </p:txBody>
+          </p:sp>
+          <p:sp>
+            <p:nvSpPr>
+              <p:cNvPr id="9" name="직사각형 8">
+                <a:extLst>
+                  <a:ext uri="{FF2B5EF4-FFF2-40B4-BE49-F238E27FC236}">
+                    <a16:creationId xmlns:a16="http://schemas.microsoft.com/office/drawing/2014/main" id="{F9DBF3D0-6FB8-4958-AA6A-668F38BB0B1A}"/>
+                  </a:ext>
+                </a:extLst>
+              </p:cNvPr>
+              <p:cNvSpPr/>
+              <p:nvPr/>
+            </p:nvSpPr>
+            <p:spPr>
+              <a:xfrm>
+                <a:off x="707700" y="2936026"/>
+                <a:ext cx="373224" cy="373224"/>
+              </a:xfrm>
+              <a:prstGeom prst="rect">
+                <a:avLst/>
+              </a:prstGeom>
+              <a:solidFill>
+                <a:srgbClr val="59BEC8"/>
+              </a:solidFill>
+              <a:ln>
+                <a:noFill/>
+              </a:ln>
+            </p:spPr>
+            <p:style>
+              <a:lnRef idx="2">
+                <a:schemeClr val="accent2">
+                  <a:shade val="50000"/>
+                </a:schemeClr>
+              </a:lnRef>
+              <a:fillRef idx="1">
+                <a:schemeClr val="accent2"/>
+              </a:fillRef>
+              <a:effectRef idx="0">
+                <a:schemeClr val="accent2"/>
+              </a:effectRef>
+              <a:fontRef idx="minor">
+                <a:schemeClr val="lt1"/>
+              </a:fontRef>
+            </p:style>
+            <p:txBody>
+              <a:bodyPr rtlCol="0" anchor="ctr"/>
+              <a:lstStyle/>
+              <a:p>
+                <a:pPr algn="ctr"/>
+                <a:r>
+                  <a:rPr lang="en-US" altLang="ko-KR" dirty="0">
+                    <a:ln w="0"/>
+                    <a:solidFill>
+                      <a:schemeClr val="bg1"/>
+                    </a:solidFill>
+                  </a:rPr>
+                  <a:t>2</a:t>
+                </a:r>
+                <a:endParaRPr lang="ko-KR" altLang="en-US" dirty="0">
+                  <a:solidFill>
+                    <a:schemeClr val="bg1"/>
+                  </a:solidFill>
+                </a:endParaRPr>
+              </a:p>
+            </p:txBody>
+          </p:sp>
+        </p:grpSp>
+      </p:grpSp>
+      <p:grpSp>
+        <p:nvGrpSpPr>
+          <p:cNvPr id="14" name="그룹 13">
+            <a:extLst>
+              <a:ext uri="{FF2B5EF4-FFF2-40B4-BE49-F238E27FC236}">
+                <a16:creationId xmlns:a16="http://schemas.microsoft.com/office/drawing/2014/main" id="{DF73BAB0-1C20-4875-9ECA-93DE56C49F6D}"/>
+              </a:ext>
+            </a:extLst>
+          </p:cNvPr>
+          <p:cNvGrpSpPr/>
+          <p:nvPr/>
+        </p:nvGrpSpPr>
+        <p:grpSpPr>
+          <a:xfrm>
+            <a:off x="659235" y="4209975"/>
+            <a:ext cx="9638893" cy="565427"/>
+            <a:chOff x="707700" y="3645152"/>
+            <a:chExt cx="9638893" cy="565427"/>
+          </a:xfrm>
+        </p:grpSpPr>
+        <p:sp>
+          <p:nvSpPr>
+            <p:cNvPr id="10" name="제목 1">
+              <a:extLst>
+                <a:ext uri="{FF2B5EF4-FFF2-40B4-BE49-F238E27FC236}">
+                  <a16:creationId xmlns:a16="http://schemas.microsoft.com/office/drawing/2014/main" id="{4847533B-8333-4BBD-AB79-DFD1335BD33D}"/>
+                </a:ext>
+              </a:extLst>
+            </p:cNvPr>
+            <p:cNvSpPr txBox="1">
+              <a:spLocks/>
+            </p:cNvSpPr>
+            <p:nvPr/>
+          </p:nvSpPr>
+          <p:spPr>
+            <a:xfrm>
+              <a:off x="1202593" y="3645152"/>
+              <a:ext cx="9144000" cy="565427"/>
+            </a:xfrm>
+            <a:prstGeom prst="rect">
+              <a:avLst/>
+            </a:prstGeom>
+          </p:spPr>
+          <p:txBody>
+            <a:bodyPr vert="horz" lIns="91440" tIns="45720" rIns="91440" bIns="45720" rtlCol="0" anchor="t">
+              <a:normAutofit/>
+            </a:bodyPr>
+            <a:lstStyle>
+              <a:lvl1pPr algn="ctr" defTabSz="914400" rtl="0" eaLnBrk="1" latinLnBrk="1" hangingPunct="1">
+                <a:lnSpc>
+                  <a:spcPct val="90000"/>
+                </a:lnSpc>
+                <a:spcBef>
+                  <a:spcPct val="0"/>
+                </a:spcBef>
+                <a:buNone/>
+                <a:defRPr sz="6000" kern="1200">
+                  <a:solidFill>
+                    <a:schemeClr val="tx1"/>
+                  </a:solidFill>
+                  <a:latin typeface="+mj-lt"/>
+                  <a:ea typeface="+mj-ea"/>
+                  <a:cs typeface="+mj-cs"/>
+                </a:defRPr>
+              </a:lvl1pPr>
+            </a:lstStyle>
+            <a:p>
+              <a:pPr algn="l"/>
+              <a:r>
+                <a:rPr lang="ko-KR" altLang="en-US" sz="2400" dirty="0">
+                  <a:latin typeface="Pretendard" panose="02000503000000020004" pitchFamily="50" charset="-127"/>
+                  <a:ea typeface="Pretendard" panose="02000503000000020004" pitchFamily="50" charset="-127"/>
+                  <a:cs typeface="Pretendard" panose="02000503000000020004" pitchFamily="50" charset="-127"/>
+                </a:rPr>
+                <a:t>사이트 구현</a:t>
+              </a:r>
+            </a:p>
+          </p:txBody>
+        </p:sp>
+        <p:sp>
+          <p:nvSpPr>
+            <p:cNvPr id="11" name="직사각형 10">
+              <a:extLst>
+                <a:ext uri="{FF2B5EF4-FFF2-40B4-BE49-F238E27FC236}">
+                  <a16:creationId xmlns:a16="http://schemas.microsoft.com/office/drawing/2014/main" id="{7DC6CD2D-50E9-4B9C-BCF9-D72507BABD82}"/>
+                </a:ext>
+              </a:extLst>
+            </p:cNvPr>
+            <p:cNvSpPr/>
+            <p:nvPr/>
+          </p:nvSpPr>
+          <p:spPr>
+            <a:xfrm>
+              <a:off x="707700" y="3645152"/>
+              <a:ext cx="373224" cy="373224"/>
+            </a:xfrm>
+            <a:prstGeom prst="rect">
+              <a:avLst/>
+            </a:prstGeom>
+            <a:solidFill>
+              <a:srgbClr val="59BEC8"/>
+            </a:solidFill>
+            <a:ln>
+              <a:noFill/>
+            </a:ln>
+          </p:spPr>
+          <p:style>
+            <a:lnRef idx="2">
+              <a:schemeClr val="accent2">
+                <a:shade val="50000"/>
+              </a:schemeClr>
+            </a:lnRef>
+            <a:fillRef idx="1">
+              <a:schemeClr val="accent2"/>
+            </a:fillRef>
+            <a:effectRef idx="0">
+              <a:schemeClr val="accent2"/>
+            </a:effectRef>
+            <a:fontRef idx="minor">
+              <a:schemeClr val="lt1"/>
+            </a:fontRef>
+          </p:style>
+          <p:txBody>
+            <a:bodyPr rtlCol="0" anchor="ctr"/>
+            <a:lstStyle/>
+            <a:p>
+              <a:pPr algn="ctr"/>
+              <a:r>
+                <a:rPr lang="en-US" altLang="ko-KR" dirty="0">
+                  <a:ln w="0"/>
+                  <a:solidFill>
+                    <a:schemeClr val="bg1"/>
+                  </a:solidFill>
+                </a:rPr>
+                <a:t>3</a:t>
+              </a:r>
+              <a:endParaRPr lang="ko-KR" altLang="en-US" dirty="0">
+                <a:solidFill>
+                  <a:schemeClr val="bg1"/>
+                </a:solidFill>
+              </a:endParaRPr>
+            </a:p>
+          </p:txBody>
+        </p:sp>
+      </p:grpSp>
+      <p:grpSp>
+        <p:nvGrpSpPr>
+          <p:cNvPr id="6" name="그룹 5">
+            <a:extLst>
+              <a:ext uri="{FF2B5EF4-FFF2-40B4-BE49-F238E27FC236}">
+                <a16:creationId xmlns:a16="http://schemas.microsoft.com/office/drawing/2014/main" id="{F9AD3DAB-5FE2-44FA-B6DC-90CF5BCE0A6A}"/>
+              </a:ext>
+            </a:extLst>
+          </p:cNvPr>
+          <p:cNvGrpSpPr/>
+          <p:nvPr/>
+        </p:nvGrpSpPr>
+        <p:grpSpPr>
+          <a:xfrm>
+            <a:off x="659235" y="4956424"/>
+            <a:ext cx="9638893" cy="565427"/>
+            <a:chOff x="707700" y="4391601"/>
+            <a:chExt cx="9638893" cy="565427"/>
+          </a:xfrm>
+        </p:grpSpPr>
+        <p:sp>
+          <p:nvSpPr>
+            <p:cNvPr id="12" name="제목 1">
+              <a:extLst>
+                <a:ext uri="{FF2B5EF4-FFF2-40B4-BE49-F238E27FC236}">
+                  <a16:creationId xmlns:a16="http://schemas.microsoft.com/office/drawing/2014/main" id="{4055DA97-5AA8-4166-A3E8-AC4ED73ADF43}"/>
+                </a:ext>
+              </a:extLst>
+            </p:cNvPr>
+            <p:cNvSpPr txBox="1">
+              <a:spLocks/>
+            </p:cNvSpPr>
+            <p:nvPr/>
+          </p:nvSpPr>
+          <p:spPr>
+            <a:xfrm>
+              <a:off x="1202593" y="4391601"/>
+              <a:ext cx="9144000" cy="565427"/>
+            </a:xfrm>
+            <a:prstGeom prst="rect">
+              <a:avLst/>
+            </a:prstGeom>
+          </p:spPr>
+          <p:txBody>
+            <a:bodyPr vert="horz" lIns="91440" tIns="45720" rIns="91440" bIns="45720" rtlCol="0" anchor="t">
+              <a:normAutofit/>
+            </a:bodyPr>
+            <a:lstStyle>
+              <a:lvl1pPr algn="ctr" defTabSz="914400" rtl="0" eaLnBrk="1" latinLnBrk="1" hangingPunct="1">
+                <a:lnSpc>
+                  <a:spcPct val="90000"/>
+                </a:lnSpc>
+                <a:spcBef>
+                  <a:spcPct val="0"/>
+                </a:spcBef>
+                <a:buNone/>
+                <a:defRPr sz="6000" kern="1200">
+                  <a:solidFill>
+                    <a:schemeClr val="tx1"/>
+                  </a:solidFill>
+                  <a:latin typeface="+mj-lt"/>
+                  <a:ea typeface="+mj-ea"/>
+                  <a:cs typeface="+mj-cs"/>
+                </a:defRPr>
+              </a:lvl1pPr>
+            </a:lstStyle>
+            <a:p>
+              <a:pPr algn="l"/>
+              <a:r>
+                <a:rPr lang="ko-KR" altLang="en-US" sz="2400" dirty="0">
+                  <a:latin typeface="Pretendard" panose="02000503000000020004" pitchFamily="50" charset="-127"/>
+                  <a:ea typeface="Pretendard" panose="02000503000000020004" pitchFamily="50" charset="-127"/>
+                  <a:cs typeface="Pretendard" panose="02000503000000020004" pitchFamily="50" charset="-127"/>
+                </a:rPr>
+                <a:t>향후 계획</a:t>
+              </a:r>
+            </a:p>
+          </p:txBody>
+        </p:sp>
+        <p:sp>
+          <p:nvSpPr>
+            <p:cNvPr id="13" name="직사각형 12">
+              <a:extLst>
+                <a:ext uri="{FF2B5EF4-FFF2-40B4-BE49-F238E27FC236}">
+                  <a16:creationId xmlns:a16="http://schemas.microsoft.com/office/drawing/2014/main" id="{6AC24BB3-72F9-460D-9B50-FBE9B2A07F3A}"/>
+                </a:ext>
+              </a:extLst>
+            </p:cNvPr>
+            <p:cNvSpPr/>
+            <p:nvPr/>
+          </p:nvSpPr>
+          <p:spPr>
+            <a:xfrm>
+              <a:off x="707700" y="4391601"/>
+              <a:ext cx="373224" cy="373224"/>
+            </a:xfrm>
+            <a:prstGeom prst="rect">
+              <a:avLst/>
+            </a:prstGeom>
+            <a:solidFill>
+              <a:srgbClr val="59BEC8"/>
+            </a:solidFill>
+            <a:ln>
+              <a:noFill/>
+            </a:ln>
+          </p:spPr>
+          <p:style>
+            <a:lnRef idx="2">
+              <a:schemeClr val="accent2">
+                <a:shade val="50000"/>
+              </a:schemeClr>
+            </a:lnRef>
+            <a:fillRef idx="1">
+              <a:schemeClr val="accent2"/>
+            </a:fillRef>
+            <a:effectRef idx="0">
+              <a:schemeClr val="accent2"/>
+            </a:effectRef>
+            <a:fontRef idx="minor">
+              <a:schemeClr val="lt1"/>
+            </a:fontRef>
+          </p:style>
+          <p:txBody>
+            <a:bodyPr rtlCol="0" anchor="ctr"/>
+            <a:lstStyle/>
+            <a:p>
+              <a:pPr algn="ctr"/>
+              <a:r>
+                <a:rPr lang="en-US" altLang="ko-KR" dirty="0">
+                  <a:ln w="0"/>
+                  <a:solidFill>
+                    <a:schemeClr val="bg1"/>
+                  </a:solidFill>
+                </a:rPr>
+                <a:t>4</a:t>
+              </a:r>
+              <a:endParaRPr lang="ko-KR" altLang="en-US" dirty="0">
+                <a:solidFill>
+                  <a:schemeClr val="bg1"/>
+                </a:solidFill>
+              </a:endParaRPr>
+            </a:p>
+          </p:txBody>
+        </p:sp>
+      </p:grpSp>
+      <p:cxnSp>
+        <p:nvCxnSpPr>
+          <p:cNvPr id="21" name="직선 연결선 20">
+            <a:extLst>
+              <a:ext uri="{FF2B5EF4-FFF2-40B4-BE49-F238E27FC236}">
+                <a16:creationId xmlns:a16="http://schemas.microsoft.com/office/drawing/2014/main" id="{57C8117D-BAD4-4B66-BBDF-F967966B22C4}"/>
+              </a:ext>
+            </a:extLst>
+          </p:cNvPr>
+          <p:cNvCxnSpPr>
+            <a:cxnSpLocks/>
+          </p:cNvCxnSpPr>
+          <p:nvPr/>
+        </p:nvCxnSpPr>
+        <p:spPr>
+          <a:xfrm>
+            <a:off x="293615" y="2163188"/>
+            <a:ext cx="11898385" cy="0"/>
+          </a:xfrm>
+          <a:prstGeom prst="line">
+            <a:avLst/>
+          </a:prstGeom>
+          <a:ln w="28575">
+            <a:solidFill>
+              <a:srgbClr val="59BEC8"/>
+            </a:solidFill>
+          </a:ln>
+        </p:spPr>
+        <p:style>
+          <a:lnRef idx="1">
+            <a:schemeClr val="accent2"/>
+          </a:lnRef>
+          <a:fillRef idx="0">
+            <a:schemeClr val="accent2"/>
+          </a:fillRef>
+          <a:effectRef idx="0">
+            <a:schemeClr val="accent2"/>
+          </a:effectRef>
+          <a:fontRef idx="minor">
+            <a:schemeClr val="tx1"/>
+          </a:fontRef>
+        </p:style>
+      </p:cxnSp>
+    </p:spTree>
+    <p:extLst>
+      <p:ext uri="{BB962C8B-B14F-4D97-AF65-F5344CB8AC3E}">
+        <p14:creationId xmlns:p14="http://schemas.microsoft.com/office/powerpoint/2010/main" val="3179667378"/>
+      </p:ext>
+    </p:extLst>
+  </p:cSld>
+  <p:clrMapOvr>
+    <a:masterClrMapping/>
+  </p:clrMapOvr>
+</p:sld>
+</file>
+
+<file path=ppt/slides/slide8.xml><?xml version="1.0" encoding="utf-8"?>
+<p:sld xmlns:a="http://schemas.openxmlformats.org/drawingml/2006/main" xmlns:r="http://schemas.openxmlformats.org/officeDocument/2006/relationships" xmlns:p="http://schemas.openxmlformats.org/presentationml/2006/main">
+  <p:cSld>
+    <p:spTree>
+      <p:nvGrpSpPr>
+        <p:cNvPr id="1" name=""/>
+        <p:cNvGrpSpPr/>
+        <p:nvPr/>
+      </p:nvGrpSpPr>
+      <p:grpSpPr>
+        <a:xfrm>
+          <a:off x="0" y="0"/>
+          <a:ext cx="0" cy="0"/>
+          <a:chOff x="0" y="0"/>
+          <a:chExt cx="0" cy="0"/>
+        </a:xfrm>
+      </p:grpSpPr>
+      <p:sp>
+        <p:nvSpPr>
+          <p:cNvPr id="2" name="제목 1">
+            <a:extLst>
+              <a:ext uri="{FF2B5EF4-FFF2-40B4-BE49-F238E27FC236}">
+                <a16:creationId xmlns:a16="http://schemas.microsoft.com/office/drawing/2014/main" id="{C0DC9397-C73D-4820-A749-89F09AA74FEA}"/>
+              </a:ext>
+            </a:extLst>
+          </p:cNvPr>
+          <p:cNvSpPr>
+            <a:spLocks noGrp="1"/>
+          </p:cNvSpPr>
+          <p:nvPr>
+            <p:ph type="ctrTitle"/>
+          </p:nvPr>
+        </p:nvSpPr>
+        <p:spPr>
+          <a:xfrm>
+            <a:off x="575345" y="607380"/>
+            <a:ext cx="10873530" cy="830508"/>
+          </a:xfrm>
+        </p:spPr>
+        <p:txBody>
+          <a:bodyPr tIns="18000" bIns="18000" anchor="t">
+            <a:noAutofit/>
+          </a:bodyPr>
+          <a:lstStyle/>
+          <a:p>
+            <a:pPr algn="l">
+              <a:lnSpc>
+                <a:spcPct val="150000"/>
+              </a:lnSpc>
+            </a:pPr>
+            <a:r>
+              <a:rPr lang="en-US" altLang="ko-KR" sz="4800" b="1" dirty="0">
+                <a:latin typeface="Pretendard" panose="02000503000000020004" pitchFamily="50" charset="-127"/>
+                <a:ea typeface="Pretendard" panose="02000503000000020004" pitchFamily="50" charset="-127"/>
+                <a:cs typeface="Pretendard" panose="02000503000000020004" pitchFamily="50" charset="-127"/>
+              </a:rPr>
+              <a:t>C</a:t>
+            </a:r>
+            <a:r>
+              <a:rPr lang="en-US" altLang="ko-KR" sz="4000" dirty="0">
+                <a:latin typeface="Pretendard" panose="02000503000000020004" pitchFamily="50" charset="-127"/>
+                <a:ea typeface="Pretendard" panose="02000503000000020004" pitchFamily="50" charset="-127"/>
+                <a:cs typeface="Pretendard" panose="02000503000000020004" pitchFamily="50" charset="-127"/>
+              </a:rPr>
+              <a:t>ontents</a:t>
+            </a:r>
+            <a:endParaRPr lang="ko-KR" altLang="en-US" sz="4800" dirty="0">
+              <a:latin typeface="Pretendard" panose="02000503000000020004" pitchFamily="50" charset="-127"/>
+              <a:ea typeface="Pretendard" panose="02000503000000020004" pitchFamily="50" charset="-127"/>
+              <a:cs typeface="Pretendard" panose="02000503000000020004" pitchFamily="50" charset="-127"/>
+            </a:endParaRPr>
+          </a:p>
+        </p:txBody>
+      </p:sp>
+      <p:grpSp>
+        <p:nvGrpSpPr>
+          <p:cNvPr id="16" name="그룹 15">
+            <a:extLst>
+              <a:ext uri="{FF2B5EF4-FFF2-40B4-BE49-F238E27FC236}">
+                <a16:creationId xmlns:a16="http://schemas.microsoft.com/office/drawing/2014/main" id="{17A53596-20F2-49C6-B19D-18A6A08BA267}"/>
+              </a:ext>
+            </a:extLst>
+          </p:cNvPr>
+          <p:cNvGrpSpPr/>
+          <p:nvPr/>
+        </p:nvGrpSpPr>
+        <p:grpSpPr>
+          <a:xfrm>
+            <a:off x="659235" y="471035"/>
+            <a:ext cx="9638893" cy="1274553"/>
+            <a:chOff x="707700" y="2226900"/>
+            <a:chExt cx="9638893" cy="1274553"/>
+          </a:xfrm>
+        </p:grpSpPr>
+        <p:sp>
+          <p:nvSpPr>
+            <p:cNvPr id="4" name="제목 1">
+              <a:extLst>
+                <a:ext uri="{FF2B5EF4-FFF2-40B4-BE49-F238E27FC236}">
+                  <a16:creationId xmlns:a16="http://schemas.microsoft.com/office/drawing/2014/main" id="{984645BD-42E0-4119-82A1-2A73D3533CA3}"/>
+                </a:ext>
+              </a:extLst>
+            </p:cNvPr>
+            <p:cNvSpPr txBox="1">
+              <a:spLocks/>
+            </p:cNvSpPr>
+            <p:nvPr/>
+          </p:nvSpPr>
+          <p:spPr>
+            <a:xfrm>
+              <a:off x="1202593" y="2226900"/>
+              <a:ext cx="9144000" cy="565427"/>
+            </a:xfrm>
+            <a:prstGeom prst="rect">
+              <a:avLst/>
+            </a:prstGeom>
+          </p:spPr>
+          <p:txBody>
+            <a:bodyPr vert="horz" lIns="91440" tIns="45720" rIns="91440" bIns="45720" rtlCol="0" anchor="t">
+              <a:normAutofit/>
+            </a:bodyPr>
+            <a:lstStyle>
+              <a:lvl1pPr algn="ctr" defTabSz="914400" rtl="0" eaLnBrk="1" latinLnBrk="1" hangingPunct="1">
+                <a:lnSpc>
+                  <a:spcPct val="90000"/>
+                </a:lnSpc>
+                <a:spcBef>
+                  <a:spcPct val="0"/>
+                </a:spcBef>
+                <a:buNone/>
+                <a:defRPr sz="6000" kern="1200">
+                  <a:solidFill>
+                    <a:schemeClr val="tx1"/>
+                  </a:solidFill>
+                  <a:latin typeface="+mj-lt"/>
+                  <a:ea typeface="+mj-ea"/>
+                  <a:cs typeface="+mj-cs"/>
+                </a:defRPr>
+              </a:lvl1pPr>
+            </a:lstStyle>
+            <a:p>
+              <a:pPr algn="l"/>
+              <a:r>
+                <a:rPr lang="ko-KR" altLang="en-US" sz="2400" dirty="0">
+                  <a:latin typeface="Pretendard" panose="02000503000000020004" pitchFamily="50" charset="-127"/>
+                  <a:ea typeface="Pretendard" panose="02000503000000020004" pitchFamily="50" charset="-127"/>
+                  <a:cs typeface="Pretendard" panose="02000503000000020004" pitchFamily="50" charset="-127"/>
+                </a:rPr>
+                <a:t>기획의도 </a:t>
+              </a:r>
+            </a:p>
+          </p:txBody>
+        </p:sp>
+        <p:sp>
+          <p:nvSpPr>
+            <p:cNvPr id="3" name="직사각형 2">
+              <a:extLst>
+                <a:ext uri="{FF2B5EF4-FFF2-40B4-BE49-F238E27FC236}">
+                  <a16:creationId xmlns:a16="http://schemas.microsoft.com/office/drawing/2014/main" id="{600D1739-FBE7-4E75-9BC4-9E82CE94086E}"/>
+                </a:ext>
+              </a:extLst>
+            </p:cNvPr>
+            <p:cNvSpPr/>
+            <p:nvPr/>
+          </p:nvSpPr>
+          <p:spPr>
+            <a:xfrm>
+              <a:off x="707700" y="2226900"/>
+              <a:ext cx="373224" cy="373224"/>
+            </a:xfrm>
+            <a:prstGeom prst="rect">
+              <a:avLst/>
+            </a:prstGeom>
+            <a:solidFill>
+              <a:srgbClr val="59BEC8"/>
+            </a:solidFill>
+            <a:ln>
+              <a:noFill/>
+            </a:ln>
+            <a:effectLst/>
+          </p:spPr>
+          <p:style>
+            <a:lnRef idx="2">
+              <a:schemeClr val="accent2">
+                <a:shade val="50000"/>
+              </a:schemeClr>
+            </a:lnRef>
+            <a:fillRef idx="1">
+              <a:schemeClr val="accent2"/>
+            </a:fillRef>
+            <a:effectRef idx="0">
+              <a:schemeClr val="accent2"/>
+            </a:effectRef>
+            <a:fontRef idx="minor">
+              <a:schemeClr val="lt1"/>
+            </a:fontRef>
+          </p:style>
+          <p:txBody>
+            <a:bodyPr rtlCol="0" anchor="ctr"/>
+            <a:lstStyle/>
+            <a:p>
+              <a:pPr algn="ctr"/>
+              <a:r>
+                <a:rPr lang="en-US" altLang="ko-KR" dirty="0">
+                  <a:ln w="0"/>
+                  <a:solidFill>
+                    <a:schemeClr val="bg1"/>
+                  </a:solidFill>
+                </a:rPr>
+                <a:t>1</a:t>
+              </a:r>
+              <a:endParaRPr lang="ko-KR" altLang="en-US" dirty="0">
+                <a:solidFill>
+                  <a:schemeClr val="bg1"/>
+                </a:solidFill>
+              </a:endParaRPr>
+            </a:p>
+          </p:txBody>
+        </p:sp>
+        <p:grpSp>
+          <p:nvGrpSpPr>
+            <p:cNvPr id="15" name="그룹 14">
+              <a:extLst>
+                <a:ext uri="{FF2B5EF4-FFF2-40B4-BE49-F238E27FC236}">
+                  <a16:creationId xmlns:a16="http://schemas.microsoft.com/office/drawing/2014/main" id="{9A3D5BA7-9B53-4BD9-BA23-E91224EC2ED7}"/>
+                </a:ext>
+              </a:extLst>
+            </p:cNvPr>
+            <p:cNvGrpSpPr/>
+            <p:nvPr/>
+          </p:nvGrpSpPr>
+          <p:grpSpPr>
+            <a:xfrm>
+              <a:off x="707700" y="2936026"/>
+              <a:ext cx="9638893" cy="565427"/>
+              <a:chOff x="707700" y="2936026"/>
+              <a:chExt cx="9638893" cy="565427"/>
+            </a:xfrm>
+          </p:grpSpPr>
+          <p:sp>
+            <p:nvSpPr>
+              <p:cNvPr id="8" name="제목 1">
+                <a:extLst>
+                  <a:ext uri="{FF2B5EF4-FFF2-40B4-BE49-F238E27FC236}">
+                    <a16:creationId xmlns:a16="http://schemas.microsoft.com/office/drawing/2014/main" id="{4930F2DB-0B7D-424D-BA00-DA0D72F8D65F}"/>
+                  </a:ext>
+                </a:extLst>
+              </p:cNvPr>
+              <p:cNvSpPr txBox="1">
+                <a:spLocks/>
+              </p:cNvSpPr>
+              <p:nvPr/>
+            </p:nvSpPr>
+            <p:spPr>
+              <a:xfrm>
+                <a:off x="1202593" y="2936026"/>
+                <a:ext cx="9144000" cy="565427"/>
+              </a:xfrm>
+              <a:prstGeom prst="rect">
+                <a:avLst/>
+              </a:prstGeom>
+            </p:spPr>
+            <p:txBody>
+              <a:bodyPr vert="horz" lIns="91440" tIns="45720" rIns="91440" bIns="45720" rtlCol="0" anchor="t">
+                <a:normAutofit/>
+              </a:bodyPr>
+              <a:lstStyle>
+                <a:lvl1pPr algn="ctr" defTabSz="914400" rtl="0" eaLnBrk="1" latinLnBrk="1" hangingPunct="1">
+                  <a:lnSpc>
+                    <a:spcPct val="90000"/>
+                  </a:lnSpc>
+                  <a:spcBef>
+                    <a:spcPct val="0"/>
+                  </a:spcBef>
+                  <a:buNone/>
+                  <a:defRPr sz="6000" kern="1200">
+                    <a:solidFill>
+                      <a:schemeClr val="tx1"/>
+                    </a:solidFill>
+                    <a:latin typeface="+mj-lt"/>
+                    <a:ea typeface="+mj-ea"/>
+                    <a:cs typeface="+mj-cs"/>
+                  </a:defRPr>
+                </a:lvl1pPr>
+              </a:lstStyle>
+              <a:p>
+                <a:pPr algn="l"/>
+                <a:r>
+                  <a:rPr lang="ko-KR" altLang="en-US" sz="2400" dirty="0">
+                    <a:latin typeface="Pretendard" panose="02000503000000020004" pitchFamily="50" charset="-127"/>
+                    <a:ea typeface="Pretendard" panose="02000503000000020004" pitchFamily="50" charset="-127"/>
+                    <a:cs typeface="Pretendard" panose="02000503000000020004" pitchFamily="50" charset="-127"/>
+                  </a:rPr>
+                  <a:t>사이트 설계 </a:t>
+                </a:r>
+                <a:r>
+                  <a:rPr lang="en-US" altLang="ko-KR" sz="2400" dirty="0">
+                    <a:latin typeface="Pretendard" panose="02000503000000020004" pitchFamily="50" charset="-127"/>
+                    <a:ea typeface="Pretendard" panose="02000503000000020004" pitchFamily="50" charset="-127"/>
+                    <a:cs typeface="Pretendard" panose="02000503000000020004" pitchFamily="50" charset="-127"/>
+                  </a:rPr>
+                  <a:t>- </a:t>
+                </a:r>
+                <a:r>
+                  <a:rPr lang="ko-KR" altLang="en-US" sz="2400" dirty="0">
+                    <a:latin typeface="Pretendard" panose="02000503000000020004" pitchFamily="50" charset="-127"/>
+                    <a:ea typeface="Pretendard" panose="02000503000000020004" pitchFamily="50" charset="-127"/>
+                    <a:cs typeface="Pretendard" panose="02000503000000020004" pitchFamily="50" charset="-127"/>
+                  </a:rPr>
+                  <a:t>와이어 프레임</a:t>
+                </a:r>
+                <a:r>
+                  <a:rPr lang="en-US" altLang="ko-KR" sz="2400" dirty="0">
+                    <a:latin typeface="Pretendard" panose="02000503000000020004" pitchFamily="50" charset="-127"/>
+                    <a:ea typeface="Pretendard" panose="02000503000000020004" pitchFamily="50" charset="-127"/>
+                    <a:cs typeface="Pretendard" panose="02000503000000020004" pitchFamily="50" charset="-127"/>
+                  </a:rPr>
+                  <a:t>(Balsamiq Tool)</a:t>
+                </a:r>
+                <a:endParaRPr lang="ko-KR" altLang="en-US" sz="2400" dirty="0">
+                  <a:latin typeface="Pretendard" panose="02000503000000020004" pitchFamily="50" charset="-127"/>
+                  <a:ea typeface="Pretendard" panose="02000503000000020004" pitchFamily="50" charset="-127"/>
+                  <a:cs typeface="Pretendard" panose="02000503000000020004" pitchFamily="50" charset="-127"/>
+                </a:endParaRPr>
+              </a:p>
+            </p:txBody>
+          </p:sp>
+          <p:sp>
+            <p:nvSpPr>
+              <p:cNvPr id="9" name="직사각형 8">
+                <a:extLst>
+                  <a:ext uri="{FF2B5EF4-FFF2-40B4-BE49-F238E27FC236}">
+                    <a16:creationId xmlns:a16="http://schemas.microsoft.com/office/drawing/2014/main" id="{F9DBF3D0-6FB8-4958-AA6A-668F38BB0B1A}"/>
+                  </a:ext>
+                </a:extLst>
+              </p:cNvPr>
+              <p:cNvSpPr/>
+              <p:nvPr/>
+            </p:nvSpPr>
+            <p:spPr>
+              <a:xfrm>
+                <a:off x="707700" y="2936026"/>
+                <a:ext cx="373224" cy="373224"/>
+              </a:xfrm>
+              <a:prstGeom prst="rect">
+                <a:avLst/>
+              </a:prstGeom>
+              <a:solidFill>
+                <a:srgbClr val="59BEC8"/>
+              </a:solidFill>
+              <a:ln>
+                <a:noFill/>
+              </a:ln>
+            </p:spPr>
+            <p:style>
+              <a:lnRef idx="2">
+                <a:schemeClr val="accent2">
+                  <a:shade val="50000"/>
+                </a:schemeClr>
+              </a:lnRef>
+              <a:fillRef idx="1">
+                <a:schemeClr val="accent2"/>
+              </a:fillRef>
+              <a:effectRef idx="0">
+                <a:schemeClr val="accent2"/>
+              </a:effectRef>
+              <a:fontRef idx="minor">
+                <a:schemeClr val="lt1"/>
+              </a:fontRef>
+            </p:style>
+            <p:txBody>
+              <a:bodyPr rtlCol="0" anchor="ctr"/>
+              <a:lstStyle/>
+              <a:p>
+                <a:pPr algn="ctr"/>
+                <a:r>
+                  <a:rPr lang="en-US" altLang="ko-KR" dirty="0">
+                    <a:ln w="0"/>
+                    <a:solidFill>
+                      <a:schemeClr val="bg1"/>
+                    </a:solidFill>
+                  </a:rPr>
+                  <a:t>2</a:t>
+                </a:r>
+                <a:endParaRPr lang="ko-KR" altLang="en-US" dirty="0">
+                  <a:solidFill>
+                    <a:schemeClr val="bg1"/>
+                  </a:solidFill>
+                </a:endParaRPr>
+              </a:p>
+            </p:txBody>
+          </p:sp>
+        </p:grpSp>
+      </p:grpSp>
+      <p:grpSp>
+        <p:nvGrpSpPr>
+          <p:cNvPr id="14" name="그룹 13">
+            <a:extLst>
+              <a:ext uri="{FF2B5EF4-FFF2-40B4-BE49-F238E27FC236}">
+                <a16:creationId xmlns:a16="http://schemas.microsoft.com/office/drawing/2014/main" id="{DF73BAB0-1C20-4875-9ECA-93DE56C49F6D}"/>
+              </a:ext>
+            </a:extLst>
+          </p:cNvPr>
+          <p:cNvGrpSpPr/>
+          <p:nvPr/>
+        </p:nvGrpSpPr>
+        <p:grpSpPr>
+          <a:xfrm>
+            <a:off x="659235" y="4209975"/>
+            <a:ext cx="9638893" cy="565427"/>
+            <a:chOff x="707700" y="3645152"/>
+            <a:chExt cx="9638893" cy="565427"/>
+          </a:xfrm>
+        </p:grpSpPr>
+        <p:sp>
+          <p:nvSpPr>
+            <p:cNvPr id="10" name="제목 1">
+              <a:extLst>
+                <a:ext uri="{FF2B5EF4-FFF2-40B4-BE49-F238E27FC236}">
+                  <a16:creationId xmlns:a16="http://schemas.microsoft.com/office/drawing/2014/main" id="{4847533B-8333-4BBD-AB79-DFD1335BD33D}"/>
+                </a:ext>
+              </a:extLst>
+            </p:cNvPr>
+            <p:cNvSpPr txBox="1">
+              <a:spLocks/>
+            </p:cNvSpPr>
+            <p:nvPr/>
+          </p:nvSpPr>
+          <p:spPr>
+            <a:xfrm>
+              <a:off x="1202593" y="3645152"/>
+              <a:ext cx="9144000" cy="565427"/>
+            </a:xfrm>
+            <a:prstGeom prst="rect">
+              <a:avLst/>
+            </a:prstGeom>
+          </p:spPr>
+          <p:txBody>
+            <a:bodyPr vert="horz" lIns="91440" tIns="45720" rIns="91440" bIns="45720" rtlCol="0" anchor="t">
+              <a:normAutofit/>
+            </a:bodyPr>
+            <a:lstStyle>
+              <a:lvl1pPr algn="ctr" defTabSz="914400" rtl="0" eaLnBrk="1" latinLnBrk="1" hangingPunct="1">
+                <a:lnSpc>
+                  <a:spcPct val="90000"/>
+                </a:lnSpc>
+                <a:spcBef>
+                  <a:spcPct val="0"/>
+                </a:spcBef>
+                <a:buNone/>
+                <a:defRPr sz="6000" kern="1200">
+                  <a:solidFill>
+                    <a:schemeClr val="tx1"/>
+                  </a:solidFill>
+                  <a:latin typeface="+mj-lt"/>
+                  <a:ea typeface="+mj-ea"/>
+                  <a:cs typeface="+mj-cs"/>
+                </a:defRPr>
+              </a:lvl1pPr>
+            </a:lstStyle>
+            <a:p>
+              <a:pPr algn="l"/>
+              <a:r>
+                <a:rPr lang="ko-KR" altLang="en-US" sz="2400" dirty="0">
+                  <a:latin typeface="Pretendard" panose="02000503000000020004" pitchFamily="50" charset="-127"/>
+                  <a:ea typeface="Pretendard" panose="02000503000000020004" pitchFamily="50" charset="-127"/>
+                  <a:cs typeface="Pretendard" panose="02000503000000020004" pitchFamily="50" charset="-127"/>
+                </a:rPr>
+                <a:t>사이트 구현</a:t>
+              </a:r>
+            </a:p>
+          </p:txBody>
+        </p:sp>
+        <p:sp>
+          <p:nvSpPr>
+            <p:cNvPr id="11" name="직사각형 10">
+              <a:extLst>
+                <a:ext uri="{FF2B5EF4-FFF2-40B4-BE49-F238E27FC236}">
+                  <a16:creationId xmlns:a16="http://schemas.microsoft.com/office/drawing/2014/main" id="{7DC6CD2D-50E9-4B9C-BCF9-D72507BABD82}"/>
+                </a:ext>
+              </a:extLst>
+            </p:cNvPr>
+            <p:cNvSpPr/>
+            <p:nvPr/>
+          </p:nvSpPr>
+          <p:spPr>
+            <a:xfrm>
+              <a:off x="707700" y="3645152"/>
+              <a:ext cx="373224" cy="373224"/>
+            </a:xfrm>
+            <a:prstGeom prst="rect">
+              <a:avLst/>
+            </a:prstGeom>
+            <a:solidFill>
+              <a:srgbClr val="59BEC8"/>
+            </a:solidFill>
+            <a:ln>
+              <a:noFill/>
+            </a:ln>
+          </p:spPr>
+          <p:style>
+            <a:lnRef idx="2">
+              <a:schemeClr val="accent2">
+                <a:shade val="50000"/>
+              </a:schemeClr>
+            </a:lnRef>
+            <a:fillRef idx="1">
+              <a:schemeClr val="accent2"/>
+            </a:fillRef>
+            <a:effectRef idx="0">
+              <a:schemeClr val="accent2"/>
+            </a:effectRef>
+            <a:fontRef idx="minor">
+              <a:schemeClr val="lt1"/>
+            </a:fontRef>
+          </p:style>
+          <p:txBody>
+            <a:bodyPr rtlCol="0" anchor="ctr"/>
+            <a:lstStyle/>
+            <a:p>
+              <a:pPr algn="ctr"/>
+              <a:r>
+                <a:rPr lang="en-US" altLang="ko-KR" dirty="0">
+                  <a:ln w="0"/>
+                  <a:solidFill>
+                    <a:schemeClr val="bg1"/>
+                  </a:solidFill>
+                </a:rPr>
+                <a:t>3</a:t>
+              </a:r>
+              <a:endParaRPr lang="ko-KR" altLang="en-US" dirty="0">
+                <a:solidFill>
+                  <a:schemeClr val="bg1"/>
+                </a:solidFill>
+              </a:endParaRPr>
+            </a:p>
+          </p:txBody>
+        </p:sp>
+      </p:grpSp>
+      <p:grpSp>
+        <p:nvGrpSpPr>
+          <p:cNvPr id="6" name="그룹 5">
+            <a:extLst>
+              <a:ext uri="{FF2B5EF4-FFF2-40B4-BE49-F238E27FC236}">
+                <a16:creationId xmlns:a16="http://schemas.microsoft.com/office/drawing/2014/main" id="{F9AD3DAB-5FE2-44FA-B6DC-90CF5BCE0A6A}"/>
+              </a:ext>
+            </a:extLst>
+          </p:cNvPr>
+          <p:cNvGrpSpPr/>
+          <p:nvPr/>
+        </p:nvGrpSpPr>
+        <p:grpSpPr>
+          <a:xfrm>
+            <a:off x="659235" y="4956424"/>
+            <a:ext cx="9638893" cy="565427"/>
+            <a:chOff x="707700" y="4391601"/>
+            <a:chExt cx="9638893" cy="565427"/>
+          </a:xfrm>
+        </p:grpSpPr>
+        <p:sp>
+          <p:nvSpPr>
+            <p:cNvPr id="12" name="제목 1">
+              <a:extLst>
+                <a:ext uri="{FF2B5EF4-FFF2-40B4-BE49-F238E27FC236}">
+                  <a16:creationId xmlns:a16="http://schemas.microsoft.com/office/drawing/2014/main" id="{4055DA97-5AA8-4166-A3E8-AC4ED73ADF43}"/>
+                </a:ext>
+              </a:extLst>
+            </p:cNvPr>
+            <p:cNvSpPr txBox="1">
+              <a:spLocks/>
+            </p:cNvSpPr>
+            <p:nvPr/>
+          </p:nvSpPr>
+          <p:spPr>
+            <a:xfrm>
+              <a:off x="1202593" y="4391601"/>
+              <a:ext cx="9144000" cy="565427"/>
+            </a:xfrm>
+            <a:prstGeom prst="rect">
+              <a:avLst/>
+            </a:prstGeom>
+          </p:spPr>
+          <p:txBody>
+            <a:bodyPr vert="horz" lIns="91440" tIns="45720" rIns="91440" bIns="45720" rtlCol="0" anchor="t">
+              <a:normAutofit/>
+            </a:bodyPr>
+            <a:lstStyle>
+              <a:lvl1pPr algn="ctr" defTabSz="914400" rtl="0" eaLnBrk="1" latinLnBrk="1" hangingPunct="1">
+                <a:lnSpc>
+                  <a:spcPct val="90000"/>
+                </a:lnSpc>
+                <a:spcBef>
+                  <a:spcPct val="0"/>
+                </a:spcBef>
+                <a:buNone/>
+                <a:defRPr sz="6000" kern="1200">
+                  <a:solidFill>
+                    <a:schemeClr val="tx1"/>
+                  </a:solidFill>
+                  <a:latin typeface="+mj-lt"/>
+                  <a:ea typeface="+mj-ea"/>
+                  <a:cs typeface="+mj-cs"/>
+                </a:defRPr>
+              </a:lvl1pPr>
+            </a:lstStyle>
+            <a:p>
+              <a:pPr algn="l"/>
+              <a:r>
+                <a:rPr lang="ko-KR" altLang="en-US" sz="2400" dirty="0">
+                  <a:latin typeface="Pretendard" panose="02000503000000020004" pitchFamily="50" charset="-127"/>
+                  <a:ea typeface="Pretendard" panose="02000503000000020004" pitchFamily="50" charset="-127"/>
+                  <a:cs typeface="Pretendard" panose="02000503000000020004" pitchFamily="50" charset="-127"/>
+                </a:rPr>
+                <a:t>향후 계획</a:t>
+              </a:r>
+            </a:p>
+          </p:txBody>
+        </p:sp>
+        <p:sp>
+          <p:nvSpPr>
+            <p:cNvPr id="13" name="직사각형 12">
+              <a:extLst>
+                <a:ext uri="{FF2B5EF4-FFF2-40B4-BE49-F238E27FC236}">
+                  <a16:creationId xmlns:a16="http://schemas.microsoft.com/office/drawing/2014/main" id="{6AC24BB3-72F9-460D-9B50-FBE9B2A07F3A}"/>
+                </a:ext>
+              </a:extLst>
+            </p:cNvPr>
+            <p:cNvSpPr/>
+            <p:nvPr/>
+          </p:nvSpPr>
+          <p:spPr>
+            <a:xfrm>
+              <a:off x="707700" y="4391601"/>
+              <a:ext cx="373224" cy="373224"/>
+            </a:xfrm>
+            <a:prstGeom prst="rect">
+              <a:avLst/>
+            </a:prstGeom>
+            <a:solidFill>
+              <a:srgbClr val="59BEC8"/>
+            </a:solidFill>
+            <a:ln>
+              <a:noFill/>
+            </a:ln>
+          </p:spPr>
+          <p:style>
+            <a:lnRef idx="2">
+              <a:schemeClr val="accent2">
+                <a:shade val="50000"/>
+              </a:schemeClr>
+            </a:lnRef>
+            <a:fillRef idx="1">
+              <a:schemeClr val="accent2"/>
+            </a:fillRef>
+            <a:effectRef idx="0">
+              <a:schemeClr val="accent2"/>
+            </a:effectRef>
+            <a:fontRef idx="minor">
+              <a:schemeClr val="lt1"/>
+            </a:fontRef>
+          </p:style>
+          <p:txBody>
+            <a:bodyPr rtlCol="0" anchor="ctr"/>
+            <a:lstStyle/>
+            <a:p>
+              <a:pPr algn="ctr"/>
+              <a:r>
+                <a:rPr lang="en-US" altLang="ko-KR" dirty="0">
+                  <a:ln w="0"/>
+                  <a:solidFill>
+                    <a:schemeClr val="bg1"/>
+                  </a:solidFill>
+                </a:rPr>
+                <a:t>4</a:t>
+              </a:r>
+              <a:endParaRPr lang="ko-KR" altLang="en-US" dirty="0">
+                <a:solidFill>
+                  <a:schemeClr val="bg1"/>
+                </a:solidFill>
+              </a:endParaRPr>
+            </a:p>
+          </p:txBody>
+        </p:sp>
+      </p:grpSp>
+      <p:cxnSp>
+        <p:nvCxnSpPr>
+          <p:cNvPr id="21" name="직선 연결선 20">
+            <a:extLst>
+              <a:ext uri="{FF2B5EF4-FFF2-40B4-BE49-F238E27FC236}">
+                <a16:creationId xmlns:a16="http://schemas.microsoft.com/office/drawing/2014/main" id="{57C8117D-BAD4-4B66-BBDF-F967966B22C4}"/>
+              </a:ext>
+            </a:extLst>
+          </p:cNvPr>
+          <p:cNvCxnSpPr>
+            <a:cxnSpLocks/>
+          </p:cNvCxnSpPr>
+          <p:nvPr/>
+        </p:nvCxnSpPr>
+        <p:spPr>
+          <a:xfrm>
+            <a:off x="293615" y="2163188"/>
+            <a:ext cx="11898385" cy="0"/>
+          </a:xfrm>
+          <a:prstGeom prst="line">
+            <a:avLst/>
+          </a:prstGeom>
+          <a:ln w="28575">
+            <a:solidFill>
+              <a:srgbClr val="59BEC8"/>
+            </a:solidFill>
+          </a:ln>
+        </p:spPr>
+        <p:style>
+          <a:lnRef idx="1">
+            <a:schemeClr val="accent2"/>
+          </a:lnRef>
+          <a:fillRef idx="0">
+            <a:schemeClr val="accent2"/>
+          </a:fillRef>
+          <a:effectRef idx="0">
+            <a:schemeClr val="accent2"/>
+          </a:effectRef>
+          <a:fontRef idx="minor">
+            <a:schemeClr val="tx1"/>
+          </a:fontRef>
+        </p:style>
+      </p:cxnSp>
+    </p:spTree>
+    <p:extLst>
+      <p:ext uri="{BB962C8B-B14F-4D97-AF65-F5344CB8AC3E}">
+        <p14:creationId xmlns:p14="http://schemas.microsoft.com/office/powerpoint/2010/main" val="2273191130"/>
       </p:ext>
     </p:extLst>
   </p:cSld>

--- a/가이드문서.pptx
+++ b/가이드문서.pptx
@@ -4984,18 +4984,7 @@
                 <a:ea typeface="Pretendard" panose="02000503000000020004" pitchFamily="50" charset="-127"/>
                 <a:cs typeface="Pretendard" panose="02000503000000020004" pitchFamily="50" charset="-127"/>
               </a:rPr>
-              <a:t>메인 </a:t>
-            </a:r>
-            <a:r>
-              <a:rPr lang="ko-KR" altLang="en-US" sz="2400" b="1">
-                <a:solidFill>
-                  <a:schemeClr val="bg1"/>
-                </a:solidFill>
-                <a:latin typeface="Pretendard" panose="02000503000000020004" pitchFamily="50" charset="-127"/>
-                <a:ea typeface="Pretendard" panose="02000503000000020004" pitchFamily="50" charset="-127"/>
-                <a:cs typeface="Pretendard" panose="02000503000000020004" pitchFamily="50" charset="-127"/>
-              </a:rPr>
-              <a:t>영화소개 몰입도 부족</a:t>
+              <a:t>메인 영화소개 몰입도 부족</a:t>
             </a:r>
             <a:endParaRPr lang="en-US" altLang="ko-KR" sz="2400" b="1" dirty="0">
               <a:solidFill>
@@ -5668,10 +5657,10 @@
       </p:cxnSp>
       <p:pic>
         <p:nvPicPr>
-          <p:cNvPr id="4" name="그림 3">
-            <a:extLst>
-              <a:ext uri="{FF2B5EF4-FFF2-40B4-BE49-F238E27FC236}">
-                <a16:creationId xmlns:a16="http://schemas.microsoft.com/office/drawing/2014/main" id="{47DA21C3-C917-42E4-8805-31289A8383F5}"/>
+          <p:cNvPr id="7" name="그림 6">
+            <a:extLst>
+              <a:ext uri="{FF2B5EF4-FFF2-40B4-BE49-F238E27FC236}">
+                <a16:creationId xmlns:a16="http://schemas.microsoft.com/office/drawing/2014/main" id="{503610EB-382E-4385-A54D-D1D451E5CB20}"/>
               </a:ext>
             </a:extLst>
           </p:cNvPr>
@@ -5688,14 +5677,250 @@
         </p:blipFill>
         <p:spPr>
           <a:xfrm>
-            <a:off x="579648" y="2347406"/>
-            <a:ext cx="5942111" cy="6858000"/>
+            <a:off x="725415" y="2347406"/>
+            <a:ext cx="6094485" cy="5893892"/>
           </a:xfrm>
           <a:prstGeom prst="rect">
             <a:avLst/>
           </a:prstGeom>
         </p:spPr>
       </p:pic>
+      <p:sp>
+        <p:nvSpPr>
+          <p:cNvPr id="11" name="TextBox 10">
+            <a:extLst>
+              <a:ext uri="{FF2B5EF4-FFF2-40B4-BE49-F238E27FC236}">
+                <a16:creationId xmlns:a16="http://schemas.microsoft.com/office/drawing/2014/main" id="{C216DC29-1096-4BF7-A63B-CA8CD8C57246}"/>
+              </a:ext>
+            </a:extLst>
+          </p:cNvPr>
+          <p:cNvSpPr txBox="1"/>
+          <p:nvPr/>
+        </p:nvSpPr>
+        <p:spPr>
+          <a:xfrm>
+            <a:off x="7204383" y="2543298"/>
+            <a:ext cx="4190400" cy="582467"/>
+          </a:xfrm>
+          <a:prstGeom prst="rect">
+            <a:avLst/>
+          </a:prstGeom>
+          <a:noFill/>
+        </p:spPr>
+        <p:txBody>
+          <a:bodyPr wrap="square" rtlCol="0">
+            <a:spAutoFit/>
+          </a:bodyPr>
+          <a:lstStyle/>
+          <a:p>
+            <a:pPr marL="457200" indent="-457200">
+              <a:lnSpc>
+                <a:spcPct val="150000"/>
+              </a:lnSpc>
+              <a:buAutoNum type="arabicPeriod"/>
+            </a:pPr>
+            <a:r>
+              <a:rPr lang="ko-KR" altLang="en-US" sz="2400" b="1" dirty="0">
+                <a:solidFill>
+                  <a:schemeClr val="bg1"/>
+                </a:solidFill>
+                <a:latin typeface="Pretendard" panose="02000503000000020004" pitchFamily="50" charset="-127"/>
+                <a:ea typeface="Pretendard" panose="02000503000000020004" pitchFamily="50" charset="-127"/>
+                <a:cs typeface="Pretendard" panose="02000503000000020004" pitchFamily="50" charset="-127"/>
+              </a:rPr>
+              <a:t>메인 영화소개 몰입도 보완</a:t>
+            </a:r>
+            <a:endParaRPr lang="en-US" altLang="ko-KR" sz="2400" dirty="0">
+              <a:solidFill>
+                <a:schemeClr val="bg2">
+                  <a:lumMod val="75000"/>
+                </a:schemeClr>
+              </a:solidFill>
+              <a:latin typeface="Pretendard" panose="02000503000000020004" pitchFamily="50" charset="-127"/>
+              <a:ea typeface="Pretendard" panose="02000503000000020004" pitchFamily="50" charset="-127"/>
+              <a:cs typeface="Pretendard" panose="02000503000000020004" pitchFamily="50" charset="-127"/>
+            </a:endParaRPr>
+          </a:p>
+        </p:txBody>
+      </p:sp>
+      <p:sp>
+        <p:nvSpPr>
+          <p:cNvPr id="13" name="제목 1">
+            <a:extLst>
+              <a:ext uri="{FF2B5EF4-FFF2-40B4-BE49-F238E27FC236}">
+                <a16:creationId xmlns:a16="http://schemas.microsoft.com/office/drawing/2014/main" id="{A871104E-FF7A-4301-AF01-889EDF8C06EC}"/>
+              </a:ext>
+            </a:extLst>
+          </p:cNvPr>
+          <p:cNvSpPr txBox="1">
+            <a:spLocks/>
+          </p:cNvSpPr>
+          <p:nvPr/>
+        </p:nvSpPr>
+        <p:spPr>
+          <a:xfrm>
+            <a:off x="7204383" y="3581266"/>
+            <a:ext cx="4020344" cy="1326635"/>
+          </a:xfrm>
+          <a:prstGeom prst="rect">
+            <a:avLst/>
+          </a:prstGeom>
+        </p:spPr>
+        <p:txBody>
+          <a:bodyPr vert="horz" lIns="91440" tIns="45720" rIns="91440" bIns="45720" rtlCol="0" anchor="t">
+            <a:normAutofit/>
+          </a:bodyPr>
+          <a:lstStyle>
+            <a:lvl1pPr algn="ctr" defTabSz="914400" rtl="0" eaLnBrk="1" latinLnBrk="1" hangingPunct="1">
+              <a:lnSpc>
+                <a:spcPct val="90000"/>
+              </a:lnSpc>
+              <a:spcBef>
+                <a:spcPct val="0"/>
+              </a:spcBef>
+              <a:buNone/>
+              <a:defRPr sz="6000" kern="1200">
+                <a:solidFill>
+                  <a:schemeClr val="tx1"/>
+                </a:solidFill>
+                <a:latin typeface="+mj-lt"/>
+                <a:ea typeface="+mj-ea"/>
+                <a:cs typeface="+mj-cs"/>
+              </a:defRPr>
+            </a:lvl1pPr>
+          </a:lstStyle>
+          <a:p>
+            <a:pPr algn="l"/>
+            <a:r>
+              <a:rPr lang="ko-KR" altLang="en-US" sz="2400" dirty="0">
+                <a:solidFill>
+                  <a:schemeClr val="bg1"/>
+                </a:solidFill>
+                <a:latin typeface="Pretendard" panose="02000503000000020004" pitchFamily="50" charset="-127"/>
+                <a:ea typeface="Pretendard" panose="02000503000000020004" pitchFamily="50" charset="-127"/>
+                <a:cs typeface="Pretendard" panose="02000503000000020004" pitchFamily="50" charset="-127"/>
+              </a:rPr>
+              <a:t> </a:t>
+            </a:r>
+          </a:p>
+        </p:txBody>
+      </p:sp>
+      <p:pic>
+        <p:nvPicPr>
+          <p:cNvPr id="10" name="그래픽 9" descr="확인 표시">
+            <a:extLst>
+              <a:ext uri="{FF2B5EF4-FFF2-40B4-BE49-F238E27FC236}">
+                <a16:creationId xmlns:a16="http://schemas.microsoft.com/office/drawing/2014/main" id="{33F08E07-F1D3-40D8-92A9-78AD7CA231DA}"/>
+              </a:ext>
+            </a:extLst>
+          </p:cNvPr>
+          <p:cNvPicPr>
+            <a:picLocks noChangeAspect="1"/>
+          </p:cNvPicPr>
+          <p:nvPr/>
+        </p:nvPicPr>
+        <p:blipFill>
+          <a:blip r:embed="rId3">
+            <a:extLst>
+              <a:ext uri="{28A0092B-C50C-407E-A947-70E740481C1C}">
+                <a14:useLocalDpi xmlns:a14="http://schemas.microsoft.com/office/drawing/2010/main" val="0"/>
+              </a:ext>
+              <a:ext uri="{96DAC541-7B7A-43D3-8B79-37D633B846F1}">
+                <asvg:svgBlip xmlns:asvg="http://schemas.microsoft.com/office/drawing/2016/SVG/main" r:embed="rId4"/>
+              </a:ext>
+            </a:extLst>
+          </a:blip>
+          <a:stretch>
+            <a:fillRect/>
+          </a:stretch>
+        </p:blipFill>
+        <p:spPr>
+          <a:xfrm>
+            <a:off x="7346318" y="3266988"/>
+            <a:ext cx="397994" cy="397994"/>
+          </a:xfrm>
+          <a:prstGeom prst="rect">
+            <a:avLst/>
+          </a:prstGeom>
+        </p:spPr>
+      </p:pic>
+      <p:sp>
+        <p:nvSpPr>
+          <p:cNvPr id="14" name="TextBox 13">
+            <a:extLst>
+              <a:ext uri="{FF2B5EF4-FFF2-40B4-BE49-F238E27FC236}">
+                <a16:creationId xmlns:a16="http://schemas.microsoft.com/office/drawing/2014/main" id="{BBA023AB-7BE4-4692-9EB2-0853159FBF4B}"/>
+              </a:ext>
+            </a:extLst>
+          </p:cNvPr>
+          <p:cNvSpPr txBox="1"/>
+          <p:nvPr/>
+        </p:nvSpPr>
+        <p:spPr>
+          <a:xfrm>
+            <a:off x="7744312" y="3302362"/>
+            <a:ext cx="4450257" cy="923330"/>
+          </a:xfrm>
+          <a:prstGeom prst="rect">
+            <a:avLst/>
+          </a:prstGeom>
+          <a:noFill/>
+        </p:spPr>
+        <p:txBody>
+          <a:bodyPr wrap="none" rtlCol="0">
+            <a:spAutoFit/>
+          </a:bodyPr>
+          <a:lstStyle/>
+          <a:p>
+            <a:r>
+              <a:rPr lang="ko-KR" altLang="en-US" dirty="0" err="1">
+                <a:solidFill>
+                  <a:schemeClr val="bg1"/>
+                </a:solidFill>
+              </a:rPr>
+              <a:t>메인배너를</a:t>
+            </a:r>
+            <a:r>
+              <a:rPr lang="ko-KR" altLang="en-US" dirty="0">
+                <a:solidFill>
+                  <a:schemeClr val="bg1"/>
+                </a:solidFill>
+              </a:rPr>
+              <a:t> 전체화면으로 채워 사이트</a:t>
+            </a:r>
+            <a:endParaRPr lang="en-US" altLang="ko-KR" dirty="0">
+              <a:solidFill>
+                <a:schemeClr val="bg1"/>
+              </a:solidFill>
+            </a:endParaRPr>
+          </a:p>
+          <a:p>
+            <a:r>
+              <a:rPr lang="ko-KR" altLang="en-US" dirty="0">
+                <a:solidFill>
+                  <a:schemeClr val="bg1"/>
+                </a:solidFill>
+              </a:rPr>
+              <a:t>접속 시 현재 상영하는 영화를 바로 볼 수</a:t>
+            </a:r>
+            <a:endParaRPr lang="en-US" altLang="ko-KR" dirty="0">
+              <a:solidFill>
+                <a:schemeClr val="bg1"/>
+              </a:solidFill>
+            </a:endParaRPr>
+          </a:p>
+          <a:p>
+            <a:r>
+              <a:rPr lang="ko-KR" altLang="en-US" dirty="0">
+                <a:solidFill>
+                  <a:schemeClr val="bg1"/>
+                </a:solidFill>
+              </a:rPr>
+              <a:t>있게 설 </a:t>
+            </a:r>
+          </a:p>
+        </p:txBody>
+      </p:sp>
     </p:spTree>
     <p:extLst>
       <p:ext uri="{BB962C8B-B14F-4D97-AF65-F5344CB8AC3E}">
